--- a/p5_kaloui-sanaa-presentation.pptx
+++ b/p5_kaloui-sanaa-presentation.pptx
@@ -5,7 +5,7 @@
     <p:sldMasterId id="2147483648" r:id="rId1"/>
   </p:sldMasterIdLst>
   <p:notesMasterIdLst>
-    <p:notesMasterId r:id="rId13"/>
+    <p:notesMasterId r:id="rId12"/>
   </p:notesMasterIdLst>
   <p:sldIdLst>
     <p:sldId id="256" r:id="rId2"/>
@@ -16,9 +16,8 @@
     <p:sldId id="324" r:id="rId7"/>
     <p:sldId id="325" r:id="rId8"/>
     <p:sldId id="328" r:id="rId9"/>
-    <p:sldId id="327" r:id="rId10"/>
-    <p:sldId id="319" r:id="rId11"/>
-    <p:sldId id="273" r:id="rId12"/>
+    <p:sldId id="319" r:id="rId10"/>
+    <p:sldId id="273" r:id="rId11"/>
   </p:sldIdLst>
   <p:sldSz cx="9144000" cy="6858000" type="screen4x3"/>
   <p:notesSz cx="6858000" cy="9144000"/>
@@ -203,7 +202,7 @@
             <a:fld id="{C4AB37EB-507D-44EF-B62B-0789B8689791}" type="datetimeFigureOut">
               <a:rPr lang="fr-FR" smtClean="0"/>
               <a:pPr/>
-              <a:t>10/10/2022</a:t>
+              <a:t>11/10/2022</a:t>
             </a:fld>
             <a:endParaRPr lang="fr-FR"/>
           </a:p>
@@ -522,7 +521,7 @@
     </p:spTree>
     <p:extLst>
       <p:ext uri="{BB962C8B-B14F-4D97-AF65-F5344CB8AC3E}">
-        <p14:creationId xmlns:p14="http://schemas.microsoft.com/office/powerpoint/2010/main" xmlns="" val="4275570066"/>
+        <p14:creationId xmlns="" xmlns:p14="http://schemas.microsoft.com/office/powerpoint/2010/main" val="4275570066"/>
       </p:ext>
     </p:extLst>
   </p:cSld>
@@ -682,7 +681,7 @@
             <a:fld id="{35F9DA20-D60C-47C4-8E26-E2A2317DB7CC}" type="slidenum">
               <a:rPr lang="fr-FR" smtClean="0"/>
               <a:pPr/>
-              <a:t>11</a:t>
+              <a:t>10</a:t>
             </a:fld>
             <a:endParaRPr lang="fr-FR"/>
           </a:p>
@@ -878,7 +877,7 @@
             <a:fld id="{AA309A6D-C09C-4548-B29A-6CF363A7E532}" type="datetimeFigureOut">
               <a:rPr lang="fr-FR" smtClean="0"/>
               <a:pPr/>
-              <a:t>10/10/2022</a:t>
+              <a:t>11/10/2022</a:t>
             </a:fld>
             <a:endParaRPr lang="fr-BE"/>
           </a:p>
@@ -1045,7 +1044,7 @@
             <a:fld id="{AA309A6D-C09C-4548-B29A-6CF363A7E532}" type="datetimeFigureOut">
               <a:rPr lang="fr-FR" smtClean="0"/>
               <a:pPr/>
-              <a:t>10/10/2022</a:t>
+              <a:t>11/10/2022</a:t>
             </a:fld>
             <a:endParaRPr lang="fr-BE"/>
           </a:p>
@@ -1222,7 +1221,7 @@
             <a:fld id="{AA309A6D-C09C-4548-B29A-6CF363A7E532}" type="datetimeFigureOut">
               <a:rPr lang="fr-FR" smtClean="0"/>
               <a:pPr/>
-              <a:t>10/10/2022</a:t>
+              <a:t>11/10/2022</a:t>
             </a:fld>
             <a:endParaRPr lang="fr-BE"/>
           </a:p>
@@ -1309,7 +1308,7 @@
           <p:cNvPr id="19" name="Picture 18">
             <a:extLst>
               <a:ext uri="{FF2B5EF4-FFF2-40B4-BE49-F238E27FC236}">
-                <a16:creationId xmlns:a16="http://schemas.microsoft.com/office/drawing/2014/main" xmlns="" id="{C7EB5592-C2B2-0D43-9D50-9C28DF4DC07C}"/>
+                <a16:creationId xmlns="" xmlns:a16="http://schemas.microsoft.com/office/drawing/2014/main" id="{C7EB5592-C2B2-0D43-9D50-9C28DF4DC07C}"/>
               </a:ext>
             </a:extLst>
           </p:cNvPr>
@@ -1322,7 +1321,7 @@
           <a:blip r:embed="rId2" cstate="screen">
             <a:extLst>
               <a:ext uri="{28A0092B-C50C-407E-A947-70E740481C1C}">
-                <a14:useLocalDpi xmlns:a14="http://schemas.microsoft.com/office/drawing/2010/main" xmlns=""/>
+                <a14:useLocalDpi xmlns="" xmlns:a14="http://schemas.microsoft.com/office/drawing/2010/main"/>
               </a:ext>
             </a:extLst>
           </a:blip>
@@ -1345,7 +1344,7 @@
           <p:cNvPr id="25" name="Picture 24">
             <a:extLst>
               <a:ext uri="{FF2B5EF4-FFF2-40B4-BE49-F238E27FC236}">
-                <a16:creationId xmlns:a16="http://schemas.microsoft.com/office/drawing/2014/main" xmlns="" id="{53424396-1ABB-C24B-ACCA-76C9FDCCCAA7}"/>
+                <a16:creationId xmlns="" xmlns:a16="http://schemas.microsoft.com/office/drawing/2014/main" id="{53424396-1ABB-C24B-ACCA-76C9FDCCCAA7}"/>
               </a:ext>
             </a:extLst>
           </p:cNvPr>
@@ -1359,7 +1358,7 @@
             <a:alphaModFix amt="54000"/>
             <a:extLst>
               <a:ext uri="{28A0092B-C50C-407E-A947-70E740481C1C}">
-                <a14:useLocalDpi xmlns:a14="http://schemas.microsoft.com/office/drawing/2010/main" xmlns=""/>
+                <a14:useLocalDpi xmlns="" xmlns:a14="http://schemas.microsoft.com/office/drawing/2010/main"/>
               </a:ext>
             </a:extLst>
           </a:blip>
@@ -1382,7 +1381,7 @@
           <p:cNvPr id="24" name="Picture 23">
             <a:extLst>
               <a:ext uri="{FF2B5EF4-FFF2-40B4-BE49-F238E27FC236}">
-                <a16:creationId xmlns:a16="http://schemas.microsoft.com/office/drawing/2014/main" xmlns="" id="{3B317941-75AD-CC4C-B1BC-FD1266AD5043}"/>
+                <a16:creationId xmlns="" xmlns:a16="http://schemas.microsoft.com/office/drawing/2014/main" id="{3B317941-75AD-CC4C-B1BC-FD1266AD5043}"/>
               </a:ext>
             </a:extLst>
           </p:cNvPr>
@@ -1395,7 +1394,7 @@
           <a:blip r:embed="rId4" cstate="screen">
             <a:extLst>
               <a:ext uri="{28A0092B-C50C-407E-A947-70E740481C1C}">
-                <a14:useLocalDpi xmlns:a14="http://schemas.microsoft.com/office/drawing/2010/main" xmlns=""/>
+                <a14:useLocalDpi xmlns="" xmlns:a14="http://schemas.microsoft.com/office/drawing/2010/main"/>
               </a:ext>
             </a:extLst>
           </a:blip>
@@ -1764,7 +1763,7 @@
           <p:cNvPr id="15" name="pasted-image.pdf" descr="pasted-image.pdf">
             <a:extLst>
               <a:ext uri="{FF2B5EF4-FFF2-40B4-BE49-F238E27FC236}">
-                <a16:creationId xmlns:a16="http://schemas.microsoft.com/office/drawing/2014/main" xmlns="" id="{971614F3-74FA-1349-B1B6-B73CF0A93053}"/>
+                <a16:creationId xmlns="" xmlns:a16="http://schemas.microsoft.com/office/drawing/2014/main" id="{971614F3-74FA-1349-B1B6-B73CF0A93053}"/>
               </a:ext>
             </a:extLst>
           </p:cNvPr>
@@ -1777,7 +1776,7 @@
           <a:blip r:embed="rId5" cstate="screen">
             <a:extLst>
               <a:ext uri="{28A0092B-C50C-407E-A947-70E740481C1C}">
-                <a14:useLocalDpi xmlns:a14="http://schemas.microsoft.com/office/drawing/2010/main" xmlns=""/>
+                <a14:useLocalDpi xmlns="" xmlns:a14="http://schemas.microsoft.com/office/drawing/2010/main"/>
               </a:ext>
             </a:extLst>
           </a:blip>
@@ -1803,7 +1802,7 @@
           <p:cNvPr id="4" name="Group 3">
             <a:extLst>
               <a:ext uri="{FF2B5EF4-FFF2-40B4-BE49-F238E27FC236}">
-                <a16:creationId xmlns:a16="http://schemas.microsoft.com/office/drawing/2014/main" xmlns="" id="{DB7C485F-51EF-0247-93E1-C6C36D8B8023}"/>
+                <a16:creationId xmlns="" xmlns:a16="http://schemas.microsoft.com/office/drawing/2014/main" id="{DB7C485F-51EF-0247-93E1-C6C36D8B8023}"/>
               </a:ext>
             </a:extLst>
           </p:cNvPr>
@@ -1823,7 +1822,7 @@
             <p:cNvPr id="13" name="Picture 12">
               <a:extLst>
                 <a:ext uri="{FF2B5EF4-FFF2-40B4-BE49-F238E27FC236}">
-                  <a16:creationId xmlns:a16="http://schemas.microsoft.com/office/drawing/2014/main" xmlns="" id="{6C38969F-F9E0-964C-A2AB-502E26747B0F}"/>
+                  <a16:creationId xmlns="" xmlns:a16="http://schemas.microsoft.com/office/drawing/2014/main" id="{6C38969F-F9E0-964C-A2AB-502E26747B0F}"/>
                 </a:ext>
               </a:extLst>
             </p:cNvPr>
@@ -1837,7 +1836,7 @@
               <a:alphaModFix amt="54000"/>
               <a:extLst>
                 <a:ext uri="{28A0092B-C50C-407E-A947-70E740481C1C}">
-                  <a14:useLocalDpi xmlns:a14="http://schemas.microsoft.com/office/drawing/2010/main" xmlns=""/>
+                  <a14:useLocalDpi xmlns="" xmlns:a14="http://schemas.microsoft.com/office/drawing/2010/main"/>
                 </a:ext>
               </a:extLst>
             </a:blip>
@@ -1860,7 +1859,7 @@
             <p:cNvPr id="16" name="Picture 15">
               <a:extLst>
                 <a:ext uri="{FF2B5EF4-FFF2-40B4-BE49-F238E27FC236}">
-                  <a16:creationId xmlns:a16="http://schemas.microsoft.com/office/drawing/2014/main" xmlns="" id="{F24688C7-865E-8448-BF28-340C41DCF4B1}"/>
+                  <a16:creationId xmlns="" xmlns:a16="http://schemas.microsoft.com/office/drawing/2014/main" id="{F24688C7-865E-8448-BF28-340C41DCF4B1}"/>
                 </a:ext>
               </a:extLst>
             </p:cNvPr>
@@ -1874,7 +1873,7 @@
               <a:alphaModFix amt="54000"/>
               <a:extLst>
                 <a:ext uri="{28A0092B-C50C-407E-A947-70E740481C1C}">
-                  <a14:useLocalDpi xmlns:a14="http://schemas.microsoft.com/office/drawing/2010/main" xmlns=""/>
+                  <a14:useLocalDpi xmlns="" xmlns:a14="http://schemas.microsoft.com/office/drawing/2010/main"/>
                 </a:ext>
               </a:extLst>
             </a:blip>
@@ -1897,7 +1896,7 @@
             <p:cNvPr id="14" name="Picture 13">
               <a:extLst>
                 <a:ext uri="{FF2B5EF4-FFF2-40B4-BE49-F238E27FC236}">
-                  <a16:creationId xmlns:a16="http://schemas.microsoft.com/office/drawing/2014/main" xmlns="" id="{9E31BE27-20CA-A147-9D7E-63AE9203A4E2}"/>
+                  <a16:creationId xmlns="" xmlns:a16="http://schemas.microsoft.com/office/drawing/2014/main" id="{9E31BE27-20CA-A147-9D7E-63AE9203A4E2}"/>
                 </a:ext>
               </a:extLst>
             </p:cNvPr>
@@ -1910,7 +1909,7 @@
             <a:blip r:embed="rId7" cstate="screen">
               <a:extLst>
                 <a:ext uri="{28A0092B-C50C-407E-A947-70E740481C1C}">
-                  <a14:useLocalDpi xmlns:a14="http://schemas.microsoft.com/office/drawing/2010/main" xmlns=""/>
+                  <a14:useLocalDpi xmlns="" xmlns:a14="http://schemas.microsoft.com/office/drawing/2010/main"/>
                 </a:ext>
               </a:extLst>
             </a:blip>
@@ -1934,7 +1933,7 @@
           <p:cNvPr id="20" name="Picture 19">
             <a:extLst>
               <a:ext uri="{FF2B5EF4-FFF2-40B4-BE49-F238E27FC236}">
-                <a16:creationId xmlns:a16="http://schemas.microsoft.com/office/drawing/2014/main" xmlns="" id="{C20BF5AF-61F1-4348-BAA3-134001BC6AC8}"/>
+                <a16:creationId xmlns="" xmlns:a16="http://schemas.microsoft.com/office/drawing/2014/main" id="{C20BF5AF-61F1-4348-BAA3-134001BC6AC8}"/>
               </a:ext>
             </a:extLst>
           </p:cNvPr>
@@ -1948,7 +1947,7 @@
             <a:alphaModFix amt="54000"/>
             <a:extLst>
               <a:ext uri="{28A0092B-C50C-407E-A947-70E740481C1C}">
-                <a14:useLocalDpi xmlns:a14="http://schemas.microsoft.com/office/drawing/2010/main" xmlns=""/>
+                <a14:useLocalDpi xmlns="" xmlns:a14="http://schemas.microsoft.com/office/drawing/2010/main"/>
               </a:ext>
             </a:extLst>
           </a:blip>
@@ -1971,7 +1970,7 @@
           <p:cNvPr id="22" name="Picture 21">
             <a:extLst>
               <a:ext uri="{FF2B5EF4-FFF2-40B4-BE49-F238E27FC236}">
-                <a16:creationId xmlns:a16="http://schemas.microsoft.com/office/drawing/2014/main" xmlns="" id="{364051FF-B810-7F47-AD66-7FC738416232}"/>
+                <a16:creationId xmlns="" xmlns:a16="http://schemas.microsoft.com/office/drawing/2014/main" id="{364051FF-B810-7F47-AD66-7FC738416232}"/>
               </a:ext>
             </a:extLst>
           </p:cNvPr>
@@ -1985,7 +1984,7 @@
             <a:alphaModFix amt="22000"/>
             <a:extLst>
               <a:ext uri="{28A0092B-C50C-407E-A947-70E740481C1C}">
-                <a14:useLocalDpi xmlns:a14="http://schemas.microsoft.com/office/drawing/2010/main" xmlns=""/>
+                <a14:useLocalDpi xmlns="" xmlns:a14="http://schemas.microsoft.com/office/drawing/2010/main"/>
               </a:ext>
             </a:extLst>
           </a:blip>
@@ -2015,7 +2014,7 @@
           <p:cNvPr id="23" name="Picture 22" descr="Cloud-the-Goat---Grazing.png">
             <a:extLst>
               <a:ext uri="{FF2B5EF4-FFF2-40B4-BE49-F238E27FC236}">
-                <a16:creationId xmlns:a16="http://schemas.microsoft.com/office/drawing/2014/main" xmlns="" id="{B3F869A3-8172-374F-BC43-74EB11069E29}"/>
+                <a16:creationId xmlns="" xmlns:a16="http://schemas.microsoft.com/office/drawing/2014/main" id="{B3F869A3-8172-374F-BC43-74EB11069E29}"/>
               </a:ext>
             </a:extLst>
           </p:cNvPr>
@@ -2028,7 +2027,7 @@
           <a:blip r:embed="rId8" cstate="screen">
             <a:extLst>
               <a:ext uri="{28A0092B-C50C-407E-A947-70E740481C1C}">
-                <a14:useLocalDpi xmlns:a14="http://schemas.microsoft.com/office/drawing/2010/main" xmlns=""/>
+                <a14:useLocalDpi xmlns="" xmlns:a14="http://schemas.microsoft.com/office/drawing/2010/main"/>
               </a:ext>
             </a:extLst>
           </a:blip>
@@ -2051,7 +2050,7 @@
           <p:cNvPr id="26" name="Picture 25">
             <a:extLst>
               <a:ext uri="{FF2B5EF4-FFF2-40B4-BE49-F238E27FC236}">
-                <a16:creationId xmlns:a16="http://schemas.microsoft.com/office/drawing/2014/main" xmlns="" id="{AAA0F863-5ED9-BF47-9E43-9B5A7E5D55EA}"/>
+                <a16:creationId xmlns="" xmlns:a16="http://schemas.microsoft.com/office/drawing/2014/main" id="{AAA0F863-5ED9-BF47-9E43-9B5A7E5D55EA}"/>
               </a:ext>
             </a:extLst>
           </p:cNvPr>
@@ -2065,7 +2064,7 @@
             <a:alphaModFix amt="22000"/>
             <a:extLst>
               <a:ext uri="{28A0092B-C50C-407E-A947-70E740481C1C}">
-                <a14:useLocalDpi xmlns:a14="http://schemas.microsoft.com/office/drawing/2010/main" xmlns=""/>
+                <a14:useLocalDpi xmlns="" xmlns:a14="http://schemas.microsoft.com/office/drawing/2010/main"/>
               </a:ext>
             </a:extLst>
           </a:blip>
@@ -2095,7 +2094,7 @@
           <p:cNvPr id="21" name="Picture 20">
             <a:extLst>
               <a:ext uri="{FF2B5EF4-FFF2-40B4-BE49-F238E27FC236}">
-                <a16:creationId xmlns:a16="http://schemas.microsoft.com/office/drawing/2014/main" xmlns="" id="{4D07FE5E-A6AA-884E-A18B-3D6ED3F41826}"/>
+                <a16:creationId xmlns="" xmlns:a16="http://schemas.microsoft.com/office/drawing/2014/main" id="{4D07FE5E-A6AA-884E-A18B-3D6ED3F41826}"/>
               </a:ext>
             </a:extLst>
           </p:cNvPr>
@@ -2109,7 +2108,7 @@
             <a:alphaModFix amt="54000"/>
             <a:extLst>
               <a:ext uri="{28A0092B-C50C-407E-A947-70E740481C1C}">
-                <a14:useLocalDpi xmlns:a14="http://schemas.microsoft.com/office/drawing/2010/main" xmlns=""/>
+                <a14:useLocalDpi xmlns="" xmlns:a14="http://schemas.microsoft.com/office/drawing/2010/main"/>
               </a:ext>
             </a:extLst>
           </a:blip>
@@ -2132,7 +2131,7 @@
           <p:cNvPr id="7" name="Picture 6">
             <a:extLst>
               <a:ext uri="{FF2B5EF4-FFF2-40B4-BE49-F238E27FC236}">
-                <a16:creationId xmlns:a16="http://schemas.microsoft.com/office/drawing/2014/main" xmlns="" id="{4EDC2888-59E3-7440-9896-4A8645F97492}"/>
+                <a16:creationId xmlns="" xmlns:a16="http://schemas.microsoft.com/office/drawing/2014/main" id="{4EDC2888-59E3-7440-9896-4A8645F97492}"/>
               </a:ext>
             </a:extLst>
           </p:cNvPr>
@@ -2145,7 +2144,7 @@
           <a:blip r:embed="rId9" cstate="screen">
             <a:extLst>
               <a:ext uri="{28A0092B-C50C-407E-A947-70E740481C1C}">
-                <a14:useLocalDpi xmlns:a14="http://schemas.microsoft.com/office/drawing/2010/main" xmlns=""/>
+                <a14:useLocalDpi xmlns="" xmlns:a14="http://schemas.microsoft.com/office/drawing/2010/main"/>
               </a:ext>
             </a:extLst>
           </a:blip>
@@ -2166,7 +2165,7 @@
     </p:spTree>
     <p:extLst>
       <p:ext uri="{BB962C8B-B14F-4D97-AF65-F5344CB8AC3E}">
-        <p14:creationId xmlns:p14="http://schemas.microsoft.com/office/powerpoint/2010/main" xmlns="" val="3373851088"/>
+        <p14:creationId xmlns="" xmlns:p14="http://schemas.microsoft.com/office/powerpoint/2010/main" val="3373851088"/>
       </p:ext>
     </p:extLst>
   </p:cSld>
@@ -2201,7 +2200,7 @@
           <p:cNvPr id="19" name="Picture 18">
             <a:extLst>
               <a:ext uri="{FF2B5EF4-FFF2-40B4-BE49-F238E27FC236}">
-                <a16:creationId xmlns:a16="http://schemas.microsoft.com/office/drawing/2014/main" xmlns="" id="{C813E119-9FD7-D446-B03F-ED372D4DE5DA}"/>
+                <a16:creationId xmlns="" xmlns:a16="http://schemas.microsoft.com/office/drawing/2014/main" id="{C813E119-9FD7-D446-B03F-ED372D4DE5DA}"/>
               </a:ext>
             </a:extLst>
           </p:cNvPr>
@@ -2215,7 +2214,7 @@
             <a:alphaModFix amt="80000"/>
             <a:extLst>
               <a:ext uri="{28A0092B-C50C-407E-A947-70E740481C1C}">
-                <a14:useLocalDpi xmlns:a14="http://schemas.microsoft.com/office/drawing/2010/main" xmlns=""/>
+                <a14:useLocalDpi xmlns="" xmlns:a14="http://schemas.microsoft.com/office/drawing/2010/main"/>
               </a:ext>
             </a:extLst>
           </a:blip>
@@ -2418,7 +2417,7 @@
           <a:blip r:embed="rId3" cstate="screen">
             <a:extLst>
               <a:ext uri="{28A0092B-C50C-407E-A947-70E740481C1C}">
-                <a14:useLocalDpi xmlns:a14="http://schemas.microsoft.com/office/drawing/2010/main" xmlns=""/>
+                <a14:useLocalDpi xmlns="" xmlns:a14="http://schemas.microsoft.com/office/drawing/2010/main"/>
               </a:ext>
             </a:extLst>
           </a:blip>
@@ -2444,7 +2443,7 @@
           <p:cNvPr id="11" name="Footer Placeholder 3">
             <a:extLst>
               <a:ext uri="{FF2B5EF4-FFF2-40B4-BE49-F238E27FC236}">
-                <a16:creationId xmlns:a16="http://schemas.microsoft.com/office/drawing/2014/main" xmlns="" id="{D34182B3-BC83-574F-BEFD-A10EC2325B88}"/>
+                <a16:creationId xmlns="" xmlns:a16="http://schemas.microsoft.com/office/drawing/2014/main" id="{D34182B3-BC83-574F-BEFD-A10EC2325B88}"/>
               </a:ext>
             </a:extLst>
           </p:cNvPr>
@@ -2494,7 +2493,7 @@
           <p:cNvPr id="2" name="Title 1">
             <a:extLst>
               <a:ext uri="{FF2B5EF4-FFF2-40B4-BE49-F238E27FC236}">
-                <a16:creationId xmlns:a16="http://schemas.microsoft.com/office/drawing/2014/main" xmlns="" id="{5ADE0D96-7C21-4589-BD0C-0F1AC3C6C7E7}"/>
+                <a16:creationId xmlns="" xmlns:a16="http://schemas.microsoft.com/office/drawing/2014/main" id="{5ADE0D96-7C21-4589-BD0C-0F1AC3C6C7E7}"/>
               </a:ext>
             </a:extLst>
           </p:cNvPr>
@@ -2521,7 +2520,7 @@
     </p:spTree>
     <p:extLst>
       <p:ext uri="{BB962C8B-B14F-4D97-AF65-F5344CB8AC3E}">
-        <p14:creationId xmlns:p14="http://schemas.microsoft.com/office/powerpoint/2010/main" xmlns="" val="2681145133"/>
+        <p14:creationId xmlns="" xmlns:p14="http://schemas.microsoft.com/office/powerpoint/2010/main" val="2681145133"/>
       </p:ext>
     </p:extLst>
   </p:cSld>
@@ -2575,7 +2574,7 @@
           <p:cNvPr id="5" name="Google Shape;362;p55">
             <a:extLst>
               <a:ext uri="{FF2B5EF4-FFF2-40B4-BE49-F238E27FC236}">
-                <a16:creationId xmlns="" xmlns:a16="http://schemas.microsoft.com/office/drawing/2014/main" id="{B194211E-B6CF-124C-A97F-843FC114B6E9}"/>
+                <a16:creationId xmlns:a16="http://schemas.microsoft.com/office/drawing/2014/main" xmlns="" id="{B194211E-B6CF-124C-A97F-843FC114B6E9}"/>
               </a:ext>
             </a:extLst>
           </p:cNvPr>
@@ -2587,7 +2586,7 @@
             <a:alphaModFix/>
             <a:extLst>
               <a:ext uri="{28A0092B-C50C-407E-A947-70E740481C1C}">
-                <a14:useLocalDpi xmlns="" xmlns:a14="http://schemas.microsoft.com/office/drawing/2010/main"/>
+                <a14:useLocalDpi xmlns:a14="http://schemas.microsoft.com/office/drawing/2010/main" xmlns=""/>
               </a:ext>
             </a:extLst>
           </a:blip>
@@ -2620,7 +2619,7 @@
           <a:blip r:embed="rId3" cstate="screen">
             <a:extLst>
               <a:ext uri="{28A0092B-C50C-407E-A947-70E740481C1C}">
-                <a14:useLocalDpi xmlns="" xmlns:a14="http://schemas.microsoft.com/office/drawing/2010/main"/>
+                <a14:useLocalDpi xmlns:a14="http://schemas.microsoft.com/office/drawing/2010/main" xmlns=""/>
               </a:ext>
             </a:extLst>
           </a:blip>
@@ -2643,7 +2642,7 @@
           <p:cNvPr id="4" name="Picture 3">
             <a:extLst>
               <a:ext uri="{FF2B5EF4-FFF2-40B4-BE49-F238E27FC236}">
-                <a16:creationId xmlns="" xmlns:a16="http://schemas.microsoft.com/office/drawing/2014/main" id="{CF2E9877-22A5-7E47-ACD2-1589BC5FEB7B}"/>
+                <a16:creationId xmlns:a16="http://schemas.microsoft.com/office/drawing/2014/main" xmlns="" id="{CF2E9877-22A5-7E47-ACD2-1589BC5FEB7B}"/>
               </a:ext>
             </a:extLst>
           </p:cNvPr>
@@ -2671,7 +2670,7 @@
     </p:spTree>
     <p:extLst>
       <p:ext uri="{BB962C8B-B14F-4D97-AF65-F5344CB8AC3E}">
-        <p14:creationId xmlns="" xmlns:p14="http://schemas.microsoft.com/office/powerpoint/2010/main" val="3956320057"/>
+        <p14:creationId xmlns:p14="http://schemas.microsoft.com/office/powerpoint/2010/main" xmlns="" val="3956320057"/>
       </p:ext>
     </p:extLst>
   </p:cSld>
@@ -2794,7 +2793,7 @@
             <a:fld id="{AA309A6D-C09C-4548-B29A-6CF363A7E532}" type="datetimeFigureOut">
               <a:rPr lang="fr-FR" smtClean="0"/>
               <a:pPr/>
-              <a:t>10/10/2022</a:t>
+              <a:t>11/10/2022</a:t>
             </a:fld>
             <a:endParaRPr lang="fr-BE"/>
           </a:p>
@@ -3037,7 +3036,7 @@
             <a:fld id="{AA309A6D-C09C-4548-B29A-6CF363A7E532}" type="datetimeFigureOut">
               <a:rPr lang="fr-FR" smtClean="0"/>
               <a:pPr/>
-              <a:t>10/10/2022</a:t>
+              <a:t>11/10/2022</a:t>
             </a:fld>
             <a:endParaRPr lang="fr-BE"/>
           </a:p>
@@ -3322,7 +3321,7 @@
             <a:fld id="{AA309A6D-C09C-4548-B29A-6CF363A7E532}" type="datetimeFigureOut">
               <a:rPr lang="fr-FR" smtClean="0"/>
               <a:pPr/>
-              <a:t>10/10/2022</a:t>
+              <a:t>11/10/2022</a:t>
             </a:fld>
             <a:endParaRPr lang="fr-BE"/>
           </a:p>
@@ -3741,7 +3740,7 @@
             <a:fld id="{AA309A6D-C09C-4548-B29A-6CF363A7E532}" type="datetimeFigureOut">
               <a:rPr lang="fr-FR" smtClean="0"/>
               <a:pPr/>
-              <a:t>10/10/2022</a:t>
+              <a:t>11/10/2022</a:t>
             </a:fld>
             <a:endParaRPr lang="fr-BE"/>
           </a:p>
@@ -3856,7 +3855,7 @@
             <a:fld id="{AA309A6D-C09C-4548-B29A-6CF363A7E532}" type="datetimeFigureOut">
               <a:rPr lang="fr-FR" smtClean="0"/>
               <a:pPr/>
-              <a:t>10/10/2022</a:t>
+              <a:t>11/10/2022</a:t>
             </a:fld>
             <a:endParaRPr lang="fr-BE"/>
           </a:p>
@@ -3948,7 +3947,7 @@
             <a:fld id="{AA309A6D-C09C-4548-B29A-6CF363A7E532}" type="datetimeFigureOut">
               <a:rPr lang="fr-FR" smtClean="0"/>
               <a:pPr/>
-              <a:t>10/10/2022</a:t>
+              <a:t>11/10/2022</a:t>
             </a:fld>
             <a:endParaRPr lang="fr-BE"/>
           </a:p>
@@ -4222,7 +4221,7 @@
             <a:fld id="{AA309A6D-C09C-4548-B29A-6CF363A7E532}" type="datetimeFigureOut">
               <a:rPr lang="fr-FR" smtClean="0"/>
               <a:pPr/>
-              <a:t>10/10/2022</a:t>
+              <a:t>11/10/2022</a:t>
             </a:fld>
             <a:endParaRPr lang="fr-BE"/>
           </a:p>
@@ -4472,7 +4471,7 @@
             <a:fld id="{AA309A6D-C09C-4548-B29A-6CF363A7E532}" type="datetimeFigureOut">
               <a:rPr lang="fr-FR" smtClean="0"/>
               <a:pPr/>
-              <a:t>10/10/2022</a:t>
+              <a:t>11/10/2022</a:t>
             </a:fld>
             <a:endParaRPr lang="fr-BE"/>
           </a:p>
@@ -4682,7 +4681,7 @@
             <a:fld id="{AA309A6D-C09C-4548-B29A-6CF363A7E532}" type="datetimeFigureOut">
               <a:rPr lang="fr-FR" smtClean="0"/>
               <a:pPr/>
-              <a:t>10/10/2022</a:t>
+              <a:t>11/10/2022</a:t>
             </a:fld>
             <a:endParaRPr lang="fr-BE"/>
           </a:p>
@@ -5361,7 +5360,7 @@
     </p:spTree>
     <p:extLst>
       <p:ext uri="{BB962C8B-B14F-4D97-AF65-F5344CB8AC3E}">
-        <p14:creationId xmlns:p14="http://schemas.microsoft.com/office/powerpoint/2010/main" xmlns="" val="1452348287"/>
+        <p14:creationId xmlns="" xmlns:p14="http://schemas.microsoft.com/office/powerpoint/2010/main" val="1452348287"/>
       </p:ext>
     </p:extLst>
   </p:cSld>
@@ -5382,6 +5381,2009 @@
 </file>
 
 <file path=ppt/slides/slide10.xml><?xml version="1.0" encoding="utf-8"?>
+<p:sld xmlns:a="http://schemas.openxmlformats.org/drawingml/2006/main" xmlns:r="http://schemas.openxmlformats.org/officeDocument/2006/relationships" xmlns:p="http://schemas.openxmlformats.org/presentationml/2006/main">
+  <p:cSld>
+    <p:spTree>
+      <p:nvGrpSpPr>
+        <p:cNvPr id="1" name=""/>
+        <p:cNvGrpSpPr/>
+        <p:nvPr/>
+      </p:nvGrpSpPr>
+      <p:grpSpPr>
+        <a:xfrm>
+          <a:off x="0" y="0"/>
+          <a:ext cx="0" cy="0"/>
+          <a:chOff x="0" y="0"/>
+          <a:chExt cx="0" cy="0"/>
+        </a:xfrm>
+      </p:grpSpPr>
+    </p:spTree>
+    <p:extLst>
+      <p:ext uri="{BB962C8B-B14F-4D97-AF65-F5344CB8AC3E}">
+        <p14:creationId xmlns:p14="http://schemas.microsoft.com/office/powerpoint/2010/main" xmlns="" val="4166242014"/>
+      </p:ext>
+    </p:extLst>
+  </p:cSld>
+  <p:clrMapOvr>
+    <a:masterClrMapping/>
+  </p:clrMapOvr>
+  <p:transition>
+    <p:fade/>
+  </p:transition>
+  <p:timing>
+    <p:tnLst>
+      <p:par>
+        <p:cTn id="1" dur="indefinite" restart="never" nodeType="tmRoot"/>
+      </p:par>
+    </p:tnLst>
+  </p:timing>
+</p:sld>
+</file>
+
+<file path=ppt/slides/slide2.xml><?xml version="1.0" encoding="utf-8"?>
+<p:sld xmlns:a="http://schemas.openxmlformats.org/drawingml/2006/main" xmlns:r="http://schemas.openxmlformats.org/officeDocument/2006/relationships" xmlns:p="http://schemas.openxmlformats.org/presentationml/2006/main">
+  <p:cSld>
+    <p:spTree>
+      <p:nvGrpSpPr>
+        <p:cNvPr id="1" name=""/>
+        <p:cNvGrpSpPr/>
+        <p:nvPr/>
+      </p:nvGrpSpPr>
+      <p:grpSpPr>
+        <a:xfrm>
+          <a:off x="0" y="0"/>
+          <a:ext cx="0" cy="0"/>
+          <a:chOff x="0" y="0"/>
+          <a:chExt cx="0" cy="0"/>
+        </a:xfrm>
+      </p:grpSpPr>
+      <p:sp>
+        <p:nvSpPr>
+          <p:cNvPr id="2" name="ZoneTexte 1"/>
+          <p:cNvSpPr txBox="1"/>
+          <p:nvPr/>
+        </p:nvSpPr>
+        <p:spPr>
+          <a:xfrm>
+            <a:off x="642910" y="571480"/>
+            <a:ext cx="7286676" cy="523220"/>
+          </a:xfrm>
+          <a:prstGeom prst="rect">
+            <a:avLst/>
+          </a:prstGeom>
+          <a:noFill/>
+        </p:spPr>
+        <p:txBody>
+          <a:bodyPr wrap="square" rtlCol="0">
+            <a:spAutoFit/>
+          </a:bodyPr>
+          <a:lstStyle/>
+          <a:p>
+            <a:pPr algn="ctr"/>
+            <a:r>
+              <a:rPr lang="fr-FR" sz="2800" b="1" cap="all" dirty="0" smtClean="0">
+                <a:ln w="0"/>
+                <a:gradFill flip="none">
+                  <a:gsLst>
+                    <a:gs pos="0">
+                      <a:schemeClr val="accent1">
+                        <a:tint val="75000"/>
+                        <a:shade val="75000"/>
+                        <a:satMod val="170000"/>
+                      </a:schemeClr>
+                    </a:gs>
+                    <a:gs pos="49000">
+                      <a:schemeClr val="accent1">
+                        <a:tint val="88000"/>
+                        <a:shade val="65000"/>
+                        <a:satMod val="172000"/>
+                      </a:schemeClr>
+                    </a:gs>
+                    <a:gs pos="50000">
+                      <a:schemeClr val="accent1">
+                        <a:shade val="65000"/>
+                        <a:satMod val="130000"/>
+                      </a:schemeClr>
+                    </a:gs>
+                    <a:gs pos="92000">
+                      <a:schemeClr val="accent1">
+                        <a:shade val="50000"/>
+                        <a:satMod val="120000"/>
+                      </a:schemeClr>
+                    </a:gs>
+                    <a:gs pos="100000">
+                      <a:schemeClr val="accent1">
+                        <a:shade val="48000"/>
+                        <a:satMod val="120000"/>
+                      </a:schemeClr>
+                    </a:gs>
+                  </a:gsLst>
+                  <a:lin ang="5400000"/>
+                </a:gradFill>
+                <a:effectLst>
+                  <a:reflection blurRad="12700" stA="50000" endPos="50000" dist="5000" dir="5400000" sy="-100000" rotWithShape="0"/>
+                </a:effectLst>
+              </a:rPr>
+              <a:t>Introduction</a:t>
+            </a:r>
+          </a:p>
+        </p:txBody>
+      </p:sp>
+      <p:sp>
+        <p:nvSpPr>
+          <p:cNvPr id="3" name="Rectangle 2"/>
+          <p:cNvSpPr/>
+          <p:nvPr/>
+        </p:nvSpPr>
+        <p:spPr>
+          <a:xfrm>
+            <a:off x="285720" y="1214422"/>
+            <a:ext cx="8286808" cy="1015663"/>
+          </a:xfrm>
+          <a:prstGeom prst="rect">
+            <a:avLst/>
+          </a:prstGeom>
+        </p:spPr>
+        <p:txBody>
+          <a:bodyPr wrap="square">
+            <a:spAutoFit/>
+          </a:bodyPr>
+          <a:lstStyle/>
+          <a:p>
+            <a:endParaRPr lang="fr-FR" b="1" dirty="0" smtClean="0"/>
+          </a:p>
+          <a:p>
+            <a:endParaRPr lang="fr-FR" b="1" dirty="0" smtClean="0"/>
+          </a:p>
+          <a:p>
+            <a:endParaRPr lang="fr-FR" sz="2400" dirty="0" smtClean="0">
+              <a:solidFill>
+                <a:schemeClr val="accent1">
+                  <a:lumMod val="75000"/>
+                </a:schemeClr>
+              </a:solidFill>
+              <a:latin typeface="Centaur" pitchFamily="18" charset="0"/>
+              <a:ea typeface="ＭＳ Ｐゴシック" charset="0"/>
+              <a:cs typeface="Calibri" pitchFamily="34" charset="0"/>
+            </a:endParaRPr>
+          </a:p>
+        </p:txBody>
+      </p:sp>
+      <p:sp>
+        <p:nvSpPr>
+          <p:cNvPr id="4" name="Rectangle 3"/>
+          <p:cNvSpPr/>
+          <p:nvPr/>
+        </p:nvSpPr>
+        <p:spPr>
+          <a:xfrm>
+            <a:off x="428596" y="1428736"/>
+            <a:ext cx="8072462" cy="3754874"/>
+          </a:xfrm>
+          <a:prstGeom prst="rect">
+            <a:avLst/>
+          </a:prstGeom>
+        </p:spPr>
+        <p:txBody>
+          <a:bodyPr wrap="square">
+            <a:spAutoFit/>
+          </a:bodyPr>
+          <a:lstStyle/>
+          <a:p>
+            <a:r>
+              <a:rPr lang="fr-FR" sz="2000" dirty="0" smtClean="0">
+                <a:solidFill>
+                  <a:schemeClr val="accent1">
+                    <a:lumMod val="75000"/>
+                  </a:schemeClr>
+                </a:solidFill>
+                <a:latin typeface="Century" pitchFamily="18" charset="0"/>
+                <a:ea typeface="Cambria" pitchFamily="18" charset="0"/>
+                <a:cs typeface="Times New Roman" pitchFamily="18" charset="0"/>
+              </a:rPr>
+              <a:t>Le but d'un test est de vérifier qu'une fonctionnalité fait ce que l'on attend d'elle.</a:t>
+            </a:r>
+          </a:p>
+          <a:p>
+            <a:endParaRPr lang="fr-FR" sz="2000" dirty="0" smtClean="0">
+              <a:solidFill>
+                <a:schemeClr val="accent1">
+                  <a:lumMod val="75000"/>
+                </a:schemeClr>
+              </a:solidFill>
+              <a:latin typeface="Century" pitchFamily="18" charset="0"/>
+              <a:ea typeface="Cambria" pitchFamily="18" charset="0"/>
+              <a:cs typeface="Times New Roman" pitchFamily="18" charset="0"/>
+            </a:endParaRPr>
+          </a:p>
+          <a:p>
+            <a:r>
+              <a:rPr lang="fr-FR" sz="2000" dirty="0" smtClean="0">
+                <a:solidFill>
+                  <a:schemeClr val="accent1">
+                    <a:lumMod val="75000"/>
+                  </a:schemeClr>
+                </a:solidFill>
+                <a:latin typeface="Century" pitchFamily="18" charset="0"/>
+                <a:ea typeface="Cambria" pitchFamily="18" charset="0"/>
+                <a:cs typeface="Times New Roman" pitchFamily="18" charset="0"/>
+              </a:rPr>
+              <a:t>les tests d'une application sont une phase très importante dans les cycles de  développement et de maintenance d'une application.</a:t>
+            </a:r>
+          </a:p>
+          <a:p>
+            <a:endParaRPr lang="fr-FR" sz="2000" dirty="0" smtClean="0">
+              <a:solidFill>
+                <a:schemeClr val="accent1">
+                  <a:lumMod val="75000"/>
+                </a:schemeClr>
+              </a:solidFill>
+              <a:latin typeface="Century" pitchFamily="18" charset="0"/>
+              <a:ea typeface="Cambria" pitchFamily="18" charset="0"/>
+              <a:cs typeface="Times New Roman" pitchFamily="18" charset="0"/>
+            </a:endParaRPr>
+          </a:p>
+          <a:p>
+            <a:r>
+              <a:rPr lang="fr-FR" sz="2000" dirty="0" smtClean="0">
+                <a:solidFill>
+                  <a:schemeClr val="accent1">
+                    <a:lumMod val="75000"/>
+                  </a:schemeClr>
+                </a:solidFill>
+                <a:latin typeface="Century" pitchFamily="18" charset="0"/>
+                <a:ea typeface="Cambria" pitchFamily="18" charset="0"/>
+                <a:cs typeface="Times New Roman" pitchFamily="18" charset="0"/>
+              </a:rPr>
+              <a:t> Ils permettent de détecter des bugs et de s'assurer que </a:t>
+            </a:r>
+          </a:p>
+          <a:p>
+            <a:endParaRPr lang="fr-FR" sz="2000" dirty="0" smtClean="0">
+              <a:solidFill>
+                <a:schemeClr val="accent1">
+                  <a:lumMod val="75000"/>
+                </a:schemeClr>
+              </a:solidFill>
+              <a:latin typeface="Century" pitchFamily="18" charset="0"/>
+              <a:ea typeface="Cambria" pitchFamily="18" charset="0"/>
+              <a:cs typeface="Times New Roman" pitchFamily="18" charset="0"/>
+            </a:endParaRPr>
+          </a:p>
+          <a:p>
+            <a:r>
+              <a:rPr lang="fr-FR" sz="2000" dirty="0" smtClean="0">
+                <a:solidFill>
+                  <a:schemeClr val="accent1">
+                    <a:lumMod val="75000"/>
+                  </a:schemeClr>
+                </a:solidFill>
+                <a:latin typeface="Century" pitchFamily="18" charset="0"/>
+                <a:ea typeface="Cambria" pitchFamily="18" charset="0"/>
+                <a:cs typeface="Times New Roman" pitchFamily="18" charset="0"/>
+              </a:rPr>
+              <a:t>l'application réponde au cahier des charges et aux spécifications.</a:t>
+            </a:r>
+          </a:p>
+          <a:p>
+            <a:endParaRPr lang="fr-FR" sz="2000" dirty="0" smtClean="0">
+              <a:solidFill>
+                <a:schemeClr val="accent1">
+                  <a:lumMod val="75000"/>
+                </a:schemeClr>
+              </a:solidFill>
+              <a:latin typeface="Century" pitchFamily="18" charset="0"/>
+              <a:ea typeface="Cambria" pitchFamily="18" charset="0"/>
+              <a:cs typeface="Times New Roman" pitchFamily="18" charset="0"/>
+            </a:endParaRPr>
+          </a:p>
+          <a:p>
+            <a:r>
+              <a:rPr lang="fr-FR" sz="2000" dirty="0" smtClean="0">
+                <a:solidFill>
+                  <a:schemeClr val="accent1">
+                    <a:lumMod val="75000"/>
+                  </a:schemeClr>
+                </a:solidFill>
+                <a:latin typeface="Century" pitchFamily="18" charset="0"/>
+                <a:ea typeface="Cambria" pitchFamily="18" charset="0"/>
+                <a:cs typeface="Times New Roman" pitchFamily="18" charset="0"/>
+              </a:rPr>
+              <a:t>Ces tests peuvent prendre différentes formes :</a:t>
+            </a:r>
+          </a:p>
+          <a:p>
+            <a:endParaRPr lang="fr-FR" dirty="0"/>
+          </a:p>
+        </p:txBody>
+      </p:sp>
+    </p:spTree>
+  </p:cSld>
+  <p:clrMapOvr>
+    <a:masterClrMapping/>
+  </p:clrMapOvr>
+  <p:transition>
+    <p:fade/>
+  </p:transition>
+  <p:timing>
+    <p:tnLst>
+      <p:par>
+        <p:cTn id="1" dur="indefinite" restart="never" nodeType="tmRoot"/>
+      </p:par>
+    </p:tnLst>
+  </p:timing>
+</p:sld>
+</file>
+
+<file path=ppt/slides/slide3.xml><?xml version="1.0" encoding="utf-8"?>
+<p:sld xmlns:a="http://schemas.openxmlformats.org/drawingml/2006/main" xmlns:r="http://schemas.openxmlformats.org/officeDocument/2006/relationships" xmlns:p="http://schemas.openxmlformats.org/presentationml/2006/main">
+  <p:cSld>
+    <p:spTree>
+      <p:nvGrpSpPr>
+        <p:cNvPr id="1" name=""/>
+        <p:cNvGrpSpPr/>
+        <p:nvPr/>
+      </p:nvGrpSpPr>
+      <p:grpSpPr>
+        <a:xfrm>
+          <a:off x="0" y="0"/>
+          <a:ext cx="0" cy="0"/>
+          <a:chOff x="0" y="0"/>
+          <a:chExt cx="0" cy="0"/>
+        </a:xfrm>
+      </p:grpSpPr>
+      <p:sp>
+        <p:nvSpPr>
+          <p:cNvPr id="2" name="Rectangle 1"/>
+          <p:cNvSpPr/>
+          <p:nvPr/>
+        </p:nvSpPr>
+        <p:spPr>
+          <a:xfrm>
+            <a:off x="142876" y="1500174"/>
+            <a:ext cx="8929718" cy="3785652"/>
+          </a:xfrm>
+          <a:prstGeom prst="rect">
+            <a:avLst/>
+          </a:prstGeom>
+        </p:spPr>
+        <p:txBody>
+          <a:bodyPr wrap="square">
+            <a:spAutoFit/>
+          </a:bodyPr>
+          <a:lstStyle/>
+          <a:p>
+            <a:r>
+              <a:rPr lang="fr-FR" sz="2000" dirty="0" smtClean="0">
+                <a:solidFill>
+                  <a:schemeClr val="accent1">
+                    <a:lumMod val="75000"/>
+                  </a:schemeClr>
+                </a:solidFill>
+                <a:latin typeface="Century" pitchFamily="18" charset="0"/>
+                <a:ea typeface="Cambria" pitchFamily="18" charset="0"/>
+                <a:cs typeface="Times New Roman" pitchFamily="18" charset="0"/>
+              </a:rPr>
+              <a:t>Un test unitaire est une suite d’opérations permettant de vérifier la validité </a:t>
+            </a:r>
+            <a:r>
+              <a:rPr lang="fr-FR" sz="2000" dirty="0" smtClean="0">
+                <a:solidFill>
+                  <a:schemeClr val="accent1">
+                    <a:lumMod val="75000"/>
+                  </a:schemeClr>
+                </a:solidFill>
+                <a:latin typeface="Century" pitchFamily="18" charset="0"/>
+                <a:ea typeface="Cambria" pitchFamily="18" charset="0"/>
+                <a:cs typeface="Times New Roman" pitchFamily="18" charset="0"/>
+              </a:rPr>
+              <a:t>d’unités </a:t>
+            </a:r>
+            <a:r>
+              <a:rPr lang="fr-FR" sz="2000" dirty="0" smtClean="0">
+                <a:solidFill>
+                  <a:schemeClr val="accent1">
+                    <a:lumMod val="75000"/>
+                  </a:schemeClr>
+                </a:solidFill>
+                <a:latin typeface="Century" pitchFamily="18" charset="0"/>
+                <a:ea typeface="Cambria" pitchFamily="18" charset="0"/>
+                <a:cs typeface="Times New Roman" pitchFamily="18" charset="0"/>
+              </a:rPr>
+              <a:t>individuelles d’une </a:t>
+            </a:r>
+            <a:r>
+              <a:rPr lang="fr-FR" sz="2000" dirty="0" smtClean="0">
+                <a:solidFill>
+                  <a:schemeClr val="accent1">
+                    <a:lumMod val="75000"/>
+                  </a:schemeClr>
+                </a:solidFill>
+                <a:latin typeface="Century" pitchFamily="18" charset="0"/>
+                <a:ea typeface="Cambria" pitchFamily="18" charset="0"/>
+                <a:cs typeface="Times New Roman" pitchFamily="18" charset="0"/>
+              </a:rPr>
+              <a:t>application, indépendamment </a:t>
+            </a:r>
+            <a:r>
+              <a:rPr lang="fr-FR" sz="2000" dirty="0" smtClean="0">
+                <a:solidFill>
+                  <a:schemeClr val="accent1">
+                    <a:lumMod val="75000"/>
+                  </a:schemeClr>
+                </a:solidFill>
+                <a:latin typeface="Century" pitchFamily="18" charset="0"/>
+                <a:ea typeface="Cambria" pitchFamily="18" charset="0"/>
+                <a:cs typeface="Times New Roman" pitchFamily="18" charset="0"/>
+              </a:rPr>
+              <a:t>les unes des autres.</a:t>
+            </a:r>
+          </a:p>
+          <a:p>
+            <a:pPr algn="ctr"/>
+            <a:endParaRPr lang="fr-FR" sz="2000" dirty="0" smtClean="0">
+              <a:solidFill>
+                <a:schemeClr val="accent1">
+                  <a:lumMod val="75000"/>
+                </a:schemeClr>
+              </a:solidFill>
+              <a:latin typeface="Century" pitchFamily="18" charset="0"/>
+              <a:ea typeface="Cambria" pitchFamily="18" charset="0"/>
+              <a:cs typeface="Times New Roman" pitchFamily="18" charset="0"/>
+            </a:endParaRPr>
+          </a:p>
+          <a:p>
+            <a:r>
+              <a:rPr lang="fr-FR" sz="2000" dirty="0" smtClean="0">
+                <a:solidFill>
+                  <a:schemeClr val="accent1">
+                    <a:lumMod val="75000"/>
+                  </a:schemeClr>
+                </a:solidFill>
+                <a:latin typeface="Century" pitchFamily="18" charset="0"/>
+                <a:ea typeface="Cambria" pitchFamily="18" charset="0"/>
+                <a:cs typeface="Times New Roman" pitchFamily="18" charset="0"/>
+              </a:rPr>
+              <a:t> Ils s’assurent qu’une méthode exposée à la manipulation par un utilisateur </a:t>
+            </a:r>
+            <a:r>
+              <a:rPr lang="fr-FR" sz="2000" dirty="0" smtClean="0">
+                <a:solidFill>
+                  <a:schemeClr val="accent1">
+                    <a:lumMod val="75000"/>
+                  </a:schemeClr>
+                </a:solidFill>
+                <a:latin typeface="Century" pitchFamily="18" charset="0"/>
+                <a:ea typeface="Cambria" pitchFamily="18" charset="0"/>
+                <a:cs typeface="Times New Roman" pitchFamily="18" charset="0"/>
+              </a:rPr>
+              <a:t>fonctionne </a:t>
+            </a:r>
+            <a:r>
+              <a:rPr lang="fr-FR" sz="2000" dirty="0" smtClean="0">
+                <a:solidFill>
+                  <a:schemeClr val="accent1">
+                    <a:lumMod val="75000"/>
+                  </a:schemeClr>
+                </a:solidFill>
+                <a:latin typeface="Century" pitchFamily="18" charset="0"/>
+                <a:ea typeface="Cambria" pitchFamily="18" charset="0"/>
+                <a:cs typeface="Times New Roman" pitchFamily="18" charset="0"/>
+              </a:rPr>
+              <a:t>bien de la façon dont elle a été conçue.</a:t>
+            </a:r>
+          </a:p>
+          <a:p>
+            <a:pPr algn="ctr"/>
+            <a:endParaRPr lang="fr-FR" sz="2000" dirty="0" smtClean="0">
+              <a:solidFill>
+                <a:schemeClr val="accent1">
+                  <a:lumMod val="75000"/>
+                </a:schemeClr>
+              </a:solidFill>
+              <a:latin typeface="Century" pitchFamily="18" charset="0"/>
+              <a:ea typeface="Cambria" pitchFamily="18" charset="0"/>
+              <a:cs typeface="Times New Roman" pitchFamily="18" charset="0"/>
+            </a:endParaRPr>
+          </a:p>
+          <a:p>
+            <a:pPr algn="ctr"/>
+            <a:r>
+              <a:rPr lang="fr-FR" sz="2000" dirty="0" smtClean="0">
+                <a:solidFill>
+                  <a:schemeClr val="accent1">
+                    <a:lumMod val="75000"/>
+                  </a:schemeClr>
+                </a:solidFill>
+                <a:latin typeface="Century" pitchFamily="18" charset="0"/>
+                <a:ea typeface="Cambria" pitchFamily="18" charset="0"/>
+                <a:cs typeface="Times New Roman" pitchFamily="18" charset="0"/>
+              </a:rPr>
+              <a:t>Ils sont la base sur laquelle les autres processus de tests doivent </a:t>
+            </a:r>
+            <a:r>
+              <a:rPr lang="fr-FR" sz="2000" dirty="0" smtClean="0">
+                <a:solidFill>
+                  <a:schemeClr val="accent1">
+                    <a:lumMod val="75000"/>
+                  </a:schemeClr>
+                </a:solidFill>
+                <a:latin typeface="Century" pitchFamily="18" charset="0"/>
+                <a:ea typeface="Cambria" pitchFamily="18" charset="0"/>
+                <a:cs typeface="Times New Roman" pitchFamily="18" charset="0"/>
+              </a:rPr>
+              <a:t>être</a:t>
+            </a:r>
+          </a:p>
+          <a:p>
+            <a:pPr algn="ctr"/>
+            <a:endParaRPr lang="fr-FR" sz="2000" dirty="0" smtClean="0">
+              <a:solidFill>
+                <a:schemeClr val="accent1">
+                  <a:lumMod val="75000"/>
+                </a:schemeClr>
+              </a:solidFill>
+              <a:latin typeface="Century" pitchFamily="18" charset="0"/>
+              <a:ea typeface="Cambria" pitchFamily="18" charset="0"/>
+              <a:cs typeface="Times New Roman" pitchFamily="18" charset="0"/>
+            </a:endParaRPr>
+          </a:p>
+          <a:p>
+            <a:pPr algn="ctr"/>
+            <a:r>
+              <a:rPr lang="fr-FR" sz="2000" dirty="0" smtClean="0">
+                <a:solidFill>
+                  <a:schemeClr val="accent1">
+                    <a:lumMod val="75000"/>
+                  </a:schemeClr>
+                </a:solidFill>
+                <a:latin typeface="Century" pitchFamily="18" charset="0"/>
+                <a:ea typeface="Cambria" pitchFamily="18" charset="0"/>
+                <a:cs typeface="Times New Roman" pitchFamily="18" charset="0"/>
+              </a:rPr>
+              <a:t> </a:t>
+            </a:r>
+            <a:r>
+              <a:rPr lang="fr-FR" sz="2000" dirty="0" smtClean="0">
+                <a:solidFill>
+                  <a:schemeClr val="accent1">
+                    <a:lumMod val="75000"/>
+                  </a:schemeClr>
+                </a:solidFill>
+                <a:latin typeface="Century" pitchFamily="18" charset="0"/>
+                <a:ea typeface="Cambria" pitchFamily="18" charset="0"/>
+                <a:cs typeface="Times New Roman" pitchFamily="18" charset="0"/>
+              </a:rPr>
+              <a:t>construits pour assurer des fondations solides dans le cadre du </a:t>
+            </a:r>
+            <a:endParaRPr lang="fr-FR" sz="2000" dirty="0" smtClean="0">
+              <a:solidFill>
+                <a:schemeClr val="accent1">
+                  <a:lumMod val="75000"/>
+                </a:schemeClr>
+              </a:solidFill>
+              <a:latin typeface="Century" pitchFamily="18" charset="0"/>
+              <a:ea typeface="Cambria" pitchFamily="18" charset="0"/>
+              <a:cs typeface="Times New Roman" pitchFamily="18" charset="0"/>
+            </a:endParaRPr>
+          </a:p>
+          <a:p>
+            <a:pPr algn="ctr"/>
+            <a:endParaRPr lang="fr-FR" sz="2000" dirty="0" smtClean="0">
+              <a:solidFill>
+                <a:schemeClr val="accent1">
+                  <a:lumMod val="75000"/>
+                </a:schemeClr>
+              </a:solidFill>
+              <a:latin typeface="Century" pitchFamily="18" charset="0"/>
+              <a:ea typeface="Cambria" pitchFamily="18" charset="0"/>
+              <a:cs typeface="Times New Roman" pitchFamily="18" charset="0"/>
+            </a:endParaRPr>
+          </a:p>
+          <a:p>
+            <a:pPr algn="ctr"/>
+            <a:r>
+              <a:rPr lang="fr-FR" sz="2000" dirty="0" smtClean="0">
+                <a:solidFill>
+                  <a:schemeClr val="accent1">
+                    <a:lumMod val="75000"/>
+                  </a:schemeClr>
+                </a:solidFill>
+                <a:latin typeface="Century" pitchFamily="18" charset="0"/>
+                <a:ea typeface="Cambria" pitchFamily="18" charset="0"/>
+                <a:cs typeface="Times New Roman" pitchFamily="18" charset="0"/>
+              </a:rPr>
+              <a:t>développement </a:t>
+            </a:r>
+            <a:r>
+              <a:rPr lang="fr-FR" sz="2000" dirty="0" smtClean="0">
+                <a:solidFill>
+                  <a:schemeClr val="accent1">
+                    <a:lumMod val="75000"/>
+                  </a:schemeClr>
+                </a:solidFill>
+                <a:latin typeface="Century" pitchFamily="18" charset="0"/>
+                <a:ea typeface="Cambria" pitchFamily="18" charset="0"/>
+                <a:cs typeface="Times New Roman" pitchFamily="18" charset="0"/>
+              </a:rPr>
+              <a:t>d’une application.</a:t>
+            </a:r>
+          </a:p>
+        </p:txBody>
+      </p:sp>
+      <p:sp>
+        <p:nvSpPr>
+          <p:cNvPr id="3" name="ZoneTexte 2"/>
+          <p:cNvSpPr txBox="1"/>
+          <p:nvPr/>
+        </p:nvSpPr>
+        <p:spPr>
+          <a:xfrm>
+            <a:off x="642910" y="571480"/>
+            <a:ext cx="7286676" cy="523220"/>
+          </a:xfrm>
+          <a:prstGeom prst="rect">
+            <a:avLst/>
+          </a:prstGeom>
+          <a:noFill/>
+        </p:spPr>
+        <p:txBody>
+          <a:bodyPr wrap="square" rtlCol="0">
+            <a:spAutoFit/>
+          </a:bodyPr>
+          <a:lstStyle/>
+          <a:p>
+            <a:pPr algn="ctr"/>
+            <a:r>
+              <a:rPr lang="fr-FR" sz="2800" b="1" cap="all" dirty="0" smtClean="0">
+                <a:ln w="0"/>
+                <a:gradFill flip="none">
+                  <a:gsLst>
+                    <a:gs pos="0">
+                      <a:schemeClr val="accent1">
+                        <a:tint val="75000"/>
+                        <a:shade val="75000"/>
+                        <a:satMod val="170000"/>
+                      </a:schemeClr>
+                    </a:gs>
+                    <a:gs pos="49000">
+                      <a:schemeClr val="accent1">
+                        <a:tint val="88000"/>
+                        <a:shade val="65000"/>
+                        <a:satMod val="172000"/>
+                      </a:schemeClr>
+                    </a:gs>
+                    <a:gs pos="50000">
+                      <a:schemeClr val="accent1">
+                        <a:shade val="65000"/>
+                        <a:satMod val="130000"/>
+                      </a:schemeClr>
+                    </a:gs>
+                    <a:gs pos="92000">
+                      <a:schemeClr val="accent1">
+                        <a:shade val="50000"/>
+                        <a:satMod val="120000"/>
+                      </a:schemeClr>
+                    </a:gs>
+                    <a:gs pos="100000">
+                      <a:schemeClr val="accent1">
+                        <a:shade val="48000"/>
+                        <a:satMod val="120000"/>
+                      </a:schemeClr>
+                    </a:gs>
+                  </a:gsLst>
+                  <a:lin ang="5400000"/>
+                </a:gradFill>
+                <a:effectLst>
+                  <a:reflection blurRad="12700" stA="50000" endPos="50000" dist="5000" dir="5400000" sy="-100000" rotWithShape="0"/>
+                </a:effectLst>
+              </a:rPr>
+              <a:t>tests unitaires</a:t>
+            </a:r>
+          </a:p>
+        </p:txBody>
+      </p:sp>
+    </p:spTree>
+  </p:cSld>
+  <p:clrMapOvr>
+    <a:masterClrMapping/>
+  </p:clrMapOvr>
+  <p:transition>
+    <p:fade/>
+  </p:transition>
+  <p:timing>
+    <p:tnLst>
+      <p:par>
+        <p:cTn id="1" dur="indefinite" restart="never" nodeType="tmRoot"/>
+      </p:par>
+    </p:tnLst>
+  </p:timing>
+</p:sld>
+</file>
+
+<file path=ppt/slides/slide4.xml><?xml version="1.0" encoding="utf-8"?>
+<p:sld xmlns:a="http://schemas.openxmlformats.org/drawingml/2006/main" xmlns:r="http://schemas.openxmlformats.org/officeDocument/2006/relationships" xmlns:p="http://schemas.openxmlformats.org/presentationml/2006/main">
+  <p:cSld>
+    <p:spTree>
+      <p:nvGrpSpPr>
+        <p:cNvPr id="1" name=""/>
+        <p:cNvGrpSpPr/>
+        <p:nvPr/>
+      </p:nvGrpSpPr>
+      <p:grpSpPr>
+        <a:xfrm>
+          <a:off x="0" y="0"/>
+          <a:ext cx="0" cy="0"/>
+          <a:chOff x="0" y="0"/>
+          <a:chExt cx="0" cy="0"/>
+        </a:xfrm>
+      </p:grpSpPr>
+      <p:sp>
+        <p:nvSpPr>
+          <p:cNvPr id="5" name="Rectangle 4"/>
+          <p:cNvSpPr/>
+          <p:nvPr/>
+        </p:nvSpPr>
+        <p:spPr>
+          <a:xfrm>
+            <a:off x="0" y="2071678"/>
+            <a:ext cx="8929718" cy="3416320"/>
+          </a:xfrm>
+          <a:prstGeom prst="rect">
+            <a:avLst/>
+          </a:prstGeom>
+        </p:spPr>
+        <p:txBody>
+          <a:bodyPr wrap="square">
+            <a:spAutoFit/>
+          </a:bodyPr>
+          <a:lstStyle/>
+          <a:p>
+            <a:r>
+              <a:rPr lang="fr-FR" sz="2000" dirty="0" smtClean="0">
+                <a:solidFill>
+                  <a:schemeClr val="accent1">
+                    <a:lumMod val="75000"/>
+                  </a:schemeClr>
+                </a:solidFill>
+                <a:latin typeface="Century" pitchFamily="18" charset="0"/>
+                <a:ea typeface="Cambria" pitchFamily="18" charset="0"/>
+                <a:cs typeface="Times New Roman" pitchFamily="18" charset="0"/>
+              </a:rPr>
+              <a:t>Ya </a:t>
+            </a:r>
+            <a:r>
+              <a:rPr lang="fr-FR" sz="2000" dirty="0" smtClean="0">
+                <a:solidFill>
+                  <a:schemeClr val="accent1">
+                    <a:lumMod val="75000"/>
+                  </a:schemeClr>
+                </a:solidFill>
+                <a:latin typeface="Century" pitchFamily="18" charset="0"/>
+                <a:ea typeface="Cambria" pitchFamily="18" charset="0"/>
+                <a:cs typeface="Times New Roman" pitchFamily="18" charset="0"/>
+              </a:rPr>
+              <a:t>deux types de tests d intégration:</a:t>
+            </a:r>
+          </a:p>
+          <a:p>
+            <a:pPr algn="ctr"/>
+            <a:endParaRPr lang="fr-FR" sz="2000" dirty="0" smtClean="0">
+              <a:solidFill>
+                <a:schemeClr val="accent1">
+                  <a:lumMod val="75000"/>
+                </a:schemeClr>
+              </a:solidFill>
+              <a:latin typeface="Century" pitchFamily="18" charset="0"/>
+              <a:ea typeface="Cambria" pitchFamily="18" charset="0"/>
+              <a:cs typeface="Times New Roman" pitchFamily="18" charset="0"/>
+            </a:endParaRPr>
+          </a:p>
+          <a:p>
+            <a:pPr lvl="2">
+              <a:buFont typeface="Arial" pitchFamily="34" charset="0"/>
+              <a:buChar char="•"/>
+            </a:pPr>
+            <a:r>
+              <a:rPr lang="fr-FR" sz="2000" dirty="0" smtClean="0">
+                <a:solidFill>
+                  <a:schemeClr val="accent1">
+                    <a:lumMod val="75000"/>
+                  </a:schemeClr>
+                </a:solidFill>
+                <a:latin typeface="Century" pitchFamily="18" charset="0"/>
+                <a:ea typeface="Cambria" pitchFamily="18" charset="0"/>
+                <a:cs typeface="Times New Roman" pitchFamily="18" charset="0"/>
+              </a:rPr>
+              <a:t> les tests d'intégration composants : ils permettent de vérifier si plusieurs unités de code fonctionnent bien ensemble, dans un environnement de test assez proche du test unitaire.</a:t>
+            </a:r>
+          </a:p>
+          <a:p>
+            <a:pPr algn="ctr"/>
+            <a:endParaRPr lang="fr-FR" sz="2000" dirty="0" smtClean="0">
+              <a:solidFill>
+                <a:schemeClr val="accent1">
+                  <a:lumMod val="75000"/>
+                </a:schemeClr>
+              </a:solidFill>
+              <a:latin typeface="Century" pitchFamily="18" charset="0"/>
+              <a:ea typeface="Cambria" pitchFamily="18" charset="0"/>
+              <a:cs typeface="Times New Roman" pitchFamily="18" charset="0"/>
+            </a:endParaRPr>
+          </a:p>
+          <a:p>
+            <a:pPr lvl="2">
+              <a:buFont typeface="Arial" pitchFamily="34" charset="0"/>
+              <a:buChar char="•"/>
+            </a:pPr>
+            <a:r>
+              <a:rPr lang="fr-FR" sz="2000" dirty="0" smtClean="0">
+                <a:solidFill>
+                  <a:schemeClr val="accent1">
+                    <a:lumMod val="75000"/>
+                  </a:schemeClr>
+                </a:solidFill>
+                <a:latin typeface="Century" pitchFamily="18" charset="0"/>
+                <a:ea typeface="Cambria" pitchFamily="18" charset="0"/>
+                <a:cs typeface="Times New Roman" pitchFamily="18" charset="0"/>
+              </a:rPr>
+              <a:t> les tests d'intégration système : ils permettent de vérifier le fonctionnement de plusieurs unités de code au sein d'une configuration d'application.</a:t>
+            </a:r>
+          </a:p>
+          <a:p>
+            <a:pPr algn="ctr"/>
+            <a:endParaRPr lang="fr-FR" dirty="0" smtClean="0"/>
+          </a:p>
+          <a:p>
+            <a:pPr algn="ctr"/>
+            <a:endParaRPr lang="fr-FR" dirty="0"/>
+          </a:p>
+        </p:txBody>
+      </p:sp>
+      <p:sp>
+        <p:nvSpPr>
+          <p:cNvPr id="6" name="Rectangle 5"/>
+          <p:cNvSpPr/>
+          <p:nvPr/>
+        </p:nvSpPr>
+        <p:spPr>
+          <a:xfrm>
+            <a:off x="2357422" y="714356"/>
+            <a:ext cx="3574568" cy="523220"/>
+          </a:xfrm>
+          <a:prstGeom prst="rect">
+            <a:avLst/>
+          </a:prstGeom>
+        </p:spPr>
+        <p:txBody>
+          <a:bodyPr wrap="none">
+            <a:spAutoFit/>
+          </a:bodyPr>
+          <a:lstStyle/>
+          <a:p>
+            <a:r>
+              <a:rPr lang="fr-FR" sz="2800" b="1" cap="all" dirty="0" smtClean="0">
+                <a:ln w="0"/>
+                <a:gradFill flip="none">
+                  <a:gsLst>
+                    <a:gs pos="0">
+                      <a:schemeClr val="accent1">
+                        <a:tint val="75000"/>
+                        <a:shade val="75000"/>
+                        <a:satMod val="170000"/>
+                      </a:schemeClr>
+                    </a:gs>
+                    <a:gs pos="49000">
+                      <a:schemeClr val="accent1">
+                        <a:tint val="88000"/>
+                        <a:shade val="65000"/>
+                        <a:satMod val="172000"/>
+                      </a:schemeClr>
+                    </a:gs>
+                    <a:gs pos="50000">
+                      <a:schemeClr val="accent1">
+                        <a:shade val="65000"/>
+                        <a:satMod val="130000"/>
+                      </a:schemeClr>
+                    </a:gs>
+                    <a:gs pos="92000">
+                      <a:schemeClr val="accent1">
+                        <a:shade val="50000"/>
+                        <a:satMod val="120000"/>
+                      </a:schemeClr>
+                    </a:gs>
+                    <a:gs pos="100000">
+                      <a:schemeClr val="accent1">
+                        <a:shade val="48000"/>
+                        <a:satMod val="120000"/>
+                      </a:schemeClr>
+                    </a:gs>
+                  </a:gsLst>
+                  <a:lin ang="5400000"/>
+                </a:gradFill>
+                <a:effectLst>
+                  <a:reflection blurRad="12700" stA="50000" endPos="50000" dist="5000" dir="5400000" sy="-100000" rotWithShape="0"/>
+                </a:effectLst>
+              </a:rPr>
+              <a:t>tests d'intégration </a:t>
+            </a:r>
+          </a:p>
+        </p:txBody>
+      </p:sp>
+    </p:spTree>
+  </p:cSld>
+  <p:clrMapOvr>
+    <a:masterClrMapping/>
+  </p:clrMapOvr>
+  <p:transition>
+    <p:fade/>
+  </p:transition>
+  <p:timing>
+    <p:tnLst>
+      <p:par>
+        <p:cTn id="1" dur="indefinite" restart="never" nodeType="tmRoot"/>
+      </p:par>
+    </p:tnLst>
+  </p:timing>
+</p:sld>
+</file>
+
+<file path=ppt/slides/slide5.xml><?xml version="1.0" encoding="utf-8"?>
+<p:sld xmlns:a="http://schemas.openxmlformats.org/drawingml/2006/main" xmlns:r="http://schemas.openxmlformats.org/officeDocument/2006/relationships" xmlns:p="http://schemas.openxmlformats.org/presentationml/2006/main">
+  <p:cSld>
+    <p:spTree>
+      <p:nvGrpSpPr>
+        <p:cNvPr id="1" name=""/>
+        <p:cNvGrpSpPr/>
+        <p:nvPr/>
+      </p:nvGrpSpPr>
+      <p:grpSpPr>
+        <a:xfrm>
+          <a:off x="0" y="0"/>
+          <a:ext cx="0" cy="0"/>
+          <a:chOff x="0" y="0"/>
+          <a:chExt cx="0" cy="0"/>
+        </a:xfrm>
+      </p:grpSpPr>
+      <p:sp>
+        <p:nvSpPr>
+          <p:cNvPr id="5" name="Rectangle 4"/>
+          <p:cNvSpPr/>
+          <p:nvPr/>
+        </p:nvSpPr>
+        <p:spPr>
+          <a:xfrm>
+            <a:off x="1142976" y="2000240"/>
+            <a:ext cx="7976864" cy="1846659"/>
+          </a:xfrm>
+          <a:prstGeom prst="rect">
+            <a:avLst/>
+          </a:prstGeom>
+        </p:spPr>
+        <p:txBody>
+          <a:bodyPr wrap="none">
+            <a:spAutoFit/>
+          </a:bodyPr>
+          <a:lstStyle/>
+          <a:p>
+            <a:r>
+              <a:rPr lang="fr-FR" sz="2800" b="1" cap="all" dirty="0" smtClean="0">
+                <a:ln w="0"/>
+                <a:gradFill flip="none">
+                  <a:gsLst>
+                    <a:gs pos="0">
+                      <a:schemeClr val="accent1">
+                        <a:tint val="75000"/>
+                        <a:shade val="75000"/>
+                        <a:satMod val="170000"/>
+                      </a:schemeClr>
+                    </a:gs>
+                    <a:gs pos="49000">
+                      <a:schemeClr val="accent1">
+                        <a:tint val="88000"/>
+                        <a:shade val="65000"/>
+                        <a:satMod val="172000"/>
+                      </a:schemeClr>
+                    </a:gs>
+                    <a:gs pos="50000">
+                      <a:schemeClr val="accent1">
+                        <a:shade val="65000"/>
+                        <a:satMod val="130000"/>
+                      </a:schemeClr>
+                    </a:gs>
+                    <a:gs pos="92000">
+                      <a:schemeClr val="accent1">
+                        <a:shade val="50000"/>
+                        <a:satMod val="120000"/>
+                      </a:schemeClr>
+                    </a:gs>
+                    <a:gs pos="100000">
+                      <a:schemeClr val="accent1">
+                        <a:shade val="48000"/>
+                        <a:satMod val="120000"/>
+                      </a:schemeClr>
+                    </a:gs>
+                  </a:gsLst>
+                  <a:lin ang="5400000"/>
+                </a:gradFill>
+                <a:effectLst>
+                  <a:reflection blurRad="12700" stA="50000" endPos="50000" dist="5000" dir="5400000" sy="-100000" rotWithShape="0"/>
+                </a:effectLst>
+              </a:rPr>
+              <a:t>D autres types de tests :</a:t>
+            </a:r>
+          </a:p>
+          <a:p>
+            <a:endParaRPr lang="fr-FR" sz="2800" b="1" cap="all" dirty="0" smtClean="0">
+              <a:ln w="0"/>
+              <a:gradFill flip="none">
+                <a:gsLst>
+                  <a:gs pos="0">
+                    <a:schemeClr val="accent1">
+                      <a:tint val="75000"/>
+                      <a:shade val="75000"/>
+                      <a:satMod val="170000"/>
+                    </a:schemeClr>
+                  </a:gs>
+                  <a:gs pos="49000">
+                    <a:schemeClr val="accent1">
+                      <a:tint val="88000"/>
+                      <a:shade val="65000"/>
+                      <a:satMod val="172000"/>
+                    </a:schemeClr>
+                  </a:gs>
+                  <a:gs pos="50000">
+                    <a:schemeClr val="accent1">
+                      <a:shade val="65000"/>
+                      <a:satMod val="130000"/>
+                    </a:schemeClr>
+                  </a:gs>
+                  <a:gs pos="92000">
+                    <a:schemeClr val="accent1">
+                      <a:shade val="50000"/>
+                      <a:satMod val="120000"/>
+                    </a:schemeClr>
+                  </a:gs>
+                  <a:gs pos="100000">
+                    <a:schemeClr val="accent1">
+                      <a:shade val="48000"/>
+                      <a:satMod val="120000"/>
+                    </a:schemeClr>
+                  </a:gs>
+                </a:gsLst>
+                <a:lin ang="5400000"/>
+              </a:gradFill>
+              <a:effectLst>
+                <a:reflection blurRad="12700" stA="50000" endPos="50000" dist="5000" dir="5400000" sy="-100000" rotWithShape="0"/>
+              </a:effectLst>
+            </a:endParaRPr>
+          </a:p>
+          <a:p>
+            <a:pPr algn="ctr"/>
+            <a:r>
+              <a:rPr lang="fr-FR" sz="2000" dirty="0" smtClean="0">
+                <a:solidFill>
+                  <a:schemeClr val="accent1">
+                    <a:lumMod val="75000"/>
+                  </a:schemeClr>
+                </a:solidFill>
+                <a:latin typeface="Century" pitchFamily="18" charset="0"/>
+                <a:ea typeface="Cambria" pitchFamily="18" charset="0"/>
+                <a:cs typeface="Times New Roman" pitchFamily="18" charset="0"/>
+              </a:rPr>
+              <a:t>tests fonctionnels, de régression, de performance ,de bout en bout </a:t>
+            </a:r>
+          </a:p>
+          <a:p>
+            <a:pPr algn="just"/>
+            <a:r>
+              <a:rPr lang="fr-FR" sz="2000" dirty="0" smtClean="0">
+                <a:solidFill>
+                  <a:schemeClr val="accent1">
+                    <a:lumMod val="75000"/>
+                  </a:schemeClr>
+                </a:solidFill>
+                <a:latin typeface="Century" pitchFamily="18" charset="0"/>
+                <a:ea typeface="Cambria" pitchFamily="18" charset="0"/>
+                <a:cs typeface="Times New Roman" pitchFamily="18" charset="0"/>
+              </a:rPr>
+              <a:t>et les tests d’acceptation</a:t>
+            </a:r>
+          </a:p>
+          <a:p>
+            <a:endParaRPr lang="fr-FR" dirty="0"/>
+          </a:p>
+        </p:txBody>
+      </p:sp>
+    </p:spTree>
+  </p:cSld>
+  <p:clrMapOvr>
+    <a:masterClrMapping/>
+  </p:clrMapOvr>
+  <p:transition>
+    <p:fade/>
+  </p:transition>
+  <p:timing>
+    <p:tnLst>
+      <p:par>
+        <p:cTn id="1" dur="indefinite" restart="never" nodeType="tmRoot"/>
+      </p:par>
+    </p:tnLst>
+  </p:timing>
+</p:sld>
+</file>
+
+<file path=ppt/slides/slide6.xml><?xml version="1.0" encoding="utf-8"?>
+<p:sld xmlns:a="http://schemas.openxmlformats.org/drawingml/2006/main" xmlns:r="http://schemas.openxmlformats.org/officeDocument/2006/relationships" xmlns:p="http://schemas.openxmlformats.org/presentationml/2006/main">
+  <p:cSld>
+    <p:spTree>
+      <p:nvGrpSpPr>
+        <p:cNvPr id="1" name=""/>
+        <p:cNvGrpSpPr/>
+        <p:nvPr/>
+      </p:nvGrpSpPr>
+      <p:grpSpPr>
+        <a:xfrm>
+          <a:off x="0" y="0"/>
+          <a:ext cx="0" cy="0"/>
+          <a:chOff x="0" y="0"/>
+          <a:chExt cx="0" cy="0"/>
+        </a:xfrm>
+      </p:grpSpPr>
+      <p:sp>
+        <p:nvSpPr>
+          <p:cNvPr id="6" name="Rectangle 5"/>
+          <p:cNvSpPr/>
+          <p:nvPr/>
+        </p:nvSpPr>
+        <p:spPr>
+          <a:xfrm>
+            <a:off x="285736" y="1000108"/>
+            <a:ext cx="8858264" cy="2862322"/>
+          </a:xfrm>
+          <a:prstGeom prst="rect">
+            <a:avLst/>
+          </a:prstGeom>
+        </p:spPr>
+        <p:txBody>
+          <a:bodyPr wrap="square">
+            <a:spAutoFit/>
+          </a:bodyPr>
+          <a:lstStyle/>
+          <a:p>
+            <a:r>
+              <a:rPr lang="fr-FR" sz="2000" dirty="0" smtClean="0">
+                <a:solidFill>
+                  <a:schemeClr val="accent1">
+                    <a:lumMod val="75000"/>
+                  </a:schemeClr>
+                </a:solidFill>
+                <a:latin typeface="Century" pitchFamily="18" charset="0"/>
+                <a:ea typeface="Cambria" pitchFamily="18" charset="0"/>
+                <a:cs typeface="Times New Roman" pitchFamily="18" charset="0"/>
+              </a:rPr>
+              <a:t>JUnit est un Framework </a:t>
+            </a:r>
+            <a:r>
+              <a:rPr lang="fr-FR" sz="2000" dirty="0" smtClean="0">
+                <a:solidFill>
+                  <a:schemeClr val="accent1">
+                    <a:lumMod val="75000"/>
+                  </a:schemeClr>
+                </a:solidFill>
+                <a:latin typeface="Century" pitchFamily="18" charset="0"/>
+                <a:ea typeface="Cambria" pitchFamily="18" charset="0"/>
+                <a:cs typeface="Times New Roman" pitchFamily="18" charset="0"/>
+              </a:rPr>
+              <a:t>qui permettre </a:t>
+            </a:r>
+            <a:r>
+              <a:rPr lang="fr-FR" sz="2000" dirty="0" smtClean="0">
+                <a:solidFill>
+                  <a:schemeClr val="accent1">
+                    <a:lumMod val="75000"/>
+                  </a:schemeClr>
+                </a:solidFill>
+                <a:latin typeface="Century" pitchFamily="18" charset="0"/>
+                <a:ea typeface="Cambria" pitchFamily="18" charset="0"/>
+                <a:cs typeface="Times New Roman" pitchFamily="18" charset="0"/>
+              </a:rPr>
+              <a:t>l'écriture et                          l'exécution de tests automatisés</a:t>
+            </a:r>
+            <a:r>
+              <a:rPr lang="fr-FR" sz="2000" dirty="0" smtClean="0">
+                <a:solidFill>
+                  <a:schemeClr val="accent1">
+                    <a:lumMod val="75000"/>
+                  </a:schemeClr>
+                </a:solidFill>
+                <a:latin typeface="Century" pitchFamily="18" charset="0"/>
+                <a:ea typeface="Cambria" pitchFamily="18" charset="0"/>
+                <a:cs typeface="Times New Roman" pitchFamily="18" charset="0"/>
+              </a:rPr>
+              <a:t>.</a:t>
+            </a:r>
+          </a:p>
+          <a:p>
+            <a:endParaRPr lang="fr-FR" sz="2000" dirty="0" smtClean="0">
+              <a:solidFill>
+                <a:schemeClr val="accent1">
+                  <a:lumMod val="75000"/>
+                </a:schemeClr>
+              </a:solidFill>
+              <a:latin typeface="Century" pitchFamily="18" charset="0"/>
+              <a:ea typeface="Cambria" pitchFamily="18" charset="0"/>
+              <a:cs typeface="Times New Roman" pitchFamily="18" charset="0"/>
+            </a:endParaRPr>
+          </a:p>
+          <a:p>
+            <a:r>
+              <a:rPr lang="fr-FR" sz="2000" dirty="0" smtClean="0">
+                <a:solidFill>
+                  <a:schemeClr val="accent1">
+                    <a:lumMod val="75000"/>
+                  </a:schemeClr>
+                </a:solidFill>
+                <a:latin typeface="Century" pitchFamily="18" charset="0"/>
+                <a:ea typeface="Cambria" pitchFamily="18" charset="0"/>
+                <a:cs typeface="Times New Roman" pitchFamily="18" charset="0"/>
+              </a:rPr>
+              <a:t>JUnit permet de réaliser :</a:t>
+            </a:r>
+          </a:p>
+          <a:p>
+            <a:endParaRPr lang="fr-FR" sz="2000" dirty="0" smtClean="0">
+              <a:solidFill>
+                <a:schemeClr val="accent1">
+                  <a:lumMod val="75000"/>
+                </a:schemeClr>
+              </a:solidFill>
+              <a:latin typeface="Century" pitchFamily="18" charset="0"/>
+              <a:ea typeface="Cambria" pitchFamily="18" charset="0"/>
+              <a:cs typeface="Times New Roman" pitchFamily="18" charset="0"/>
+            </a:endParaRPr>
+          </a:p>
+          <a:p>
+            <a:pPr lvl="2">
+              <a:buFont typeface="Arial" pitchFamily="34" charset="0"/>
+              <a:buChar char="•"/>
+            </a:pPr>
+            <a:r>
+              <a:rPr lang="fr-FR" sz="2000" dirty="0" smtClean="0">
+                <a:solidFill>
+                  <a:schemeClr val="accent1">
+                    <a:lumMod val="75000"/>
+                  </a:schemeClr>
+                </a:solidFill>
+                <a:latin typeface="Century" pitchFamily="18" charset="0"/>
+                <a:ea typeface="Cambria" pitchFamily="18" charset="0"/>
+                <a:cs typeface="Times New Roman" pitchFamily="18" charset="0"/>
+              </a:rPr>
+              <a:t> des TestCase qui sont des classes contenant des méthodes de         tests ;</a:t>
+            </a:r>
+          </a:p>
+          <a:p>
+            <a:pPr lvl="2">
+              <a:buFont typeface="Arial" pitchFamily="34" charset="0"/>
+              <a:buChar char="•"/>
+            </a:pPr>
+            <a:r>
+              <a:rPr lang="fr-FR" sz="2000" dirty="0" smtClean="0">
+                <a:solidFill>
+                  <a:schemeClr val="accent1">
+                    <a:lumMod val="75000"/>
+                  </a:schemeClr>
+                </a:solidFill>
+                <a:latin typeface="Century" pitchFamily="18" charset="0"/>
+                <a:ea typeface="Cambria" pitchFamily="18" charset="0"/>
+                <a:cs typeface="Times New Roman" pitchFamily="18" charset="0"/>
+              </a:rPr>
+              <a:t> des TestSuite qui permettent de lancer des suites de classes de type TestCase.</a:t>
+            </a:r>
+          </a:p>
+        </p:txBody>
+      </p:sp>
+      <p:sp>
+        <p:nvSpPr>
+          <p:cNvPr id="7" name="Rectangle 6"/>
+          <p:cNvSpPr/>
+          <p:nvPr/>
+        </p:nvSpPr>
+        <p:spPr>
+          <a:xfrm>
+            <a:off x="357158" y="3929066"/>
+            <a:ext cx="8001056" cy="2246769"/>
+          </a:xfrm>
+          <a:prstGeom prst="rect">
+            <a:avLst/>
+          </a:prstGeom>
+        </p:spPr>
+        <p:txBody>
+          <a:bodyPr wrap="square">
+            <a:spAutoFit/>
+          </a:bodyPr>
+          <a:lstStyle/>
+          <a:p>
+            <a:r>
+              <a:rPr lang="fr-FR" sz="2000" dirty="0" smtClean="0">
+                <a:solidFill>
+                  <a:schemeClr val="accent1">
+                    <a:lumMod val="75000"/>
+                  </a:schemeClr>
+                </a:solidFill>
+                <a:latin typeface="Century" pitchFamily="18" charset="0"/>
+                <a:ea typeface="Cambria" pitchFamily="18" charset="0"/>
+                <a:cs typeface="Times New Roman" pitchFamily="18" charset="0"/>
+              </a:rPr>
+              <a:t>D'autres Framework qui s'interfacent avec JUnit permettent de faire des types d'assertions spécifiques, par exemple :</a:t>
+            </a:r>
+          </a:p>
+          <a:p>
+            <a:endParaRPr lang="fr-FR" sz="2000" dirty="0" smtClean="0">
+              <a:solidFill>
+                <a:schemeClr val="accent1">
+                  <a:lumMod val="75000"/>
+                </a:schemeClr>
+              </a:solidFill>
+              <a:latin typeface="Century" pitchFamily="18" charset="0"/>
+              <a:ea typeface="Cambria" pitchFamily="18" charset="0"/>
+              <a:cs typeface="Times New Roman" pitchFamily="18" charset="0"/>
+            </a:endParaRPr>
+          </a:p>
+          <a:p>
+            <a:pPr lvl="2">
+              <a:buFont typeface="Arial" pitchFamily="34" charset="0"/>
+              <a:buChar char="•"/>
+            </a:pPr>
+            <a:r>
+              <a:rPr lang="fr-FR" sz="2000" dirty="0" smtClean="0">
+                <a:solidFill>
+                  <a:schemeClr val="accent1">
+                    <a:lumMod val="75000"/>
+                  </a:schemeClr>
+                </a:solidFill>
+                <a:latin typeface="Century" pitchFamily="18" charset="0"/>
+                <a:ea typeface="Cambria" pitchFamily="18" charset="0"/>
+                <a:cs typeface="Times New Roman" pitchFamily="18" charset="0"/>
+              </a:rPr>
+              <a:t>  Mockito qui permet, entre autres, de faire des assertions sur des appels de méthodes et leurs arguments sans pour autant exécuter ces méthodes (grâce au principe du Mock).</a:t>
+            </a:r>
+          </a:p>
+          <a:p>
+            <a:r>
+              <a:rPr lang="fr-FR" sz="2000" dirty="0" smtClean="0">
+                <a:solidFill>
+                  <a:schemeClr val="accent1">
+                    <a:lumMod val="75000"/>
+                  </a:schemeClr>
+                </a:solidFill>
+                <a:latin typeface="Century" pitchFamily="18" charset="0"/>
+                <a:ea typeface="Cambria" pitchFamily="18" charset="0"/>
+                <a:cs typeface="Times New Roman" pitchFamily="18" charset="0"/>
+              </a:rPr>
+              <a:t> </a:t>
+            </a:r>
+          </a:p>
+        </p:txBody>
+      </p:sp>
+      <p:sp>
+        <p:nvSpPr>
+          <p:cNvPr id="8" name="ZoneTexte 7"/>
+          <p:cNvSpPr txBox="1"/>
+          <p:nvPr/>
+        </p:nvSpPr>
+        <p:spPr>
+          <a:xfrm>
+            <a:off x="1714480" y="285728"/>
+            <a:ext cx="5500726" cy="523220"/>
+          </a:xfrm>
+          <a:prstGeom prst="rect">
+            <a:avLst/>
+          </a:prstGeom>
+          <a:noFill/>
+        </p:spPr>
+        <p:txBody>
+          <a:bodyPr wrap="square" rtlCol="0">
+            <a:spAutoFit/>
+          </a:bodyPr>
+          <a:lstStyle/>
+          <a:p>
+            <a:pPr algn="ctr"/>
+            <a:r>
+              <a:rPr lang="fr-FR" sz="2800" b="1" cap="all" dirty="0" smtClean="0">
+                <a:ln w="0"/>
+                <a:gradFill flip="none">
+                  <a:gsLst>
+                    <a:gs pos="0">
+                      <a:schemeClr val="accent1">
+                        <a:tint val="75000"/>
+                        <a:shade val="75000"/>
+                        <a:satMod val="170000"/>
+                      </a:schemeClr>
+                    </a:gs>
+                    <a:gs pos="49000">
+                      <a:schemeClr val="accent1">
+                        <a:tint val="88000"/>
+                        <a:shade val="65000"/>
+                        <a:satMod val="172000"/>
+                      </a:schemeClr>
+                    </a:gs>
+                    <a:gs pos="50000">
+                      <a:schemeClr val="accent1">
+                        <a:shade val="65000"/>
+                        <a:satMod val="130000"/>
+                      </a:schemeClr>
+                    </a:gs>
+                    <a:gs pos="92000">
+                      <a:schemeClr val="accent1">
+                        <a:shade val="50000"/>
+                        <a:satMod val="120000"/>
+                      </a:schemeClr>
+                    </a:gs>
+                    <a:gs pos="100000">
+                      <a:schemeClr val="accent1">
+                        <a:shade val="48000"/>
+                        <a:satMod val="120000"/>
+                      </a:schemeClr>
+                    </a:gs>
+                  </a:gsLst>
+                  <a:lin ang="5400000"/>
+                </a:gradFill>
+                <a:effectLst>
+                  <a:reflection blurRad="12700" stA="50000" endPos="50000" dist="5000" dir="5400000" sy="-100000" rotWithShape="0"/>
+                </a:effectLst>
+              </a:rPr>
+              <a:t>JUnit 5 </a:t>
+            </a:r>
+          </a:p>
+        </p:txBody>
+      </p:sp>
+    </p:spTree>
+  </p:cSld>
+  <p:clrMapOvr>
+    <a:masterClrMapping/>
+  </p:clrMapOvr>
+  <p:transition>
+    <p:fade/>
+  </p:transition>
+</p:sld>
+</file>
+
+<file path=ppt/slides/slide7.xml><?xml version="1.0" encoding="utf-8"?>
+<p:sld xmlns:a="http://schemas.openxmlformats.org/drawingml/2006/main" xmlns:r="http://schemas.openxmlformats.org/officeDocument/2006/relationships" xmlns:p="http://schemas.openxmlformats.org/presentationml/2006/main">
+  <p:cSld>
+    <p:spTree>
+      <p:nvGrpSpPr>
+        <p:cNvPr id="1" name=""/>
+        <p:cNvGrpSpPr/>
+        <p:nvPr/>
+      </p:nvGrpSpPr>
+      <p:grpSpPr>
+        <a:xfrm>
+          <a:off x="0" y="0"/>
+          <a:ext cx="0" cy="0"/>
+          <a:chOff x="0" y="0"/>
+          <a:chExt cx="0" cy="0"/>
+        </a:xfrm>
+      </p:grpSpPr>
+      <p:sp>
+        <p:nvSpPr>
+          <p:cNvPr id="5" name="Rectangle 4"/>
+          <p:cNvSpPr/>
+          <p:nvPr/>
+        </p:nvSpPr>
+        <p:spPr>
+          <a:xfrm>
+            <a:off x="857224" y="428604"/>
+            <a:ext cx="6996724" cy="400110"/>
+          </a:xfrm>
+          <a:prstGeom prst="rect">
+            <a:avLst/>
+          </a:prstGeom>
+        </p:spPr>
+        <p:txBody>
+          <a:bodyPr wrap="none">
+            <a:spAutoFit/>
+          </a:bodyPr>
+          <a:lstStyle/>
+          <a:p>
+            <a:pPr algn="ctr"/>
+            <a:r>
+              <a:rPr lang="fr-FR" sz="2000" b="1" cap="all" dirty="0" smtClean="0">
+                <a:ln w="0"/>
+                <a:gradFill flip="none">
+                  <a:gsLst>
+                    <a:gs pos="0">
+                      <a:schemeClr val="accent1">
+                        <a:tint val="75000"/>
+                        <a:shade val="75000"/>
+                        <a:satMod val="170000"/>
+                      </a:schemeClr>
+                    </a:gs>
+                    <a:gs pos="49000">
+                      <a:schemeClr val="accent1">
+                        <a:tint val="88000"/>
+                        <a:shade val="65000"/>
+                        <a:satMod val="172000"/>
+                      </a:schemeClr>
+                    </a:gs>
+                    <a:gs pos="50000">
+                      <a:schemeClr val="accent1">
+                        <a:shade val="65000"/>
+                        <a:satMod val="130000"/>
+                      </a:schemeClr>
+                    </a:gs>
+                    <a:gs pos="92000">
+                      <a:schemeClr val="accent1">
+                        <a:shade val="50000"/>
+                        <a:satMod val="120000"/>
+                      </a:schemeClr>
+                    </a:gs>
+                    <a:gs pos="100000">
+                      <a:schemeClr val="accent1">
+                        <a:shade val="48000"/>
+                        <a:satMod val="120000"/>
+                      </a:schemeClr>
+                    </a:gs>
+                  </a:gsLst>
+                  <a:lin ang="5400000"/>
+                </a:gradFill>
+                <a:effectLst>
+                  <a:reflection blurRad="12700" stA="50000" endPos="50000" dist="5000" dir="5400000" sy="-100000" rotWithShape="0"/>
+                </a:effectLst>
+              </a:rPr>
+              <a:t>les modifications implémentées dans notre application</a:t>
+            </a:r>
+          </a:p>
+        </p:txBody>
+      </p:sp>
+      <p:sp>
+        <p:nvSpPr>
+          <p:cNvPr id="3" name="ZoneTexte 2"/>
+          <p:cNvSpPr txBox="1"/>
+          <p:nvPr/>
+        </p:nvSpPr>
+        <p:spPr>
+          <a:xfrm>
+            <a:off x="1000100" y="1357298"/>
+            <a:ext cx="7286676" cy="4401205"/>
+          </a:xfrm>
+          <a:prstGeom prst="rect">
+            <a:avLst/>
+          </a:prstGeom>
+          <a:noFill/>
+        </p:spPr>
+        <p:txBody>
+          <a:bodyPr wrap="square" rtlCol="0">
+            <a:spAutoFit/>
+          </a:bodyPr>
+          <a:lstStyle/>
+          <a:p>
+            <a:pPr>
+              <a:buFont typeface="Arial" pitchFamily="34" charset="0"/>
+              <a:buChar char="•"/>
+            </a:pPr>
+            <a:r>
+              <a:rPr lang="fr-FR" sz="2000" dirty="0" smtClean="0">
+                <a:solidFill>
+                  <a:schemeClr val="accent1">
+                    <a:lumMod val="75000"/>
+                  </a:schemeClr>
+                </a:solidFill>
+                <a:latin typeface="Century" pitchFamily="18" charset="0"/>
+                <a:ea typeface="Cambria" pitchFamily="18" charset="0"/>
+                <a:cs typeface="Times New Roman" pitchFamily="18" charset="0"/>
+              </a:rPr>
+              <a:t>Dans la classe ParkingDataBaseIT: faut compléter les </a:t>
+            </a:r>
+            <a:r>
+              <a:rPr lang="fr-FR" sz="2000" dirty="0" smtClean="0">
+                <a:solidFill>
+                  <a:schemeClr val="accent1">
+                    <a:lumMod val="75000"/>
+                  </a:schemeClr>
+                </a:solidFill>
+                <a:latin typeface="Century" pitchFamily="18" charset="0"/>
+                <a:ea typeface="Cambria" pitchFamily="18" charset="0"/>
+                <a:cs typeface="Times New Roman" pitchFamily="18" charset="0"/>
+              </a:rPr>
+              <a:t>tests d intégrations </a:t>
+            </a:r>
+            <a:r>
+              <a:rPr lang="fr-FR" sz="2000" dirty="0" smtClean="0">
+                <a:solidFill>
+                  <a:schemeClr val="accent1">
+                    <a:lumMod val="75000"/>
+                  </a:schemeClr>
+                </a:solidFill>
+                <a:latin typeface="Century" pitchFamily="18" charset="0"/>
+                <a:ea typeface="Cambria" pitchFamily="18" charset="0"/>
+                <a:cs typeface="Times New Roman" pitchFamily="18" charset="0"/>
+              </a:rPr>
+              <a:t>marqués avec des commentaires "TODO"</a:t>
+            </a:r>
+          </a:p>
+          <a:p>
+            <a:endParaRPr lang="fr-FR" sz="2000" dirty="0" smtClean="0">
+              <a:solidFill>
+                <a:schemeClr val="accent1">
+                  <a:lumMod val="75000"/>
+                </a:schemeClr>
+              </a:solidFill>
+              <a:latin typeface="Century" pitchFamily="18" charset="0"/>
+              <a:ea typeface="Cambria" pitchFamily="18" charset="0"/>
+              <a:cs typeface="Times New Roman" pitchFamily="18" charset="0"/>
+            </a:endParaRPr>
+          </a:p>
+          <a:p>
+            <a:pPr>
+              <a:buFont typeface="Arial" pitchFamily="34" charset="0"/>
+              <a:buChar char="•"/>
+            </a:pPr>
+            <a:r>
+              <a:rPr lang="fr-FR" sz="2000" dirty="0" smtClean="0">
+                <a:solidFill>
+                  <a:schemeClr val="accent1">
+                    <a:lumMod val="75000"/>
+                  </a:schemeClr>
+                </a:solidFill>
+                <a:latin typeface="Century" pitchFamily="18" charset="0"/>
+                <a:ea typeface="Cambria" pitchFamily="18" charset="0"/>
+                <a:cs typeface="Times New Roman" pitchFamily="18" charset="0"/>
+              </a:rPr>
+              <a:t>L ajout d un test d intégration dans la méthode testParkingACar() qui va vérifier qu'un ticket est effectivement enregistré dans la base de données et que la table de stationnement est mise à jour avec la disponibilité en utilisant la méthode assertThat d AssertJ. </a:t>
+            </a:r>
+          </a:p>
+          <a:p>
+            <a:pPr>
+              <a:buFont typeface="Arial" pitchFamily="34" charset="0"/>
+              <a:buChar char="•"/>
+            </a:pPr>
+            <a:endParaRPr lang="fr-FR" sz="2000" dirty="0" smtClean="0">
+              <a:solidFill>
+                <a:schemeClr val="accent1">
+                  <a:lumMod val="75000"/>
+                </a:schemeClr>
+              </a:solidFill>
+              <a:latin typeface="Century" pitchFamily="18" charset="0"/>
+              <a:ea typeface="Cambria" pitchFamily="18" charset="0"/>
+              <a:cs typeface="Times New Roman" pitchFamily="18" charset="0"/>
+            </a:endParaRPr>
+          </a:p>
+          <a:p>
+            <a:pPr>
+              <a:buFont typeface="Arial" pitchFamily="34" charset="0"/>
+              <a:buChar char="•"/>
+            </a:pPr>
+            <a:r>
+              <a:rPr lang="fr-FR" sz="2000" dirty="0" smtClean="0">
+                <a:solidFill>
+                  <a:schemeClr val="accent1">
+                    <a:lumMod val="75000"/>
+                  </a:schemeClr>
+                </a:solidFill>
+                <a:latin typeface="Century" pitchFamily="18" charset="0"/>
+                <a:ea typeface="Cambria" pitchFamily="18" charset="0"/>
+                <a:cs typeface="Times New Roman" pitchFamily="18" charset="0"/>
+              </a:rPr>
+              <a:t>L'ajout d un test d intégration  dans la méthode testParkingLotExit() qui va vérifier que le tarif généré et l'heure de sortie sont correctement renseignés dans la base de données en utilisant aussi la méthode assertThat d AssertJ. </a:t>
+            </a:r>
+          </a:p>
+        </p:txBody>
+      </p:sp>
+    </p:spTree>
+  </p:cSld>
+  <p:clrMapOvr>
+    <a:masterClrMapping/>
+  </p:clrMapOvr>
+  <p:transition>
+    <p:fade/>
+  </p:transition>
+</p:sld>
+</file>
+
+<file path=ppt/slides/slide8.xml><?xml version="1.0" encoding="utf-8"?>
+<p:sld xmlns:a="http://schemas.openxmlformats.org/drawingml/2006/main" xmlns:r="http://schemas.openxmlformats.org/officeDocument/2006/relationships" xmlns:p="http://schemas.openxmlformats.org/presentationml/2006/main">
+  <p:cSld>
+    <p:spTree>
+      <p:nvGrpSpPr>
+        <p:cNvPr id="1" name=""/>
+        <p:cNvGrpSpPr/>
+        <p:nvPr/>
+      </p:nvGrpSpPr>
+      <p:grpSpPr>
+        <a:xfrm>
+          <a:off x="0" y="0"/>
+          <a:ext cx="0" cy="0"/>
+          <a:chOff x="0" y="0"/>
+          <a:chExt cx="0" cy="0"/>
+        </a:xfrm>
+      </p:grpSpPr>
+      <p:sp>
+        <p:nvSpPr>
+          <p:cNvPr id="5" name="Rectangle 4"/>
+          <p:cNvSpPr/>
+          <p:nvPr/>
+        </p:nvSpPr>
+        <p:spPr>
+          <a:xfrm>
+            <a:off x="857224" y="428604"/>
+            <a:ext cx="6996724" cy="400110"/>
+          </a:xfrm>
+          <a:prstGeom prst="rect">
+            <a:avLst/>
+          </a:prstGeom>
+        </p:spPr>
+        <p:txBody>
+          <a:bodyPr wrap="none">
+            <a:spAutoFit/>
+          </a:bodyPr>
+          <a:lstStyle/>
+          <a:p>
+            <a:pPr algn="ctr"/>
+            <a:r>
+              <a:rPr lang="fr-FR" sz="2000" b="1" cap="all" dirty="0" smtClean="0">
+                <a:ln w="0"/>
+                <a:gradFill flip="none">
+                  <a:gsLst>
+                    <a:gs pos="0">
+                      <a:schemeClr val="accent1">
+                        <a:tint val="75000"/>
+                        <a:shade val="75000"/>
+                        <a:satMod val="170000"/>
+                      </a:schemeClr>
+                    </a:gs>
+                    <a:gs pos="49000">
+                      <a:schemeClr val="accent1">
+                        <a:tint val="88000"/>
+                        <a:shade val="65000"/>
+                        <a:satMod val="172000"/>
+                      </a:schemeClr>
+                    </a:gs>
+                    <a:gs pos="50000">
+                      <a:schemeClr val="accent1">
+                        <a:shade val="65000"/>
+                        <a:satMod val="130000"/>
+                      </a:schemeClr>
+                    </a:gs>
+                    <a:gs pos="92000">
+                      <a:schemeClr val="accent1">
+                        <a:shade val="50000"/>
+                        <a:satMod val="120000"/>
+                      </a:schemeClr>
+                    </a:gs>
+                    <a:gs pos="100000">
+                      <a:schemeClr val="accent1">
+                        <a:shade val="48000"/>
+                        <a:satMod val="120000"/>
+                      </a:schemeClr>
+                    </a:gs>
+                  </a:gsLst>
+                  <a:lin ang="5400000"/>
+                </a:gradFill>
+                <a:effectLst>
+                  <a:reflection blurRad="12700" stA="50000" endPos="50000" dist="5000" dir="5400000" sy="-100000" rotWithShape="0"/>
+                </a:effectLst>
+              </a:rPr>
+              <a:t>les modifications implémentées dans notre application</a:t>
+            </a:r>
+          </a:p>
+        </p:txBody>
+      </p:sp>
+      <p:sp>
+        <p:nvSpPr>
+          <p:cNvPr id="6" name="ZoneTexte 5"/>
+          <p:cNvSpPr txBox="1"/>
+          <p:nvPr/>
+        </p:nvSpPr>
+        <p:spPr>
+          <a:xfrm>
+            <a:off x="642910" y="1142984"/>
+            <a:ext cx="7858180" cy="5940088"/>
+          </a:xfrm>
+          <a:prstGeom prst="rect">
+            <a:avLst/>
+          </a:prstGeom>
+          <a:noFill/>
+        </p:spPr>
+        <p:txBody>
+          <a:bodyPr wrap="square" rtlCol="0">
+            <a:spAutoFit/>
+          </a:bodyPr>
+          <a:lstStyle/>
+          <a:p>
+            <a:pPr>
+              <a:buFont typeface="Arial" pitchFamily="34" charset="0"/>
+              <a:buChar char="•"/>
+            </a:pPr>
+            <a:r>
+              <a:rPr lang="fr-FR" sz="2000" dirty="0" smtClean="0">
+                <a:solidFill>
+                  <a:schemeClr val="accent1">
+                    <a:lumMod val="75000"/>
+                  </a:schemeClr>
+                </a:solidFill>
+                <a:latin typeface="Century" pitchFamily="18" charset="0"/>
+                <a:ea typeface="Cambria" pitchFamily="18" charset="0"/>
+                <a:cs typeface="Times New Roman" pitchFamily="18" charset="0"/>
+              </a:rPr>
+              <a:t>Ecrire le test unitaire qui vérifie que quand un utilisateur entre dans le parking après avoir entré son numéro de plaque d'immatriculation . L'usager sort du parking en donnant à nouveau son numéro de plaque. S’il  reste moins de 30 minutes, il n’a  rien à payer. Les frais devraient être de 0.</a:t>
+            </a:r>
+          </a:p>
+          <a:p>
+            <a:endParaRPr lang="fr-FR" sz="2000" dirty="0" smtClean="0">
+              <a:solidFill>
+                <a:schemeClr val="accent1">
+                  <a:lumMod val="75000"/>
+                </a:schemeClr>
+              </a:solidFill>
+              <a:latin typeface="Century" pitchFamily="18" charset="0"/>
+              <a:ea typeface="Cambria" pitchFamily="18" charset="0"/>
+              <a:cs typeface="Times New Roman" pitchFamily="18" charset="0"/>
+            </a:endParaRPr>
+          </a:p>
+          <a:p>
+            <a:pPr>
+              <a:buFont typeface="Arial" pitchFamily="34" charset="0"/>
+              <a:buChar char="•"/>
+            </a:pPr>
+            <a:r>
+              <a:rPr lang="fr-FR" sz="2000" dirty="0" smtClean="0">
+                <a:solidFill>
+                  <a:schemeClr val="accent1">
+                    <a:lumMod val="75000"/>
+                  </a:schemeClr>
+                </a:solidFill>
+                <a:latin typeface="Century" pitchFamily="18" charset="0"/>
+                <a:ea typeface="Cambria" pitchFamily="18" charset="0"/>
+                <a:cs typeface="Times New Roman" pitchFamily="18" charset="0"/>
+              </a:rPr>
+              <a:t>Implémenter  cette fonctionnalité dans le code.</a:t>
+            </a:r>
+          </a:p>
+          <a:p>
+            <a:endParaRPr lang="fr-FR" sz="2000" dirty="0" smtClean="0">
+              <a:solidFill>
+                <a:schemeClr val="accent1">
+                  <a:lumMod val="75000"/>
+                </a:schemeClr>
+              </a:solidFill>
+              <a:latin typeface="Century" pitchFamily="18" charset="0"/>
+              <a:ea typeface="Cambria" pitchFamily="18" charset="0"/>
+              <a:cs typeface="Times New Roman" pitchFamily="18" charset="0"/>
+            </a:endParaRPr>
+          </a:p>
+          <a:p>
+            <a:pPr>
+              <a:buFont typeface="Arial" pitchFamily="34" charset="0"/>
+              <a:buChar char="•"/>
+            </a:pPr>
+            <a:r>
+              <a:rPr lang="fr-FR" sz="2000" dirty="0" smtClean="0">
+                <a:solidFill>
+                  <a:schemeClr val="accent1">
+                    <a:lumMod val="75000"/>
+                  </a:schemeClr>
+                </a:solidFill>
+                <a:latin typeface="Century" pitchFamily="18" charset="0"/>
+                <a:ea typeface="Cambria" pitchFamily="18" charset="0"/>
+                <a:cs typeface="Times New Roman" pitchFamily="18" charset="0"/>
+              </a:rPr>
+              <a:t>Ajouter la possibilité de bénéficier d'une réduction de 5 % lorsque l ‘ utilisateur vient  régulièrement dans le parking.</a:t>
+            </a:r>
+          </a:p>
+          <a:p>
+            <a:endParaRPr lang="fr-FR" sz="2000" dirty="0" smtClean="0">
+              <a:solidFill>
+                <a:schemeClr val="accent1">
+                  <a:lumMod val="75000"/>
+                </a:schemeClr>
+              </a:solidFill>
+              <a:latin typeface="Century" pitchFamily="18" charset="0"/>
+              <a:ea typeface="Cambria" pitchFamily="18" charset="0"/>
+              <a:cs typeface="Times New Roman" pitchFamily="18" charset="0"/>
+            </a:endParaRPr>
+          </a:p>
+          <a:p>
+            <a:pPr>
+              <a:buFont typeface="Arial" pitchFamily="34" charset="0"/>
+              <a:buChar char="•"/>
+            </a:pPr>
+            <a:r>
+              <a:rPr lang="fr-FR" sz="2000" dirty="0" smtClean="0">
+                <a:solidFill>
+                  <a:schemeClr val="accent1">
+                    <a:lumMod val="75000"/>
+                  </a:schemeClr>
+                </a:solidFill>
+                <a:latin typeface="Century" pitchFamily="18" charset="0"/>
+                <a:ea typeface="Cambria" pitchFamily="18" charset="0"/>
+                <a:cs typeface="Times New Roman" pitchFamily="18" charset="0"/>
+              </a:rPr>
+              <a:t>Ecrire des tests unitaire pour vérifie si l'utilisateur est récurrent ou pas .</a:t>
+            </a:r>
+          </a:p>
+          <a:p>
+            <a:pPr>
+              <a:buFont typeface="Arial" pitchFamily="34" charset="0"/>
+              <a:buChar char="•"/>
+            </a:pPr>
+            <a:endParaRPr lang="fr-FR" sz="2000" dirty="0" smtClean="0">
+              <a:solidFill>
+                <a:schemeClr val="accent1">
+                  <a:lumMod val="75000"/>
+                </a:schemeClr>
+              </a:solidFill>
+              <a:latin typeface="Century" pitchFamily="18" charset="0"/>
+              <a:ea typeface="Cambria" pitchFamily="18" charset="0"/>
+              <a:cs typeface="Times New Roman" pitchFamily="18" charset="0"/>
+            </a:endParaRPr>
+          </a:p>
+          <a:p>
+            <a:pPr>
+              <a:buFont typeface="Arial" pitchFamily="34" charset="0"/>
+              <a:buChar char="•"/>
+            </a:pPr>
+            <a:r>
+              <a:rPr lang="fr-FR" sz="2000" dirty="0" smtClean="0">
+                <a:solidFill>
+                  <a:schemeClr val="accent1">
+                    <a:lumMod val="75000"/>
+                  </a:schemeClr>
+                </a:solidFill>
+                <a:latin typeface="Century" pitchFamily="18" charset="0"/>
+                <a:ea typeface="Cambria" pitchFamily="18" charset="0"/>
+                <a:cs typeface="Times New Roman" pitchFamily="18" charset="0"/>
+              </a:rPr>
+              <a:t> Ecrire des tests unitaires qui permet de calculer le temps de stationnement lorsque les voitures sont garées au garage plus de 24h .</a:t>
+            </a:r>
+          </a:p>
+          <a:p>
+            <a:pPr>
+              <a:buFont typeface="Arial" pitchFamily="34" charset="0"/>
+              <a:buChar char="•"/>
+            </a:pPr>
+            <a:endParaRPr lang="fr-FR" sz="2000" dirty="0" smtClean="0">
+              <a:solidFill>
+                <a:schemeClr val="accent1">
+                  <a:lumMod val="75000"/>
+                </a:schemeClr>
+              </a:solidFill>
+              <a:latin typeface="Century" pitchFamily="18" charset="0"/>
+              <a:ea typeface="Cambria" pitchFamily="18" charset="0"/>
+              <a:cs typeface="Times New Roman" pitchFamily="18" charset="0"/>
+            </a:endParaRPr>
+          </a:p>
+          <a:p>
+            <a:pPr>
+              <a:buFont typeface="Arial" pitchFamily="34" charset="0"/>
+              <a:buChar char="•"/>
+            </a:pPr>
+            <a:endParaRPr lang="fr-FR" sz="2000" dirty="0" smtClean="0">
+              <a:solidFill>
+                <a:schemeClr val="accent1">
+                  <a:lumMod val="75000"/>
+                </a:schemeClr>
+              </a:solidFill>
+              <a:latin typeface="Century" pitchFamily="18" charset="0"/>
+              <a:ea typeface="Cambria" pitchFamily="18" charset="0"/>
+              <a:cs typeface="Times New Roman" pitchFamily="18" charset="0"/>
+            </a:endParaRPr>
+          </a:p>
+        </p:txBody>
+      </p:sp>
+    </p:spTree>
+  </p:cSld>
+  <p:clrMapOvr>
+    <a:masterClrMapping/>
+  </p:clrMapOvr>
+  <p:transition>
+    <p:fade/>
+  </p:transition>
+</p:sld>
+</file>
+
+<file path=ppt/slides/slide9.xml><?xml version="1.0" encoding="utf-8"?>
 <p:sld xmlns:a="http://schemas.openxmlformats.org/drawingml/2006/main" xmlns:r="http://schemas.openxmlformats.org/officeDocument/2006/relationships" xmlns:p="http://schemas.openxmlformats.org/presentationml/2006/main">
   <p:cSld>
     <p:spTree>
@@ -5575,2040 +7577,6 @@
       </p:par>
     </p:tnLst>
   </p:timing>
-</p:sld>
-</file>
-
-<file path=ppt/slides/slide11.xml><?xml version="1.0" encoding="utf-8"?>
-<p:sld xmlns:a="http://schemas.openxmlformats.org/drawingml/2006/main" xmlns:r="http://schemas.openxmlformats.org/officeDocument/2006/relationships" xmlns:p="http://schemas.openxmlformats.org/presentationml/2006/main">
-  <p:cSld>
-    <p:spTree>
-      <p:nvGrpSpPr>
-        <p:cNvPr id="1" name=""/>
-        <p:cNvGrpSpPr/>
-        <p:nvPr/>
-      </p:nvGrpSpPr>
-      <p:grpSpPr>
-        <a:xfrm>
-          <a:off x="0" y="0"/>
-          <a:ext cx="0" cy="0"/>
-          <a:chOff x="0" y="0"/>
-          <a:chExt cx="0" cy="0"/>
-        </a:xfrm>
-      </p:grpSpPr>
-    </p:spTree>
-    <p:extLst>
-      <p:ext uri="{BB962C8B-B14F-4D97-AF65-F5344CB8AC3E}">
-        <p14:creationId xmlns="" xmlns:p14="http://schemas.microsoft.com/office/powerpoint/2010/main" val="4166242014"/>
-      </p:ext>
-    </p:extLst>
-  </p:cSld>
-  <p:clrMapOvr>
-    <a:masterClrMapping/>
-  </p:clrMapOvr>
-  <p:transition>
-    <p:fade/>
-  </p:transition>
-  <p:timing>
-    <p:tnLst>
-      <p:par>
-        <p:cTn id="1" dur="indefinite" restart="never" nodeType="tmRoot"/>
-      </p:par>
-    </p:tnLst>
-  </p:timing>
-</p:sld>
-</file>
-
-<file path=ppt/slides/slide2.xml><?xml version="1.0" encoding="utf-8"?>
-<p:sld xmlns:a="http://schemas.openxmlformats.org/drawingml/2006/main" xmlns:r="http://schemas.openxmlformats.org/officeDocument/2006/relationships" xmlns:p="http://schemas.openxmlformats.org/presentationml/2006/main">
-  <p:cSld>
-    <p:spTree>
-      <p:nvGrpSpPr>
-        <p:cNvPr id="1" name=""/>
-        <p:cNvGrpSpPr/>
-        <p:nvPr/>
-      </p:nvGrpSpPr>
-      <p:grpSpPr>
-        <a:xfrm>
-          <a:off x="0" y="0"/>
-          <a:ext cx="0" cy="0"/>
-          <a:chOff x="0" y="0"/>
-          <a:chExt cx="0" cy="0"/>
-        </a:xfrm>
-      </p:grpSpPr>
-      <p:sp>
-        <p:nvSpPr>
-          <p:cNvPr id="2" name="ZoneTexte 1"/>
-          <p:cNvSpPr txBox="1"/>
-          <p:nvPr/>
-        </p:nvSpPr>
-        <p:spPr>
-          <a:xfrm>
-            <a:off x="642910" y="571480"/>
-            <a:ext cx="7286676" cy="523220"/>
-          </a:xfrm>
-          <a:prstGeom prst="rect">
-            <a:avLst/>
-          </a:prstGeom>
-          <a:noFill/>
-        </p:spPr>
-        <p:txBody>
-          <a:bodyPr wrap="square" rtlCol="0">
-            <a:spAutoFit/>
-          </a:bodyPr>
-          <a:lstStyle/>
-          <a:p>
-            <a:pPr algn="ctr"/>
-            <a:r>
-              <a:rPr lang="fr-FR" sz="2800" b="1" cap="all" dirty="0" smtClean="0">
-                <a:ln w="0"/>
-                <a:gradFill flip="none">
-                  <a:gsLst>
-                    <a:gs pos="0">
-                      <a:schemeClr val="accent1">
-                        <a:tint val="75000"/>
-                        <a:shade val="75000"/>
-                        <a:satMod val="170000"/>
-                      </a:schemeClr>
-                    </a:gs>
-                    <a:gs pos="49000">
-                      <a:schemeClr val="accent1">
-                        <a:tint val="88000"/>
-                        <a:shade val="65000"/>
-                        <a:satMod val="172000"/>
-                      </a:schemeClr>
-                    </a:gs>
-                    <a:gs pos="50000">
-                      <a:schemeClr val="accent1">
-                        <a:shade val="65000"/>
-                        <a:satMod val="130000"/>
-                      </a:schemeClr>
-                    </a:gs>
-                    <a:gs pos="92000">
-                      <a:schemeClr val="accent1">
-                        <a:shade val="50000"/>
-                        <a:satMod val="120000"/>
-                      </a:schemeClr>
-                    </a:gs>
-                    <a:gs pos="100000">
-                      <a:schemeClr val="accent1">
-                        <a:shade val="48000"/>
-                        <a:satMod val="120000"/>
-                      </a:schemeClr>
-                    </a:gs>
-                  </a:gsLst>
-                  <a:lin ang="5400000"/>
-                </a:gradFill>
-                <a:effectLst>
-                  <a:reflection blurRad="12700" stA="50000" endPos="50000" dist="5000" dir="5400000" sy="-100000" rotWithShape="0"/>
-                </a:effectLst>
-              </a:rPr>
-              <a:t>Introduction</a:t>
-            </a:r>
-          </a:p>
-        </p:txBody>
-      </p:sp>
-      <p:sp>
-        <p:nvSpPr>
-          <p:cNvPr id="3" name="Rectangle 2"/>
-          <p:cNvSpPr/>
-          <p:nvPr/>
-        </p:nvSpPr>
-        <p:spPr>
-          <a:xfrm>
-            <a:off x="285720" y="1214422"/>
-            <a:ext cx="8286808" cy="1015663"/>
-          </a:xfrm>
-          <a:prstGeom prst="rect">
-            <a:avLst/>
-          </a:prstGeom>
-        </p:spPr>
-        <p:txBody>
-          <a:bodyPr wrap="square">
-            <a:spAutoFit/>
-          </a:bodyPr>
-          <a:lstStyle/>
-          <a:p>
-            <a:endParaRPr lang="fr-FR" b="1" dirty="0" smtClean="0"/>
-          </a:p>
-          <a:p>
-            <a:endParaRPr lang="fr-FR" b="1" dirty="0" smtClean="0"/>
-          </a:p>
-          <a:p>
-            <a:endParaRPr lang="fr-FR" sz="2400" dirty="0" smtClean="0">
-              <a:solidFill>
-                <a:schemeClr val="accent1">
-                  <a:lumMod val="75000"/>
-                </a:schemeClr>
-              </a:solidFill>
-              <a:latin typeface="Centaur" pitchFamily="18" charset="0"/>
-              <a:ea typeface="ＭＳ Ｐゴシック" charset="0"/>
-              <a:cs typeface="Calibri" pitchFamily="34" charset="0"/>
-            </a:endParaRPr>
-          </a:p>
-        </p:txBody>
-      </p:sp>
-      <p:sp>
-        <p:nvSpPr>
-          <p:cNvPr id="4" name="Rectangle 3"/>
-          <p:cNvSpPr/>
-          <p:nvPr/>
-        </p:nvSpPr>
-        <p:spPr>
-          <a:xfrm>
-            <a:off x="428596" y="1428736"/>
-            <a:ext cx="8072462" cy="3754874"/>
-          </a:xfrm>
-          <a:prstGeom prst="rect">
-            <a:avLst/>
-          </a:prstGeom>
-        </p:spPr>
-        <p:txBody>
-          <a:bodyPr wrap="square">
-            <a:spAutoFit/>
-          </a:bodyPr>
-          <a:lstStyle/>
-          <a:p>
-            <a:r>
-              <a:rPr lang="fr-FR" sz="2000" dirty="0" smtClean="0">
-                <a:solidFill>
-                  <a:schemeClr val="accent1">
-                    <a:lumMod val="75000"/>
-                  </a:schemeClr>
-                </a:solidFill>
-                <a:latin typeface="Century" pitchFamily="18" charset="0"/>
-                <a:ea typeface="Cambria" pitchFamily="18" charset="0"/>
-                <a:cs typeface="Times New Roman" pitchFamily="18" charset="0"/>
-              </a:rPr>
-              <a:t>Le but d'un test est de vérifier qu'une fonctionnalité fait ce que l'on attend d'elle.</a:t>
-            </a:r>
-          </a:p>
-          <a:p>
-            <a:endParaRPr lang="fr-FR" sz="2000" dirty="0" smtClean="0">
-              <a:solidFill>
-                <a:schemeClr val="accent1">
-                  <a:lumMod val="75000"/>
-                </a:schemeClr>
-              </a:solidFill>
-              <a:latin typeface="Century" pitchFamily="18" charset="0"/>
-              <a:ea typeface="Cambria" pitchFamily="18" charset="0"/>
-              <a:cs typeface="Times New Roman" pitchFamily="18" charset="0"/>
-            </a:endParaRPr>
-          </a:p>
-          <a:p>
-            <a:r>
-              <a:rPr lang="fr-FR" sz="2000" dirty="0" smtClean="0">
-                <a:solidFill>
-                  <a:schemeClr val="accent1">
-                    <a:lumMod val="75000"/>
-                  </a:schemeClr>
-                </a:solidFill>
-                <a:latin typeface="Century" pitchFamily="18" charset="0"/>
-                <a:ea typeface="Cambria" pitchFamily="18" charset="0"/>
-                <a:cs typeface="Times New Roman" pitchFamily="18" charset="0"/>
-              </a:rPr>
-              <a:t>les tests d'une application sont une phase très importante dans les cycles de </a:t>
-            </a:r>
-            <a:r>
-              <a:rPr lang="fr-FR" sz="2000" dirty="0" smtClean="0">
-                <a:solidFill>
-                  <a:schemeClr val="accent1">
-                    <a:lumMod val="75000"/>
-                  </a:schemeClr>
-                </a:solidFill>
-                <a:latin typeface="Century" pitchFamily="18" charset="0"/>
-                <a:ea typeface="Cambria" pitchFamily="18" charset="0"/>
-                <a:cs typeface="Times New Roman" pitchFamily="18" charset="0"/>
-              </a:rPr>
-              <a:t> développement </a:t>
-            </a:r>
-            <a:r>
-              <a:rPr lang="fr-FR" sz="2000" dirty="0" smtClean="0">
-                <a:solidFill>
-                  <a:schemeClr val="accent1">
-                    <a:lumMod val="75000"/>
-                  </a:schemeClr>
-                </a:solidFill>
-                <a:latin typeface="Century" pitchFamily="18" charset="0"/>
-                <a:ea typeface="Cambria" pitchFamily="18" charset="0"/>
-                <a:cs typeface="Times New Roman" pitchFamily="18" charset="0"/>
-              </a:rPr>
-              <a:t>et de maintenance d'une application</a:t>
-            </a:r>
-            <a:r>
-              <a:rPr lang="fr-FR" sz="2000" dirty="0" smtClean="0">
-                <a:solidFill>
-                  <a:schemeClr val="accent1">
-                    <a:lumMod val="75000"/>
-                  </a:schemeClr>
-                </a:solidFill>
-                <a:latin typeface="Century" pitchFamily="18" charset="0"/>
-                <a:ea typeface="Cambria" pitchFamily="18" charset="0"/>
-                <a:cs typeface="Times New Roman" pitchFamily="18" charset="0"/>
-              </a:rPr>
-              <a:t>.</a:t>
-            </a:r>
-          </a:p>
-          <a:p>
-            <a:endParaRPr lang="fr-FR" sz="2000" dirty="0" smtClean="0">
-              <a:solidFill>
-                <a:schemeClr val="accent1">
-                  <a:lumMod val="75000"/>
-                </a:schemeClr>
-              </a:solidFill>
-              <a:latin typeface="Century" pitchFamily="18" charset="0"/>
-              <a:ea typeface="Cambria" pitchFamily="18" charset="0"/>
-              <a:cs typeface="Times New Roman" pitchFamily="18" charset="0"/>
-            </a:endParaRPr>
-          </a:p>
-          <a:p>
-            <a:r>
-              <a:rPr lang="fr-FR" sz="2000" dirty="0" smtClean="0">
-                <a:solidFill>
-                  <a:schemeClr val="accent1">
-                    <a:lumMod val="75000"/>
-                  </a:schemeClr>
-                </a:solidFill>
-                <a:latin typeface="Century" pitchFamily="18" charset="0"/>
-                <a:ea typeface="Cambria" pitchFamily="18" charset="0"/>
-                <a:cs typeface="Times New Roman" pitchFamily="18" charset="0"/>
-              </a:rPr>
-              <a:t> </a:t>
-            </a:r>
-            <a:r>
-              <a:rPr lang="fr-FR" sz="2000" dirty="0" smtClean="0">
-                <a:solidFill>
-                  <a:schemeClr val="accent1">
-                    <a:lumMod val="75000"/>
-                  </a:schemeClr>
-                </a:solidFill>
-                <a:latin typeface="Century" pitchFamily="18" charset="0"/>
-                <a:ea typeface="Cambria" pitchFamily="18" charset="0"/>
-                <a:cs typeface="Times New Roman" pitchFamily="18" charset="0"/>
-              </a:rPr>
-              <a:t>Ils permettent de détecter </a:t>
-            </a:r>
-            <a:r>
-              <a:rPr lang="fr-FR" sz="2000" dirty="0" smtClean="0">
-                <a:solidFill>
-                  <a:schemeClr val="accent1">
-                    <a:lumMod val="75000"/>
-                  </a:schemeClr>
-                </a:solidFill>
-                <a:latin typeface="Century" pitchFamily="18" charset="0"/>
-                <a:ea typeface="Cambria" pitchFamily="18" charset="0"/>
-                <a:cs typeface="Times New Roman" pitchFamily="18" charset="0"/>
-              </a:rPr>
-              <a:t>des </a:t>
-            </a:r>
-            <a:r>
-              <a:rPr lang="fr-FR" sz="2000" dirty="0" smtClean="0">
-                <a:solidFill>
-                  <a:schemeClr val="accent1">
-                    <a:lumMod val="75000"/>
-                  </a:schemeClr>
-                </a:solidFill>
-                <a:latin typeface="Century" pitchFamily="18" charset="0"/>
-                <a:ea typeface="Cambria" pitchFamily="18" charset="0"/>
-                <a:cs typeface="Times New Roman" pitchFamily="18" charset="0"/>
-              </a:rPr>
-              <a:t>bugs et de s'assurer que </a:t>
-            </a:r>
-            <a:endParaRPr lang="fr-FR" sz="2000" dirty="0" smtClean="0">
-              <a:solidFill>
-                <a:schemeClr val="accent1">
-                  <a:lumMod val="75000"/>
-                </a:schemeClr>
-              </a:solidFill>
-              <a:latin typeface="Century" pitchFamily="18" charset="0"/>
-              <a:ea typeface="Cambria" pitchFamily="18" charset="0"/>
-              <a:cs typeface="Times New Roman" pitchFamily="18" charset="0"/>
-            </a:endParaRPr>
-          </a:p>
-          <a:p>
-            <a:endParaRPr lang="fr-FR" sz="2000" dirty="0" smtClean="0">
-              <a:solidFill>
-                <a:schemeClr val="accent1">
-                  <a:lumMod val="75000"/>
-                </a:schemeClr>
-              </a:solidFill>
-              <a:latin typeface="Century" pitchFamily="18" charset="0"/>
-              <a:ea typeface="Cambria" pitchFamily="18" charset="0"/>
-              <a:cs typeface="Times New Roman" pitchFamily="18" charset="0"/>
-            </a:endParaRPr>
-          </a:p>
-          <a:p>
-            <a:r>
-              <a:rPr lang="fr-FR" sz="2000" dirty="0" smtClean="0">
-                <a:solidFill>
-                  <a:schemeClr val="accent1">
-                    <a:lumMod val="75000"/>
-                  </a:schemeClr>
-                </a:solidFill>
-                <a:latin typeface="Century" pitchFamily="18" charset="0"/>
-                <a:ea typeface="Cambria" pitchFamily="18" charset="0"/>
-                <a:cs typeface="Times New Roman" pitchFamily="18" charset="0"/>
-              </a:rPr>
-              <a:t>l'application </a:t>
-            </a:r>
-            <a:r>
-              <a:rPr lang="fr-FR" sz="2000" dirty="0" smtClean="0">
-                <a:solidFill>
-                  <a:schemeClr val="accent1">
-                    <a:lumMod val="75000"/>
-                  </a:schemeClr>
-                </a:solidFill>
-                <a:latin typeface="Century" pitchFamily="18" charset="0"/>
-                <a:ea typeface="Cambria" pitchFamily="18" charset="0"/>
-                <a:cs typeface="Times New Roman" pitchFamily="18" charset="0"/>
-              </a:rPr>
-              <a:t>réponde au cahier des charges et aux spécifications.</a:t>
-            </a:r>
-          </a:p>
-          <a:p>
-            <a:endParaRPr lang="fr-FR" sz="2000" dirty="0" smtClean="0">
-              <a:solidFill>
-                <a:schemeClr val="accent1">
-                  <a:lumMod val="75000"/>
-                </a:schemeClr>
-              </a:solidFill>
-              <a:latin typeface="Century" pitchFamily="18" charset="0"/>
-              <a:ea typeface="Cambria" pitchFamily="18" charset="0"/>
-              <a:cs typeface="Times New Roman" pitchFamily="18" charset="0"/>
-            </a:endParaRPr>
-          </a:p>
-          <a:p>
-            <a:r>
-              <a:rPr lang="fr-FR" sz="2000" dirty="0" smtClean="0">
-                <a:solidFill>
-                  <a:schemeClr val="accent1">
-                    <a:lumMod val="75000"/>
-                  </a:schemeClr>
-                </a:solidFill>
-                <a:latin typeface="Century" pitchFamily="18" charset="0"/>
-                <a:ea typeface="Cambria" pitchFamily="18" charset="0"/>
-                <a:cs typeface="Times New Roman" pitchFamily="18" charset="0"/>
-              </a:rPr>
-              <a:t>Ces tests peuvent prendre différentes formes :</a:t>
-            </a:r>
-          </a:p>
-          <a:p>
-            <a:endParaRPr lang="fr-FR" dirty="0"/>
-          </a:p>
-        </p:txBody>
-      </p:sp>
-    </p:spTree>
-  </p:cSld>
-  <p:clrMapOvr>
-    <a:masterClrMapping/>
-  </p:clrMapOvr>
-  <p:transition>
-    <p:fade/>
-  </p:transition>
-  <p:timing>
-    <p:tnLst>
-      <p:par>
-        <p:cTn id="1" dur="indefinite" restart="never" nodeType="tmRoot"/>
-      </p:par>
-    </p:tnLst>
-  </p:timing>
-</p:sld>
-</file>
-
-<file path=ppt/slides/slide3.xml><?xml version="1.0" encoding="utf-8"?>
-<p:sld xmlns:a="http://schemas.openxmlformats.org/drawingml/2006/main" xmlns:r="http://schemas.openxmlformats.org/officeDocument/2006/relationships" xmlns:p="http://schemas.openxmlformats.org/presentationml/2006/main">
-  <p:cSld>
-    <p:spTree>
-      <p:nvGrpSpPr>
-        <p:cNvPr id="1" name=""/>
-        <p:cNvGrpSpPr/>
-        <p:nvPr/>
-      </p:nvGrpSpPr>
-      <p:grpSpPr>
-        <a:xfrm>
-          <a:off x="0" y="0"/>
-          <a:ext cx="0" cy="0"/>
-          <a:chOff x="0" y="0"/>
-          <a:chExt cx="0" cy="0"/>
-        </a:xfrm>
-      </p:grpSpPr>
-      <p:sp>
-        <p:nvSpPr>
-          <p:cNvPr id="2" name="Rectangle 1"/>
-          <p:cNvSpPr/>
-          <p:nvPr/>
-        </p:nvSpPr>
-        <p:spPr>
-          <a:xfrm>
-            <a:off x="428596" y="1500174"/>
-            <a:ext cx="8001056" cy="4401205"/>
-          </a:xfrm>
-          <a:prstGeom prst="rect">
-            <a:avLst/>
-          </a:prstGeom>
-        </p:spPr>
-        <p:txBody>
-          <a:bodyPr wrap="square">
-            <a:spAutoFit/>
-          </a:bodyPr>
-          <a:lstStyle/>
-          <a:p>
-            <a:r>
-              <a:rPr lang="fr-FR" sz="2000" dirty="0" smtClean="0">
-                <a:solidFill>
-                  <a:schemeClr val="accent1">
-                    <a:lumMod val="75000"/>
-                  </a:schemeClr>
-                </a:solidFill>
-                <a:latin typeface="Century" pitchFamily="18" charset="0"/>
-                <a:ea typeface="Cambria" pitchFamily="18" charset="0"/>
-                <a:cs typeface="Times New Roman" pitchFamily="18" charset="0"/>
-              </a:rPr>
-              <a:t>Un test unitaire est une suite d’opérations permettant de vérifier la validité </a:t>
-            </a:r>
-          </a:p>
-          <a:p>
-            <a:pPr algn="ctr"/>
-            <a:endParaRPr lang="fr-FR" sz="2000" dirty="0" smtClean="0">
-              <a:solidFill>
-                <a:schemeClr val="accent1">
-                  <a:lumMod val="75000"/>
-                </a:schemeClr>
-              </a:solidFill>
-              <a:latin typeface="Century" pitchFamily="18" charset="0"/>
-              <a:ea typeface="Cambria" pitchFamily="18" charset="0"/>
-              <a:cs typeface="Times New Roman" pitchFamily="18" charset="0"/>
-            </a:endParaRPr>
-          </a:p>
-          <a:p>
-            <a:r>
-              <a:rPr lang="fr-FR" sz="2000" dirty="0" smtClean="0">
-                <a:solidFill>
-                  <a:schemeClr val="accent1">
-                    <a:lumMod val="75000"/>
-                  </a:schemeClr>
-                </a:solidFill>
-                <a:latin typeface="Century" pitchFamily="18" charset="0"/>
-                <a:ea typeface="Cambria" pitchFamily="18" charset="0"/>
-                <a:cs typeface="Times New Roman" pitchFamily="18" charset="0"/>
-              </a:rPr>
-              <a:t>d’unités individuelles d’une application, indépendamment les unes des autres.</a:t>
-            </a:r>
-          </a:p>
-          <a:p>
-            <a:pPr algn="ctr"/>
-            <a:endParaRPr lang="fr-FR" sz="2000" dirty="0" smtClean="0">
-              <a:solidFill>
-                <a:schemeClr val="accent1">
-                  <a:lumMod val="75000"/>
-                </a:schemeClr>
-              </a:solidFill>
-              <a:latin typeface="Century" pitchFamily="18" charset="0"/>
-              <a:ea typeface="Cambria" pitchFamily="18" charset="0"/>
-              <a:cs typeface="Times New Roman" pitchFamily="18" charset="0"/>
-            </a:endParaRPr>
-          </a:p>
-          <a:p>
-            <a:r>
-              <a:rPr lang="fr-FR" sz="2000" dirty="0" smtClean="0">
-                <a:solidFill>
-                  <a:schemeClr val="accent1">
-                    <a:lumMod val="75000"/>
-                  </a:schemeClr>
-                </a:solidFill>
-                <a:latin typeface="Century" pitchFamily="18" charset="0"/>
-                <a:ea typeface="Cambria" pitchFamily="18" charset="0"/>
-                <a:cs typeface="Times New Roman" pitchFamily="18" charset="0"/>
-              </a:rPr>
-              <a:t> Ils s’assurent qu’une méthode exposée à la manipulation par un utilisateur </a:t>
-            </a:r>
-          </a:p>
-          <a:p>
-            <a:pPr algn="ctr"/>
-            <a:endParaRPr lang="fr-FR" sz="2000" dirty="0" smtClean="0">
-              <a:solidFill>
-                <a:schemeClr val="accent1">
-                  <a:lumMod val="75000"/>
-                </a:schemeClr>
-              </a:solidFill>
-              <a:latin typeface="Century" pitchFamily="18" charset="0"/>
-              <a:ea typeface="Cambria" pitchFamily="18" charset="0"/>
-              <a:cs typeface="Times New Roman" pitchFamily="18" charset="0"/>
-            </a:endParaRPr>
-          </a:p>
-          <a:p>
-            <a:r>
-              <a:rPr lang="fr-FR" sz="2000" dirty="0" smtClean="0">
-                <a:solidFill>
-                  <a:schemeClr val="accent1">
-                    <a:lumMod val="75000"/>
-                  </a:schemeClr>
-                </a:solidFill>
-                <a:latin typeface="Century" pitchFamily="18" charset="0"/>
-                <a:ea typeface="Cambria" pitchFamily="18" charset="0"/>
-                <a:cs typeface="Times New Roman" pitchFamily="18" charset="0"/>
-              </a:rPr>
-              <a:t>fonctionne bien de la façon dont elle a été conçue.</a:t>
-            </a:r>
-          </a:p>
-          <a:p>
-            <a:pPr algn="ctr"/>
-            <a:endParaRPr lang="fr-FR" sz="2000" dirty="0" smtClean="0">
-              <a:solidFill>
-                <a:schemeClr val="accent1">
-                  <a:lumMod val="75000"/>
-                </a:schemeClr>
-              </a:solidFill>
-              <a:latin typeface="Century" pitchFamily="18" charset="0"/>
-              <a:ea typeface="Cambria" pitchFamily="18" charset="0"/>
-              <a:cs typeface="Times New Roman" pitchFamily="18" charset="0"/>
-            </a:endParaRPr>
-          </a:p>
-          <a:p>
-            <a:pPr algn="ctr"/>
-            <a:r>
-              <a:rPr lang="fr-FR" sz="2000" dirty="0" smtClean="0">
-                <a:solidFill>
-                  <a:schemeClr val="accent1">
-                    <a:lumMod val="75000"/>
-                  </a:schemeClr>
-                </a:solidFill>
-                <a:latin typeface="Century" pitchFamily="18" charset="0"/>
-                <a:ea typeface="Cambria" pitchFamily="18" charset="0"/>
-                <a:cs typeface="Times New Roman" pitchFamily="18" charset="0"/>
-              </a:rPr>
-              <a:t>Ils sont la base sur laquelle les autres processus de tests doivent être construits pour assurer des fondations solides dans le cadre du développement d’une application.</a:t>
-            </a:r>
-          </a:p>
-        </p:txBody>
-      </p:sp>
-      <p:sp>
-        <p:nvSpPr>
-          <p:cNvPr id="3" name="ZoneTexte 2"/>
-          <p:cNvSpPr txBox="1"/>
-          <p:nvPr/>
-        </p:nvSpPr>
-        <p:spPr>
-          <a:xfrm>
-            <a:off x="642910" y="571480"/>
-            <a:ext cx="7286676" cy="523220"/>
-          </a:xfrm>
-          <a:prstGeom prst="rect">
-            <a:avLst/>
-          </a:prstGeom>
-          <a:noFill/>
-        </p:spPr>
-        <p:txBody>
-          <a:bodyPr wrap="square" rtlCol="0">
-            <a:spAutoFit/>
-          </a:bodyPr>
-          <a:lstStyle/>
-          <a:p>
-            <a:pPr algn="ctr"/>
-            <a:r>
-              <a:rPr lang="fr-FR" sz="2800" b="1" cap="all" dirty="0" smtClean="0">
-                <a:ln w="0"/>
-                <a:gradFill flip="none">
-                  <a:gsLst>
-                    <a:gs pos="0">
-                      <a:schemeClr val="accent1">
-                        <a:tint val="75000"/>
-                        <a:shade val="75000"/>
-                        <a:satMod val="170000"/>
-                      </a:schemeClr>
-                    </a:gs>
-                    <a:gs pos="49000">
-                      <a:schemeClr val="accent1">
-                        <a:tint val="88000"/>
-                        <a:shade val="65000"/>
-                        <a:satMod val="172000"/>
-                      </a:schemeClr>
-                    </a:gs>
-                    <a:gs pos="50000">
-                      <a:schemeClr val="accent1">
-                        <a:shade val="65000"/>
-                        <a:satMod val="130000"/>
-                      </a:schemeClr>
-                    </a:gs>
-                    <a:gs pos="92000">
-                      <a:schemeClr val="accent1">
-                        <a:shade val="50000"/>
-                        <a:satMod val="120000"/>
-                      </a:schemeClr>
-                    </a:gs>
-                    <a:gs pos="100000">
-                      <a:schemeClr val="accent1">
-                        <a:shade val="48000"/>
-                        <a:satMod val="120000"/>
-                      </a:schemeClr>
-                    </a:gs>
-                  </a:gsLst>
-                  <a:lin ang="5400000"/>
-                </a:gradFill>
-                <a:effectLst>
-                  <a:reflection blurRad="12700" stA="50000" endPos="50000" dist="5000" dir="5400000" sy="-100000" rotWithShape="0"/>
-                </a:effectLst>
-              </a:rPr>
-              <a:t>tests unitaires</a:t>
-            </a:r>
-          </a:p>
-        </p:txBody>
-      </p:sp>
-    </p:spTree>
-  </p:cSld>
-  <p:clrMapOvr>
-    <a:masterClrMapping/>
-  </p:clrMapOvr>
-  <p:transition>
-    <p:fade/>
-  </p:transition>
-  <p:timing>
-    <p:tnLst>
-      <p:par>
-        <p:cTn id="1" dur="indefinite" restart="never" nodeType="tmRoot"/>
-      </p:par>
-    </p:tnLst>
-  </p:timing>
-</p:sld>
-</file>
-
-<file path=ppt/slides/slide4.xml><?xml version="1.0" encoding="utf-8"?>
-<p:sld xmlns:a="http://schemas.openxmlformats.org/drawingml/2006/main" xmlns:r="http://schemas.openxmlformats.org/officeDocument/2006/relationships" xmlns:p="http://schemas.openxmlformats.org/presentationml/2006/main">
-  <p:cSld>
-    <p:spTree>
-      <p:nvGrpSpPr>
-        <p:cNvPr id="1" name=""/>
-        <p:cNvGrpSpPr/>
-        <p:nvPr/>
-      </p:nvGrpSpPr>
-      <p:grpSpPr>
-        <a:xfrm>
-          <a:off x="0" y="0"/>
-          <a:ext cx="0" cy="0"/>
-          <a:chOff x="0" y="0"/>
-          <a:chExt cx="0" cy="0"/>
-        </a:xfrm>
-      </p:grpSpPr>
-      <p:sp>
-        <p:nvSpPr>
-          <p:cNvPr id="5" name="Rectangle 4"/>
-          <p:cNvSpPr/>
-          <p:nvPr/>
-        </p:nvSpPr>
-        <p:spPr>
-          <a:xfrm>
-            <a:off x="0" y="2071678"/>
-            <a:ext cx="8929718" cy="3416320"/>
-          </a:xfrm>
-          <a:prstGeom prst="rect">
-            <a:avLst/>
-          </a:prstGeom>
-        </p:spPr>
-        <p:txBody>
-          <a:bodyPr wrap="square">
-            <a:spAutoFit/>
-          </a:bodyPr>
-          <a:lstStyle/>
-          <a:p>
-            <a:pPr algn="ctr"/>
-            <a:r>
-              <a:rPr lang="fr-FR" sz="2000" dirty="0" smtClean="0">
-                <a:solidFill>
-                  <a:schemeClr val="accent1">
-                    <a:lumMod val="75000"/>
-                  </a:schemeClr>
-                </a:solidFill>
-                <a:latin typeface="Century" pitchFamily="18" charset="0"/>
-                <a:ea typeface="Cambria" pitchFamily="18" charset="0"/>
-                <a:cs typeface="Times New Roman" pitchFamily="18" charset="0"/>
-              </a:rPr>
-              <a:t>                   Ya deux types de tests d intégration:</a:t>
-            </a:r>
-          </a:p>
-          <a:p>
-            <a:pPr algn="ctr"/>
-            <a:endParaRPr lang="fr-FR" sz="2000" dirty="0" smtClean="0">
-              <a:solidFill>
-                <a:schemeClr val="accent1">
-                  <a:lumMod val="75000"/>
-                </a:schemeClr>
-              </a:solidFill>
-              <a:latin typeface="Century" pitchFamily="18" charset="0"/>
-              <a:ea typeface="Cambria" pitchFamily="18" charset="0"/>
-              <a:cs typeface="Times New Roman" pitchFamily="18" charset="0"/>
-            </a:endParaRPr>
-          </a:p>
-          <a:p>
-            <a:pPr lvl="2" algn="ctr">
-              <a:buFont typeface="Arial" pitchFamily="34" charset="0"/>
-              <a:buChar char="•"/>
-            </a:pPr>
-            <a:r>
-              <a:rPr lang="fr-FR" sz="2000" dirty="0" smtClean="0">
-                <a:solidFill>
-                  <a:schemeClr val="accent1">
-                    <a:lumMod val="75000"/>
-                  </a:schemeClr>
-                </a:solidFill>
-                <a:latin typeface="Century" pitchFamily="18" charset="0"/>
-                <a:ea typeface="Cambria" pitchFamily="18" charset="0"/>
-                <a:cs typeface="Times New Roman" pitchFamily="18" charset="0"/>
-              </a:rPr>
-              <a:t> les tests d'intégration composants : ils permettent de vérifier si plusieurs unités de code fonctionnent bien ensemble, dans un environnement de test assez proche du test unitaire.</a:t>
-            </a:r>
-          </a:p>
-          <a:p>
-            <a:pPr algn="ctr"/>
-            <a:endParaRPr lang="fr-FR" sz="2000" dirty="0" smtClean="0">
-              <a:solidFill>
-                <a:schemeClr val="accent1">
-                  <a:lumMod val="75000"/>
-                </a:schemeClr>
-              </a:solidFill>
-              <a:latin typeface="Century" pitchFamily="18" charset="0"/>
-              <a:ea typeface="Cambria" pitchFamily="18" charset="0"/>
-              <a:cs typeface="Times New Roman" pitchFamily="18" charset="0"/>
-            </a:endParaRPr>
-          </a:p>
-          <a:p>
-            <a:pPr lvl="2" algn="ctr">
-              <a:buFont typeface="Arial" pitchFamily="34" charset="0"/>
-              <a:buChar char="•"/>
-            </a:pPr>
-            <a:r>
-              <a:rPr lang="fr-FR" sz="2000" dirty="0" smtClean="0">
-                <a:solidFill>
-                  <a:schemeClr val="accent1">
-                    <a:lumMod val="75000"/>
-                  </a:schemeClr>
-                </a:solidFill>
-                <a:latin typeface="Century" pitchFamily="18" charset="0"/>
-                <a:ea typeface="Cambria" pitchFamily="18" charset="0"/>
-                <a:cs typeface="Times New Roman" pitchFamily="18" charset="0"/>
-              </a:rPr>
-              <a:t> les tests d'intégration système : ils permettent de vérifier le fonctionnement de plusieurs unités de code au sein d'une configuration d'application.</a:t>
-            </a:r>
-          </a:p>
-          <a:p>
-            <a:pPr algn="ctr"/>
-            <a:endParaRPr lang="fr-FR" dirty="0" smtClean="0"/>
-          </a:p>
-          <a:p>
-            <a:pPr algn="ctr"/>
-            <a:endParaRPr lang="fr-FR" dirty="0"/>
-          </a:p>
-        </p:txBody>
-      </p:sp>
-      <p:sp>
-        <p:nvSpPr>
-          <p:cNvPr id="6" name="Rectangle 5"/>
-          <p:cNvSpPr/>
-          <p:nvPr/>
-        </p:nvSpPr>
-        <p:spPr>
-          <a:xfrm>
-            <a:off x="2357422" y="714356"/>
-            <a:ext cx="3574568" cy="523220"/>
-          </a:xfrm>
-          <a:prstGeom prst="rect">
-            <a:avLst/>
-          </a:prstGeom>
-        </p:spPr>
-        <p:txBody>
-          <a:bodyPr wrap="none">
-            <a:spAutoFit/>
-          </a:bodyPr>
-          <a:lstStyle/>
-          <a:p>
-            <a:r>
-              <a:rPr lang="fr-FR" sz="2800" b="1" cap="all" dirty="0" smtClean="0">
-                <a:ln w="0"/>
-                <a:gradFill flip="none">
-                  <a:gsLst>
-                    <a:gs pos="0">
-                      <a:schemeClr val="accent1">
-                        <a:tint val="75000"/>
-                        <a:shade val="75000"/>
-                        <a:satMod val="170000"/>
-                      </a:schemeClr>
-                    </a:gs>
-                    <a:gs pos="49000">
-                      <a:schemeClr val="accent1">
-                        <a:tint val="88000"/>
-                        <a:shade val="65000"/>
-                        <a:satMod val="172000"/>
-                      </a:schemeClr>
-                    </a:gs>
-                    <a:gs pos="50000">
-                      <a:schemeClr val="accent1">
-                        <a:shade val="65000"/>
-                        <a:satMod val="130000"/>
-                      </a:schemeClr>
-                    </a:gs>
-                    <a:gs pos="92000">
-                      <a:schemeClr val="accent1">
-                        <a:shade val="50000"/>
-                        <a:satMod val="120000"/>
-                      </a:schemeClr>
-                    </a:gs>
-                    <a:gs pos="100000">
-                      <a:schemeClr val="accent1">
-                        <a:shade val="48000"/>
-                        <a:satMod val="120000"/>
-                      </a:schemeClr>
-                    </a:gs>
-                  </a:gsLst>
-                  <a:lin ang="5400000"/>
-                </a:gradFill>
-                <a:effectLst>
-                  <a:reflection blurRad="12700" stA="50000" endPos="50000" dist="5000" dir="5400000" sy="-100000" rotWithShape="0"/>
-                </a:effectLst>
-              </a:rPr>
-              <a:t>tests d'intégration </a:t>
-            </a:r>
-          </a:p>
-        </p:txBody>
-      </p:sp>
-    </p:spTree>
-  </p:cSld>
-  <p:clrMapOvr>
-    <a:masterClrMapping/>
-  </p:clrMapOvr>
-  <p:transition>
-    <p:fade/>
-  </p:transition>
-  <p:timing>
-    <p:tnLst>
-      <p:par>
-        <p:cTn id="1" dur="indefinite" restart="never" nodeType="tmRoot"/>
-      </p:par>
-    </p:tnLst>
-  </p:timing>
-</p:sld>
-</file>
-
-<file path=ppt/slides/slide5.xml><?xml version="1.0" encoding="utf-8"?>
-<p:sld xmlns:a="http://schemas.openxmlformats.org/drawingml/2006/main" xmlns:r="http://schemas.openxmlformats.org/officeDocument/2006/relationships" xmlns:p="http://schemas.openxmlformats.org/presentationml/2006/main">
-  <p:cSld>
-    <p:spTree>
-      <p:nvGrpSpPr>
-        <p:cNvPr id="1" name=""/>
-        <p:cNvGrpSpPr/>
-        <p:nvPr/>
-      </p:nvGrpSpPr>
-      <p:grpSpPr>
-        <a:xfrm>
-          <a:off x="0" y="0"/>
-          <a:ext cx="0" cy="0"/>
-          <a:chOff x="0" y="0"/>
-          <a:chExt cx="0" cy="0"/>
-        </a:xfrm>
-      </p:grpSpPr>
-      <p:sp>
-        <p:nvSpPr>
-          <p:cNvPr id="5" name="Rectangle 4"/>
-          <p:cNvSpPr/>
-          <p:nvPr/>
-        </p:nvSpPr>
-        <p:spPr>
-          <a:xfrm>
-            <a:off x="1142976" y="2000240"/>
-            <a:ext cx="7976864" cy="1846659"/>
-          </a:xfrm>
-          <a:prstGeom prst="rect">
-            <a:avLst/>
-          </a:prstGeom>
-        </p:spPr>
-        <p:txBody>
-          <a:bodyPr wrap="none">
-            <a:spAutoFit/>
-          </a:bodyPr>
-          <a:lstStyle/>
-          <a:p>
-            <a:r>
-              <a:rPr lang="fr-FR" sz="2800" b="1" cap="all" dirty="0" smtClean="0">
-                <a:ln w="0"/>
-                <a:gradFill flip="none">
-                  <a:gsLst>
-                    <a:gs pos="0">
-                      <a:schemeClr val="accent1">
-                        <a:tint val="75000"/>
-                        <a:shade val="75000"/>
-                        <a:satMod val="170000"/>
-                      </a:schemeClr>
-                    </a:gs>
-                    <a:gs pos="49000">
-                      <a:schemeClr val="accent1">
-                        <a:tint val="88000"/>
-                        <a:shade val="65000"/>
-                        <a:satMod val="172000"/>
-                      </a:schemeClr>
-                    </a:gs>
-                    <a:gs pos="50000">
-                      <a:schemeClr val="accent1">
-                        <a:shade val="65000"/>
-                        <a:satMod val="130000"/>
-                      </a:schemeClr>
-                    </a:gs>
-                    <a:gs pos="92000">
-                      <a:schemeClr val="accent1">
-                        <a:shade val="50000"/>
-                        <a:satMod val="120000"/>
-                      </a:schemeClr>
-                    </a:gs>
-                    <a:gs pos="100000">
-                      <a:schemeClr val="accent1">
-                        <a:shade val="48000"/>
-                        <a:satMod val="120000"/>
-                      </a:schemeClr>
-                    </a:gs>
-                  </a:gsLst>
-                  <a:lin ang="5400000"/>
-                </a:gradFill>
-                <a:effectLst>
-                  <a:reflection blurRad="12700" stA="50000" endPos="50000" dist="5000" dir="5400000" sy="-100000" rotWithShape="0"/>
-                </a:effectLst>
-              </a:rPr>
-              <a:t>D autres types de tests :</a:t>
-            </a:r>
-          </a:p>
-          <a:p>
-            <a:endParaRPr lang="fr-FR" sz="2800" b="1" cap="all" dirty="0" smtClean="0">
-              <a:ln w="0"/>
-              <a:gradFill flip="none">
-                <a:gsLst>
-                  <a:gs pos="0">
-                    <a:schemeClr val="accent1">
-                      <a:tint val="75000"/>
-                      <a:shade val="75000"/>
-                      <a:satMod val="170000"/>
-                    </a:schemeClr>
-                  </a:gs>
-                  <a:gs pos="49000">
-                    <a:schemeClr val="accent1">
-                      <a:tint val="88000"/>
-                      <a:shade val="65000"/>
-                      <a:satMod val="172000"/>
-                    </a:schemeClr>
-                  </a:gs>
-                  <a:gs pos="50000">
-                    <a:schemeClr val="accent1">
-                      <a:shade val="65000"/>
-                      <a:satMod val="130000"/>
-                    </a:schemeClr>
-                  </a:gs>
-                  <a:gs pos="92000">
-                    <a:schemeClr val="accent1">
-                      <a:shade val="50000"/>
-                      <a:satMod val="120000"/>
-                    </a:schemeClr>
-                  </a:gs>
-                  <a:gs pos="100000">
-                    <a:schemeClr val="accent1">
-                      <a:shade val="48000"/>
-                      <a:satMod val="120000"/>
-                    </a:schemeClr>
-                  </a:gs>
-                </a:gsLst>
-                <a:lin ang="5400000"/>
-              </a:gradFill>
-              <a:effectLst>
-                <a:reflection blurRad="12700" stA="50000" endPos="50000" dist="5000" dir="5400000" sy="-100000" rotWithShape="0"/>
-              </a:effectLst>
-            </a:endParaRPr>
-          </a:p>
-          <a:p>
-            <a:pPr algn="ctr"/>
-            <a:r>
-              <a:rPr lang="fr-FR" sz="2000" dirty="0" smtClean="0">
-                <a:solidFill>
-                  <a:schemeClr val="accent1">
-                    <a:lumMod val="75000"/>
-                  </a:schemeClr>
-                </a:solidFill>
-                <a:latin typeface="Century" pitchFamily="18" charset="0"/>
-                <a:ea typeface="Cambria" pitchFamily="18" charset="0"/>
-                <a:cs typeface="Times New Roman" pitchFamily="18" charset="0"/>
-              </a:rPr>
-              <a:t>tests fonctionnels, de régression, de performance ,de bout en bout </a:t>
-            </a:r>
-          </a:p>
-          <a:p>
-            <a:pPr algn="just"/>
-            <a:r>
-              <a:rPr lang="fr-FR" sz="2000" dirty="0" smtClean="0">
-                <a:solidFill>
-                  <a:schemeClr val="accent1">
-                    <a:lumMod val="75000"/>
-                  </a:schemeClr>
-                </a:solidFill>
-                <a:latin typeface="Century" pitchFamily="18" charset="0"/>
-                <a:ea typeface="Cambria" pitchFamily="18" charset="0"/>
-                <a:cs typeface="Times New Roman" pitchFamily="18" charset="0"/>
-              </a:rPr>
-              <a:t>et les tests d’acceptation</a:t>
-            </a:r>
-          </a:p>
-          <a:p>
-            <a:endParaRPr lang="fr-FR" dirty="0"/>
-          </a:p>
-        </p:txBody>
-      </p:sp>
-    </p:spTree>
-  </p:cSld>
-  <p:clrMapOvr>
-    <a:masterClrMapping/>
-  </p:clrMapOvr>
-  <p:transition>
-    <p:fade/>
-  </p:transition>
-  <p:timing>
-    <p:tnLst>
-      <p:par>
-        <p:cTn id="1" dur="indefinite" restart="never" nodeType="tmRoot"/>
-      </p:par>
-    </p:tnLst>
-  </p:timing>
-</p:sld>
-</file>
-
-<file path=ppt/slides/slide6.xml><?xml version="1.0" encoding="utf-8"?>
-<p:sld xmlns:a="http://schemas.openxmlformats.org/drawingml/2006/main" xmlns:r="http://schemas.openxmlformats.org/officeDocument/2006/relationships" xmlns:p="http://schemas.openxmlformats.org/presentationml/2006/main">
-  <p:cSld>
-    <p:spTree>
-      <p:nvGrpSpPr>
-        <p:cNvPr id="1" name=""/>
-        <p:cNvGrpSpPr/>
-        <p:nvPr/>
-      </p:nvGrpSpPr>
-      <p:grpSpPr>
-        <a:xfrm>
-          <a:off x="0" y="0"/>
-          <a:ext cx="0" cy="0"/>
-          <a:chOff x="0" y="0"/>
-          <a:chExt cx="0" cy="0"/>
-        </a:xfrm>
-      </p:grpSpPr>
-      <p:sp>
-        <p:nvSpPr>
-          <p:cNvPr id="6" name="Rectangle 5"/>
-          <p:cNvSpPr/>
-          <p:nvPr/>
-        </p:nvSpPr>
-        <p:spPr>
-          <a:xfrm>
-            <a:off x="285736" y="1285860"/>
-            <a:ext cx="8858264" cy="2554545"/>
-          </a:xfrm>
-          <a:prstGeom prst="rect">
-            <a:avLst/>
-          </a:prstGeom>
-        </p:spPr>
-        <p:txBody>
-          <a:bodyPr wrap="square">
-            <a:spAutoFit/>
-          </a:bodyPr>
-          <a:lstStyle/>
-          <a:p>
-            <a:r>
-              <a:rPr lang="fr-FR" sz="2000" dirty="0" smtClean="0">
-                <a:solidFill>
-                  <a:schemeClr val="accent1">
-                    <a:lumMod val="75000"/>
-                  </a:schemeClr>
-                </a:solidFill>
-                <a:latin typeface="Century" pitchFamily="18" charset="0"/>
-                <a:ea typeface="Cambria" pitchFamily="18" charset="0"/>
-                <a:cs typeface="Times New Roman" pitchFamily="18" charset="0"/>
-              </a:rPr>
-              <a:t>JUnit est un Framework mature pour permettre l'écriture et                          l'exécution de tests automatisés.</a:t>
-            </a:r>
-          </a:p>
-          <a:p>
-            <a:r>
-              <a:rPr lang="fr-FR" sz="2000" dirty="0" smtClean="0">
-                <a:solidFill>
-                  <a:schemeClr val="accent1">
-                    <a:lumMod val="75000"/>
-                  </a:schemeClr>
-                </a:solidFill>
-                <a:latin typeface="Century" pitchFamily="18" charset="0"/>
-                <a:ea typeface="Cambria" pitchFamily="18" charset="0"/>
-                <a:cs typeface="Times New Roman" pitchFamily="18" charset="0"/>
-              </a:rPr>
-              <a:t>JUnit permet de réaliser :</a:t>
-            </a:r>
-          </a:p>
-          <a:p>
-            <a:endParaRPr lang="fr-FR" sz="2000" dirty="0" smtClean="0">
-              <a:solidFill>
-                <a:schemeClr val="accent1">
-                  <a:lumMod val="75000"/>
-                </a:schemeClr>
-              </a:solidFill>
-              <a:latin typeface="Century" pitchFamily="18" charset="0"/>
-              <a:ea typeface="Cambria" pitchFamily="18" charset="0"/>
-              <a:cs typeface="Times New Roman" pitchFamily="18" charset="0"/>
-            </a:endParaRPr>
-          </a:p>
-          <a:p>
-            <a:pPr lvl="2">
-              <a:buFont typeface="Arial" pitchFamily="34" charset="0"/>
-              <a:buChar char="•"/>
-            </a:pPr>
-            <a:r>
-              <a:rPr lang="fr-FR" sz="2000" dirty="0" smtClean="0">
-                <a:solidFill>
-                  <a:schemeClr val="accent1">
-                    <a:lumMod val="75000"/>
-                  </a:schemeClr>
-                </a:solidFill>
-                <a:latin typeface="Century" pitchFamily="18" charset="0"/>
-                <a:ea typeface="Cambria" pitchFamily="18" charset="0"/>
-                <a:cs typeface="Times New Roman" pitchFamily="18" charset="0"/>
-              </a:rPr>
-              <a:t> des TestCase qui sont des classes contenant des méthodes de         tests ;</a:t>
-            </a:r>
-          </a:p>
-          <a:p>
-            <a:pPr lvl="2">
-              <a:buFont typeface="Arial" pitchFamily="34" charset="0"/>
-              <a:buChar char="•"/>
-            </a:pPr>
-            <a:r>
-              <a:rPr lang="fr-FR" sz="2000" dirty="0" smtClean="0">
-                <a:solidFill>
-                  <a:schemeClr val="accent1">
-                    <a:lumMod val="75000"/>
-                  </a:schemeClr>
-                </a:solidFill>
-                <a:latin typeface="Century" pitchFamily="18" charset="0"/>
-                <a:ea typeface="Cambria" pitchFamily="18" charset="0"/>
-                <a:cs typeface="Times New Roman" pitchFamily="18" charset="0"/>
-              </a:rPr>
-              <a:t> des TestSuite qui permettent de lancer des suites de classes de type TestCase.</a:t>
-            </a:r>
-          </a:p>
-        </p:txBody>
-      </p:sp>
-      <p:sp>
-        <p:nvSpPr>
-          <p:cNvPr id="7" name="Rectangle 6"/>
-          <p:cNvSpPr/>
-          <p:nvPr/>
-        </p:nvSpPr>
-        <p:spPr>
-          <a:xfrm>
-            <a:off x="357158" y="3929066"/>
-            <a:ext cx="8001056" cy="2246769"/>
-          </a:xfrm>
-          <a:prstGeom prst="rect">
-            <a:avLst/>
-          </a:prstGeom>
-        </p:spPr>
-        <p:txBody>
-          <a:bodyPr wrap="square">
-            <a:spAutoFit/>
-          </a:bodyPr>
-          <a:lstStyle/>
-          <a:p>
-            <a:r>
-              <a:rPr lang="fr-FR" sz="2000" dirty="0" smtClean="0">
-                <a:solidFill>
-                  <a:schemeClr val="accent1">
-                    <a:lumMod val="75000"/>
-                  </a:schemeClr>
-                </a:solidFill>
-                <a:latin typeface="Century" pitchFamily="18" charset="0"/>
-                <a:ea typeface="Cambria" pitchFamily="18" charset="0"/>
-                <a:cs typeface="Times New Roman" pitchFamily="18" charset="0"/>
-              </a:rPr>
-              <a:t>D'autres Framework qui s'interfacent avec JUnit permettent de faire des types d'assertions spécifiques, par exemple :</a:t>
-            </a:r>
-          </a:p>
-          <a:p>
-            <a:endParaRPr lang="fr-FR" sz="2000" dirty="0" smtClean="0">
-              <a:solidFill>
-                <a:schemeClr val="accent1">
-                  <a:lumMod val="75000"/>
-                </a:schemeClr>
-              </a:solidFill>
-              <a:latin typeface="Century" pitchFamily="18" charset="0"/>
-              <a:ea typeface="Cambria" pitchFamily="18" charset="0"/>
-              <a:cs typeface="Times New Roman" pitchFamily="18" charset="0"/>
-            </a:endParaRPr>
-          </a:p>
-          <a:p>
-            <a:pPr lvl="2">
-              <a:buFont typeface="Arial" pitchFamily="34" charset="0"/>
-              <a:buChar char="•"/>
-            </a:pPr>
-            <a:r>
-              <a:rPr lang="fr-FR" sz="2000" dirty="0" smtClean="0">
-                <a:solidFill>
-                  <a:schemeClr val="accent1">
-                    <a:lumMod val="75000"/>
-                  </a:schemeClr>
-                </a:solidFill>
-                <a:latin typeface="Century" pitchFamily="18" charset="0"/>
-                <a:ea typeface="Cambria" pitchFamily="18" charset="0"/>
-                <a:cs typeface="Times New Roman" pitchFamily="18" charset="0"/>
-              </a:rPr>
-              <a:t>  Mockito qui permet, entre autres, de faire des assertions sur des appels de méthodes et leurs arguments sans pour autant exécuter ces méthodes (grâce au principe du Mock).</a:t>
-            </a:r>
-          </a:p>
-          <a:p>
-            <a:r>
-              <a:rPr lang="fr-FR" sz="2000" dirty="0" smtClean="0">
-                <a:solidFill>
-                  <a:schemeClr val="accent1">
-                    <a:lumMod val="75000"/>
-                  </a:schemeClr>
-                </a:solidFill>
-                <a:latin typeface="Century" pitchFamily="18" charset="0"/>
-                <a:ea typeface="Cambria" pitchFamily="18" charset="0"/>
-                <a:cs typeface="Times New Roman" pitchFamily="18" charset="0"/>
-              </a:rPr>
-              <a:t> </a:t>
-            </a:r>
-          </a:p>
-        </p:txBody>
-      </p:sp>
-      <p:sp>
-        <p:nvSpPr>
-          <p:cNvPr id="8" name="ZoneTexte 7"/>
-          <p:cNvSpPr txBox="1"/>
-          <p:nvPr/>
-        </p:nvSpPr>
-        <p:spPr>
-          <a:xfrm>
-            <a:off x="1714480" y="285728"/>
-            <a:ext cx="5500726" cy="523220"/>
-          </a:xfrm>
-          <a:prstGeom prst="rect">
-            <a:avLst/>
-          </a:prstGeom>
-          <a:noFill/>
-        </p:spPr>
-        <p:txBody>
-          <a:bodyPr wrap="square" rtlCol="0">
-            <a:spAutoFit/>
-          </a:bodyPr>
-          <a:lstStyle/>
-          <a:p>
-            <a:pPr algn="ctr"/>
-            <a:r>
-              <a:rPr lang="fr-FR" sz="2800" b="1" cap="all" dirty="0" smtClean="0">
-                <a:ln w="0"/>
-                <a:gradFill flip="none">
-                  <a:gsLst>
-                    <a:gs pos="0">
-                      <a:schemeClr val="accent1">
-                        <a:tint val="75000"/>
-                        <a:shade val="75000"/>
-                        <a:satMod val="170000"/>
-                      </a:schemeClr>
-                    </a:gs>
-                    <a:gs pos="49000">
-                      <a:schemeClr val="accent1">
-                        <a:tint val="88000"/>
-                        <a:shade val="65000"/>
-                        <a:satMod val="172000"/>
-                      </a:schemeClr>
-                    </a:gs>
-                    <a:gs pos="50000">
-                      <a:schemeClr val="accent1">
-                        <a:shade val="65000"/>
-                        <a:satMod val="130000"/>
-                      </a:schemeClr>
-                    </a:gs>
-                    <a:gs pos="92000">
-                      <a:schemeClr val="accent1">
-                        <a:shade val="50000"/>
-                        <a:satMod val="120000"/>
-                      </a:schemeClr>
-                    </a:gs>
-                    <a:gs pos="100000">
-                      <a:schemeClr val="accent1">
-                        <a:shade val="48000"/>
-                        <a:satMod val="120000"/>
-                      </a:schemeClr>
-                    </a:gs>
-                  </a:gsLst>
-                  <a:lin ang="5400000"/>
-                </a:gradFill>
-                <a:effectLst>
-                  <a:reflection blurRad="12700" stA="50000" endPos="50000" dist="5000" dir="5400000" sy="-100000" rotWithShape="0"/>
-                </a:effectLst>
-              </a:rPr>
-              <a:t>JUnit 5 </a:t>
-            </a:r>
-          </a:p>
-        </p:txBody>
-      </p:sp>
-    </p:spTree>
-  </p:cSld>
-  <p:clrMapOvr>
-    <a:masterClrMapping/>
-  </p:clrMapOvr>
-  <p:transition>
-    <p:fade/>
-  </p:transition>
-</p:sld>
-</file>
-
-<file path=ppt/slides/slide7.xml><?xml version="1.0" encoding="utf-8"?>
-<p:sld xmlns:a="http://schemas.openxmlformats.org/drawingml/2006/main" xmlns:r="http://schemas.openxmlformats.org/officeDocument/2006/relationships" xmlns:p="http://schemas.openxmlformats.org/presentationml/2006/main">
-  <p:cSld>
-    <p:spTree>
-      <p:nvGrpSpPr>
-        <p:cNvPr id="1" name=""/>
-        <p:cNvGrpSpPr/>
-        <p:nvPr/>
-      </p:nvGrpSpPr>
-      <p:grpSpPr>
-        <a:xfrm>
-          <a:off x="0" y="0"/>
-          <a:ext cx="0" cy="0"/>
-          <a:chOff x="0" y="0"/>
-          <a:chExt cx="0" cy="0"/>
-        </a:xfrm>
-      </p:grpSpPr>
-      <p:sp>
-        <p:nvSpPr>
-          <p:cNvPr id="5" name="Rectangle 4"/>
-          <p:cNvSpPr/>
-          <p:nvPr/>
-        </p:nvSpPr>
-        <p:spPr>
-          <a:xfrm>
-            <a:off x="857224" y="428604"/>
-            <a:ext cx="6996724" cy="400110"/>
-          </a:xfrm>
-          <a:prstGeom prst="rect">
-            <a:avLst/>
-          </a:prstGeom>
-        </p:spPr>
-        <p:txBody>
-          <a:bodyPr wrap="none">
-            <a:spAutoFit/>
-          </a:bodyPr>
-          <a:lstStyle/>
-          <a:p>
-            <a:pPr algn="ctr"/>
-            <a:r>
-              <a:rPr lang="fr-FR" sz="2000" b="1" cap="all" dirty="0" smtClean="0">
-                <a:ln w="0"/>
-                <a:gradFill flip="none">
-                  <a:gsLst>
-                    <a:gs pos="0">
-                      <a:schemeClr val="accent1">
-                        <a:tint val="75000"/>
-                        <a:shade val="75000"/>
-                        <a:satMod val="170000"/>
-                      </a:schemeClr>
-                    </a:gs>
-                    <a:gs pos="49000">
-                      <a:schemeClr val="accent1">
-                        <a:tint val="88000"/>
-                        <a:shade val="65000"/>
-                        <a:satMod val="172000"/>
-                      </a:schemeClr>
-                    </a:gs>
-                    <a:gs pos="50000">
-                      <a:schemeClr val="accent1">
-                        <a:shade val="65000"/>
-                        <a:satMod val="130000"/>
-                      </a:schemeClr>
-                    </a:gs>
-                    <a:gs pos="92000">
-                      <a:schemeClr val="accent1">
-                        <a:shade val="50000"/>
-                        <a:satMod val="120000"/>
-                      </a:schemeClr>
-                    </a:gs>
-                    <a:gs pos="100000">
-                      <a:schemeClr val="accent1">
-                        <a:shade val="48000"/>
-                        <a:satMod val="120000"/>
-                      </a:schemeClr>
-                    </a:gs>
-                  </a:gsLst>
-                  <a:lin ang="5400000"/>
-                </a:gradFill>
-                <a:effectLst>
-                  <a:reflection blurRad="12700" stA="50000" endPos="50000" dist="5000" dir="5400000" sy="-100000" rotWithShape="0"/>
-                </a:effectLst>
-              </a:rPr>
-              <a:t>les modifications implémentées dans notre application</a:t>
-            </a:r>
-          </a:p>
-        </p:txBody>
-      </p:sp>
-      <p:sp>
-        <p:nvSpPr>
-          <p:cNvPr id="3" name="ZoneTexte 2"/>
-          <p:cNvSpPr txBox="1"/>
-          <p:nvPr/>
-        </p:nvSpPr>
-        <p:spPr>
-          <a:xfrm>
-            <a:off x="1000100" y="1357298"/>
-            <a:ext cx="7286676" cy="4401205"/>
-          </a:xfrm>
-          <a:prstGeom prst="rect">
-            <a:avLst/>
-          </a:prstGeom>
-          <a:noFill/>
-        </p:spPr>
-        <p:txBody>
-          <a:bodyPr wrap="square" rtlCol="0">
-            <a:spAutoFit/>
-          </a:bodyPr>
-          <a:lstStyle/>
-          <a:p>
-            <a:pPr>
-              <a:buFont typeface="Arial" pitchFamily="34" charset="0"/>
-              <a:buChar char="•"/>
-            </a:pPr>
-            <a:r>
-              <a:rPr lang="fr-FR" sz="2000" dirty="0" smtClean="0">
-                <a:solidFill>
-                  <a:schemeClr val="accent1">
-                    <a:lumMod val="75000"/>
-                  </a:schemeClr>
-                </a:solidFill>
-                <a:latin typeface="Century" pitchFamily="18" charset="0"/>
-                <a:ea typeface="Cambria" pitchFamily="18" charset="0"/>
-                <a:cs typeface="Times New Roman" pitchFamily="18" charset="0"/>
-              </a:rPr>
-              <a:t>Dans la classe ParkingDataBaseIT: faut compléter les d intégrations marqués avec des commentaires "TODO"</a:t>
-            </a:r>
-          </a:p>
-          <a:p>
-            <a:endParaRPr lang="fr-FR" sz="2000" dirty="0" smtClean="0">
-              <a:solidFill>
-                <a:schemeClr val="accent1">
-                  <a:lumMod val="75000"/>
-                </a:schemeClr>
-              </a:solidFill>
-              <a:latin typeface="Century" pitchFamily="18" charset="0"/>
-              <a:ea typeface="Cambria" pitchFamily="18" charset="0"/>
-              <a:cs typeface="Times New Roman" pitchFamily="18" charset="0"/>
-            </a:endParaRPr>
-          </a:p>
-          <a:p>
-            <a:pPr>
-              <a:buFont typeface="Arial" pitchFamily="34" charset="0"/>
-              <a:buChar char="•"/>
-            </a:pPr>
-            <a:r>
-              <a:rPr lang="fr-FR" sz="2000" dirty="0" smtClean="0">
-                <a:solidFill>
-                  <a:schemeClr val="accent1">
-                    <a:lumMod val="75000"/>
-                  </a:schemeClr>
-                </a:solidFill>
-                <a:latin typeface="Century" pitchFamily="18" charset="0"/>
-                <a:ea typeface="Cambria" pitchFamily="18" charset="0"/>
-                <a:cs typeface="Times New Roman" pitchFamily="18" charset="0"/>
-              </a:rPr>
-              <a:t>L ajout d un test d intégration dans la méthode testParkingACar() qui va vérifier qu'un ticket est effectivement enregistré dans la base de données et que la table de stationnement est mise à jour avec la disponibilité en utilisant la méthode assertThat d AssertJ. </a:t>
-            </a:r>
-          </a:p>
-          <a:p>
-            <a:pPr>
-              <a:buFont typeface="Arial" pitchFamily="34" charset="0"/>
-              <a:buChar char="•"/>
-            </a:pPr>
-            <a:endParaRPr lang="fr-FR" sz="2000" dirty="0" smtClean="0">
-              <a:solidFill>
-                <a:schemeClr val="accent1">
-                  <a:lumMod val="75000"/>
-                </a:schemeClr>
-              </a:solidFill>
-              <a:latin typeface="Century" pitchFamily="18" charset="0"/>
-              <a:ea typeface="Cambria" pitchFamily="18" charset="0"/>
-              <a:cs typeface="Times New Roman" pitchFamily="18" charset="0"/>
-            </a:endParaRPr>
-          </a:p>
-          <a:p>
-            <a:pPr>
-              <a:buFont typeface="Arial" pitchFamily="34" charset="0"/>
-              <a:buChar char="•"/>
-            </a:pPr>
-            <a:r>
-              <a:rPr lang="fr-FR" sz="2000" dirty="0" smtClean="0">
-                <a:solidFill>
-                  <a:schemeClr val="accent1">
-                    <a:lumMod val="75000"/>
-                  </a:schemeClr>
-                </a:solidFill>
-                <a:latin typeface="Century" pitchFamily="18" charset="0"/>
-                <a:ea typeface="Cambria" pitchFamily="18" charset="0"/>
-                <a:cs typeface="Times New Roman" pitchFamily="18" charset="0"/>
-              </a:rPr>
-              <a:t>L'ajout d un test d intégration  dans la méthode testParkingLotExit() qui va vérifier que le tarif généré et l'heure de sortie sont correctement renseignés dans la base de données en utilisant aussi la méthode assertThat d AssertJ. </a:t>
-            </a:r>
-          </a:p>
-        </p:txBody>
-      </p:sp>
-    </p:spTree>
-  </p:cSld>
-  <p:clrMapOvr>
-    <a:masterClrMapping/>
-  </p:clrMapOvr>
-  <p:transition>
-    <p:fade/>
-  </p:transition>
-</p:sld>
-</file>
-
-<file path=ppt/slides/slide8.xml><?xml version="1.0" encoding="utf-8"?>
-<p:sld xmlns:a="http://schemas.openxmlformats.org/drawingml/2006/main" xmlns:r="http://schemas.openxmlformats.org/officeDocument/2006/relationships" xmlns:p="http://schemas.openxmlformats.org/presentationml/2006/main">
-  <p:cSld>
-    <p:spTree>
-      <p:nvGrpSpPr>
-        <p:cNvPr id="1" name=""/>
-        <p:cNvGrpSpPr/>
-        <p:nvPr/>
-      </p:nvGrpSpPr>
-      <p:grpSpPr>
-        <a:xfrm>
-          <a:off x="0" y="0"/>
-          <a:ext cx="0" cy="0"/>
-          <a:chOff x="0" y="0"/>
-          <a:chExt cx="0" cy="0"/>
-        </a:xfrm>
-      </p:grpSpPr>
-      <p:sp>
-        <p:nvSpPr>
-          <p:cNvPr id="5" name="Rectangle 4"/>
-          <p:cNvSpPr/>
-          <p:nvPr/>
-        </p:nvSpPr>
-        <p:spPr>
-          <a:xfrm>
-            <a:off x="857224" y="428604"/>
-            <a:ext cx="6996724" cy="400110"/>
-          </a:xfrm>
-          <a:prstGeom prst="rect">
-            <a:avLst/>
-          </a:prstGeom>
-        </p:spPr>
-        <p:txBody>
-          <a:bodyPr wrap="none">
-            <a:spAutoFit/>
-          </a:bodyPr>
-          <a:lstStyle/>
-          <a:p>
-            <a:pPr algn="ctr"/>
-            <a:r>
-              <a:rPr lang="fr-FR" sz="2000" b="1" cap="all" dirty="0" smtClean="0">
-                <a:ln w="0"/>
-                <a:gradFill flip="none">
-                  <a:gsLst>
-                    <a:gs pos="0">
-                      <a:schemeClr val="accent1">
-                        <a:tint val="75000"/>
-                        <a:shade val="75000"/>
-                        <a:satMod val="170000"/>
-                      </a:schemeClr>
-                    </a:gs>
-                    <a:gs pos="49000">
-                      <a:schemeClr val="accent1">
-                        <a:tint val="88000"/>
-                        <a:shade val="65000"/>
-                        <a:satMod val="172000"/>
-                      </a:schemeClr>
-                    </a:gs>
-                    <a:gs pos="50000">
-                      <a:schemeClr val="accent1">
-                        <a:shade val="65000"/>
-                        <a:satMod val="130000"/>
-                      </a:schemeClr>
-                    </a:gs>
-                    <a:gs pos="92000">
-                      <a:schemeClr val="accent1">
-                        <a:shade val="50000"/>
-                        <a:satMod val="120000"/>
-                      </a:schemeClr>
-                    </a:gs>
-                    <a:gs pos="100000">
-                      <a:schemeClr val="accent1">
-                        <a:shade val="48000"/>
-                        <a:satMod val="120000"/>
-                      </a:schemeClr>
-                    </a:gs>
-                  </a:gsLst>
-                  <a:lin ang="5400000"/>
-                </a:gradFill>
-                <a:effectLst>
-                  <a:reflection blurRad="12700" stA="50000" endPos="50000" dist="5000" dir="5400000" sy="-100000" rotWithShape="0"/>
-                </a:effectLst>
-              </a:rPr>
-              <a:t>les modifications implémentées dans notre application</a:t>
-            </a:r>
-          </a:p>
-        </p:txBody>
-      </p:sp>
-      <p:sp>
-        <p:nvSpPr>
-          <p:cNvPr id="6" name="ZoneTexte 5"/>
-          <p:cNvSpPr txBox="1"/>
-          <p:nvPr/>
-        </p:nvSpPr>
-        <p:spPr>
-          <a:xfrm>
-            <a:off x="642910" y="1142984"/>
-            <a:ext cx="7858180" cy="5940088"/>
-          </a:xfrm>
-          <a:prstGeom prst="rect">
-            <a:avLst/>
-          </a:prstGeom>
-          <a:noFill/>
-        </p:spPr>
-        <p:txBody>
-          <a:bodyPr wrap="square" rtlCol="0">
-            <a:spAutoFit/>
-          </a:bodyPr>
-          <a:lstStyle/>
-          <a:p>
-            <a:pPr>
-              <a:buFont typeface="Arial" pitchFamily="34" charset="0"/>
-              <a:buChar char="•"/>
-            </a:pPr>
-            <a:r>
-              <a:rPr lang="fr-FR" sz="2000" dirty="0" smtClean="0">
-                <a:solidFill>
-                  <a:schemeClr val="accent1">
-                    <a:lumMod val="75000"/>
-                  </a:schemeClr>
-                </a:solidFill>
-                <a:latin typeface="Century" pitchFamily="18" charset="0"/>
-                <a:ea typeface="Cambria" pitchFamily="18" charset="0"/>
-                <a:cs typeface="Times New Roman" pitchFamily="18" charset="0"/>
-              </a:rPr>
-              <a:t>Ecrire le test unitaire qui vérifie que quand un utilisateur entre dans le parking après avoir entré son numéro de plaque d'immatriculation . L'usager sort du parking en donnant à nouveau son numéro de plaque. S’il  reste moins de 30 minutes, il n’a  rien à payer. Les frais devraient être de 0.</a:t>
-            </a:r>
-          </a:p>
-          <a:p>
-            <a:endParaRPr lang="fr-FR" sz="2000" dirty="0" smtClean="0">
-              <a:solidFill>
-                <a:schemeClr val="accent1">
-                  <a:lumMod val="75000"/>
-                </a:schemeClr>
-              </a:solidFill>
-              <a:latin typeface="Century" pitchFamily="18" charset="0"/>
-              <a:ea typeface="Cambria" pitchFamily="18" charset="0"/>
-              <a:cs typeface="Times New Roman" pitchFamily="18" charset="0"/>
-            </a:endParaRPr>
-          </a:p>
-          <a:p>
-            <a:pPr>
-              <a:buFont typeface="Arial" pitchFamily="34" charset="0"/>
-              <a:buChar char="•"/>
-            </a:pPr>
-            <a:r>
-              <a:rPr lang="fr-FR" sz="2000" dirty="0" smtClean="0">
-                <a:solidFill>
-                  <a:schemeClr val="accent1">
-                    <a:lumMod val="75000"/>
-                  </a:schemeClr>
-                </a:solidFill>
-                <a:latin typeface="Century" pitchFamily="18" charset="0"/>
-                <a:ea typeface="Cambria" pitchFamily="18" charset="0"/>
-                <a:cs typeface="Times New Roman" pitchFamily="18" charset="0"/>
-              </a:rPr>
-              <a:t>Implémenter  cette fonctionnalité dans le code.</a:t>
-            </a:r>
-          </a:p>
-          <a:p>
-            <a:endParaRPr lang="fr-FR" sz="2000" dirty="0" smtClean="0">
-              <a:solidFill>
-                <a:schemeClr val="accent1">
-                  <a:lumMod val="75000"/>
-                </a:schemeClr>
-              </a:solidFill>
-              <a:latin typeface="Century" pitchFamily="18" charset="0"/>
-              <a:ea typeface="Cambria" pitchFamily="18" charset="0"/>
-              <a:cs typeface="Times New Roman" pitchFamily="18" charset="0"/>
-            </a:endParaRPr>
-          </a:p>
-          <a:p>
-            <a:pPr>
-              <a:buFont typeface="Arial" pitchFamily="34" charset="0"/>
-              <a:buChar char="•"/>
-            </a:pPr>
-            <a:r>
-              <a:rPr lang="fr-FR" sz="2000" dirty="0" smtClean="0">
-                <a:solidFill>
-                  <a:schemeClr val="accent1">
-                    <a:lumMod val="75000"/>
-                  </a:schemeClr>
-                </a:solidFill>
-                <a:latin typeface="Century" pitchFamily="18" charset="0"/>
-                <a:ea typeface="Cambria" pitchFamily="18" charset="0"/>
-                <a:cs typeface="Times New Roman" pitchFamily="18" charset="0"/>
-              </a:rPr>
-              <a:t>Ajouter la possibilité de bénéficier d'une réduction de 5 % lorsque l ‘ utilisateur vient  régulièrement dans le parking.</a:t>
-            </a:r>
-          </a:p>
-          <a:p>
-            <a:endParaRPr lang="fr-FR" sz="2000" dirty="0" smtClean="0">
-              <a:solidFill>
-                <a:schemeClr val="accent1">
-                  <a:lumMod val="75000"/>
-                </a:schemeClr>
-              </a:solidFill>
-              <a:latin typeface="Century" pitchFamily="18" charset="0"/>
-              <a:ea typeface="Cambria" pitchFamily="18" charset="0"/>
-              <a:cs typeface="Times New Roman" pitchFamily="18" charset="0"/>
-            </a:endParaRPr>
-          </a:p>
-          <a:p>
-            <a:pPr>
-              <a:buFont typeface="Arial" pitchFamily="34" charset="0"/>
-              <a:buChar char="•"/>
-            </a:pPr>
-            <a:r>
-              <a:rPr lang="fr-FR" sz="2000" dirty="0" smtClean="0">
-                <a:solidFill>
-                  <a:schemeClr val="accent1">
-                    <a:lumMod val="75000"/>
-                  </a:schemeClr>
-                </a:solidFill>
-                <a:latin typeface="Century" pitchFamily="18" charset="0"/>
-                <a:ea typeface="Cambria" pitchFamily="18" charset="0"/>
-                <a:cs typeface="Times New Roman" pitchFamily="18" charset="0"/>
-              </a:rPr>
-              <a:t>Ecrire des tests unitaire pour vérifie si l'utilisateur est récurrent ou pas .</a:t>
-            </a:r>
-          </a:p>
-          <a:p>
-            <a:pPr>
-              <a:buFont typeface="Arial" pitchFamily="34" charset="0"/>
-              <a:buChar char="•"/>
-            </a:pPr>
-            <a:endParaRPr lang="fr-FR" sz="2000" dirty="0" smtClean="0">
-              <a:solidFill>
-                <a:schemeClr val="accent1">
-                  <a:lumMod val="75000"/>
-                </a:schemeClr>
-              </a:solidFill>
-              <a:latin typeface="Century" pitchFamily="18" charset="0"/>
-              <a:ea typeface="Cambria" pitchFamily="18" charset="0"/>
-              <a:cs typeface="Times New Roman" pitchFamily="18" charset="0"/>
-            </a:endParaRPr>
-          </a:p>
-          <a:p>
-            <a:pPr>
-              <a:buFont typeface="Arial" pitchFamily="34" charset="0"/>
-              <a:buChar char="•"/>
-            </a:pPr>
-            <a:r>
-              <a:rPr lang="fr-FR" sz="2000" dirty="0" smtClean="0">
-                <a:solidFill>
-                  <a:schemeClr val="accent1">
-                    <a:lumMod val="75000"/>
-                  </a:schemeClr>
-                </a:solidFill>
-                <a:latin typeface="Century" pitchFamily="18" charset="0"/>
-                <a:ea typeface="Cambria" pitchFamily="18" charset="0"/>
-                <a:cs typeface="Times New Roman" pitchFamily="18" charset="0"/>
-              </a:rPr>
-              <a:t> Ecrire des tests unitaires qui permet de calculer le temps de stationnement lorsque les voitures sont garées au garage plus de 24h .</a:t>
-            </a:r>
-          </a:p>
-          <a:p>
-            <a:pPr>
-              <a:buFont typeface="Arial" pitchFamily="34" charset="0"/>
-              <a:buChar char="•"/>
-            </a:pPr>
-            <a:endParaRPr lang="fr-FR" sz="2000" dirty="0" smtClean="0">
-              <a:solidFill>
-                <a:schemeClr val="accent1">
-                  <a:lumMod val="75000"/>
-                </a:schemeClr>
-              </a:solidFill>
-              <a:latin typeface="Century" pitchFamily="18" charset="0"/>
-              <a:ea typeface="Cambria" pitchFamily="18" charset="0"/>
-              <a:cs typeface="Times New Roman" pitchFamily="18" charset="0"/>
-            </a:endParaRPr>
-          </a:p>
-          <a:p>
-            <a:pPr>
-              <a:buFont typeface="Arial" pitchFamily="34" charset="0"/>
-              <a:buChar char="•"/>
-            </a:pPr>
-            <a:endParaRPr lang="fr-FR" sz="2000" dirty="0" smtClean="0">
-              <a:solidFill>
-                <a:schemeClr val="accent1">
-                  <a:lumMod val="75000"/>
-                </a:schemeClr>
-              </a:solidFill>
-              <a:latin typeface="Century" pitchFamily="18" charset="0"/>
-              <a:ea typeface="Cambria" pitchFamily="18" charset="0"/>
-              <a:cs typeface="Times New Roman" pitchFamily="18" charset="0"/>
-            </a:endParaRPr>
-          </a:p>
-        </p:txBody>
-      </p:sp>
-    </p:spTree>
-  </p:cSld>
-  <p:clrMapOvr>
-    <a:masterClrMapping/>
-  </p:clrMapOvr>
-  <p:transition>
-    <p:fade/>
-  </p:transition>
-</p:sld>
-</file>
-
-<file path=ppt/slides/slide9.xml><?xml version="1.0" encoding="utf-8"?>
-<p:sld xmlns:a="http://schemas.openxmlformats.org/drawingml/2006/main" xmlns:r="http://schemas.openxmlformats.org/officeDocument/2006/relationships" xmlns:p="http://schemas.openxmlformats.org/presentationml/2006/main">
-  <p:cSld>
-    <p:spTree>
-      <p:nvGrpSpPr>
-        <p:cNvPr id="1" name=""/>
-        <p:cNvGrpSpPr/>
-        <p:nvPr/>
-      </p:nvGrpSpPr>
-      <p:grpSpPr>
-        <a:xfrm>
-          <a:off x="0" y="0"/>
-          <a:ext cx="0" cy="0"/>
-          <a:chOff x="0" y="0"/>
-          <a:chExt cx="0" cy="0"/>
-        </a:xfrm>
-      </p:grpSpPr>
-      <p:sp>
-        <p:nvSpPr>
-          <p:cNvPr id="5" name="Rectangle 4"/>
-          <p:cNvSpPr/>
-          <p:nvPr/>
-        </p:nvSpPr>
-        <p:spPr>
-          <a:xfrm>
-            <a:off x="214282" y="642918"/>
-            <a:ext cx="7786742" cy="707886"/>
-          </a:xfrm>
-          <a:prstGeom prst="rect">
-            <a:avLst/>
-          </a:prstGeom>
-        </p:spPr>
-        <p:txBody>
-          <a:bodyPr wrap="square">
-            <a:spAutoFit/>
-          </a:bodyPr>
-          <a:lstStyle/>
-          <a:p>
-            <a:r>
-              <a:rPr lang="fr-FR" sz="2000" b="1" cap="all" dirty="0" smtClean="0">
-                <a:ln w="0"/>
-                <a:gradFill flip="none">
-                  <a:gsLst>
-                    <a:gs pos="0">
-                      <a:schemeClr val="accent1">
-                        <a:tint val="75000"/>
-                        <a:shade val="75000"/>
-                        <a:satMod val="170000"/>
-                      </a:schemeClr>
-                    </a:gs>
-                    <a:gs pos="49000">
-                      <a:schemeClr val="accent1">
-                        <a:tint val="88000"/>
-                        <a:shade val="65000"/>
-                        <a:satMod val="172000"/>
-                      </a:schemeClr>
-                    </a:gs>
-                    <a:gs pos="50000">
-                      <a:schemeClr val="accent1">
-                        <a:shade val="65000"/>
-                        <a:satMod val="130000"/>
-                      </a:schemeClr>
-                    </a:gs>
-                    <a:gs pos="92000">
-                      <a:schemeClr val="accent1">
-                        <a:shade val="50000"/>
-                        <a:satMod val="120000"/>
-                      </a:schemeClr>
-                    </a:gs>
-                    <a:gs pos="100000">
-                      <a:schemeClr val="accent1">
-                        <a:shade val="48000"/>
-                        <a:satMod val="120000"/>
-                      </a:schemeClr>
-                    </a:gs>
-                  </a:gsLst>
-                  <a:lin ang="5400000"/>
-                </a:gradFill>
-                <a:effectLst>
-                  <a:reflection blurRad="12700" stA="50000" endPos="50000" dist="5000" dir="5400000" sy="-100000" rotWithShape="0"/>
-                </a:effectLst>
-              </a:rPr>
-              <a:t>contraintes</a:t>
-            </a:r>
-            <a:r>
-              <a:rPr lang="fr-FR" sz="2000" dirty="0" smtClean="0"/>
-              <a:t> </a:t>
-            </a:r>
-            <a:r>
-              <a:rPr lang="fr-FR" sz="2000" b="1" cap="all" dirty="0" smtClean="0">
-                <a:ln w="0"/>
-                <a:gradFill flip="none">
-                  <a:gsLst>
-                    <a:gs pos="0">
-                      <a:schemeClr val="accent1">
-                        <a:tint val="75000"/>
-                        <a:shade val="75000"/>
-                        <a:satMod val="170000"/>
-                      </a:schemeClr>
-                    </a:gs>
-                    <a:gs pos="49000">
-                      <a:schemeClr val="accent1">
-                        <a:tint val="88000"/>
-                        <a:shade val="65000"/>
-                        <a:satMod val="172000"/>
-                      </a:schemeClr>
-                    </a:gs>
-                    <a:gs pos="50000">
-                      <a:schemeClr val="accent1">
-                        <a:shade val="65000"/>
-                        <a:satMod val="130000"/>
-                      </a:schemeClr>
-                    </a:gs>
-                    <a:gs pos="92000">
-                      <a:schemeClr val="accent1">
-                        <a:shade val="50000"/>
-                        <a:satMod val="120000"/>
-                      </a:schemeClr>
-                    </a:gs>
-                    <a:gs pos="100000">
-                      <a:schemeClr val="accent1">
-                        <a:shade val="48000"/>
-                        <a:satMod val="120000"/>
-                      </a:schemeClr>
-                    </a:gs>
-                  </a:gsLst>
-                  <a:lin ang="5400000"/>
-                </a:gradFill>
-                <a:effectLst>
-                  <a:reflection blurRad="12700" stA="50000" endPos="50000" dist="5000" dir="5400000" sy="-100000" rotWithShape="0"/>
-                </a:effectLst>
-              </a:rPr>
-              <a:t>et  difficultés rencontrées et solutions employées</a:t>
-            </a:r>
-          </a:p>
-        </p:txBody>
-      </p:sp>
-    </p:spTree>
-  </p:cSld>
-  <p:clrMapOvr>
-    <a:masterClrMapping/>
-  </p:clrMapOvr>
-  <p:transition>
-    <p:fade/>
-  </p:transition>
 </p:sld>
 </file>
 

--- a/p5_kaloui-sanaa-presentation.pptx
+++ b/p5_kaloui-sanaa-presentation.pptx
@@ -5,7 +5,7 @@
     <p:sldMasterId id="2147483648" r:id="rId1"/>
   </p:sldMasterIdLst>
   <p:notesMasterIdLst>
-    <p:notesMasterId r:id="rId12"/>
+    <p:notesMasterId r:id="rId13"/>
   </p:notesMasterIdLst>
   <p:sldIdLst>
     <p:sldId id="256" r:id="rId2"/>
@@ -16,8 +16,9 @@
     <p:sldId id="324" r:id="rId7"/>
     <p:sldId id="325" r:id="rId8"/>
     <p:sldId id="328" r:id="rId9"/>
-    <p:sldId id="319" r:id="rId10"/>
-    <p:sldId id="273" r:id="rId11"/>
+    <p:sldId id="329" r:id="rId10"/>
+    <p:sldId id="319" r:id="rId11"/>
+    <p:sldId id="273" r:id="rId12"/>
   </p:sldIdLst>
   <p:sldSz cx="9144000" cy="6858000" type="screen4x3"/>
   <p:notesSz cx="6858000" cy="9144000"/>
@@ -521,7 +522,7 @@
     </p:spTree>
     <p:extLst>
       <p:ext uri="{BB962C8B-B14F-4D97-AF65-F5344CB8AC3E}">
-        <p14:creationId xmlns="" xmlns:p14="http://schemas.microsoft.com/office/powerpoint/2010/main" val="4275570066"/>
+        <p14:creationId xmlns:p14="http://schemas.microsoft.com/office/powerpoint/2010/main" xmlns="" val="4275570066"/>
       </p:ext>
     </p:extLst>
   </p:cSld>
@@ -659,6 +660,179 @@
           </a:bodyPr>
           <a:lstStyle/>
           <a:p>
+            <a:pPr marL="0" marR="0" indent="0" algn="l" defTabSz="914400" rtl="0" eaLnBrk="1" fontAlgn="auto" latinLnBrk="0" hangingPunct="1">
+              <a:lnSpc>
+                <a:spcPct val="100000"/>
+              </a:lnSpc>
+              <a:spcBef>
+                <a:spcPts val="0"/>
+              </a:spcBef>
+              <a:spcAft>
+                <a:spcPts val="0"/>
+              </a:spcAft>
+              <a:buClrTx/>
+              <a:buSzTx/>
+              <a:buFontTx/>
+              <a:buNone/>
+              <a:tabLst/>
+              <a:defRPr/>
+            </a:pPr>
+            <a:r>
+              <a:rPr lang="fr-FR" b="1" dirty="0" smtClean="0"/>
+              <a:t>Tests d’interface</a:t>
+            </a:r>
+          </a:p>
+          <a:p>
+            <a:pPr marL="0" marR="0" indent="0" algn="l" defTabSz="914400" rtl="0" eaLnBrk="1" fontAlgn="auto" latinLnBrk="0" hangingPunct="1">
+              <a:lnSpc>
+                <a:spcPct val="100000"/>
+              </a:lnSpc>
+              <a:spcBef>
+                <a:spcPts val="0"/>
+              </a:spcBef>
+              <a:spcAft>
+                <a:spcPts val="0"/>
+              </a:spcAft>
+              <a:buClrTx/>
+              <a:buSzTx/>
+              <a:buFontTx/>
+              <a:buNone/>
+              <a:tabLst/>
+              <a:defRPr/>
+            </a:pPr>
+            <a:r>
+              <a:rPr lang="fr-FR" b="0" dirty="0" smtClean="0"/>
+              <a:t>Ils représentent environ les </a:t>
+            </a:r>
+            <a:r>
+              <a:rPr lang="fr-FR" b="1" dirty="0" smtClean="0"/>
+              <a:t>10 % restants du plan de test</a:t>
+            </a:r>
+            <a:r>
+              <a:rPr lang="fr-FR" b="0" dirty="0" smtClean="0"/>
+              <a:t>. Ce sont les plus fidèles, car ils permettent de </a:t>
+            </a:r>
+            <a:r>
+              <a:rPr lang="fr-FR" b="1" dirty="0" smtClean="0"/>
+              <a:t>tester l’application dans des environnements réels,</a:t>
+            </a:r>
+            <a:r>
+              <a:rPr lang="fr-FR" b="0" dirty="0" smtClean="0"/>
+              <a:t> c’est-à-dire comme un vrai utilisateur, mais ils sont très longs à écrire.</a:t>
+            </a:r>
+            <a:endParaRPr lang="fr-FR" dirty="0" smtClean="0"/>
+          </a:p>
+          <a:p>
+            <a:endParaRPr lang="fr-FR" dirty="0"/>
+          </a:p>
+        </p:txBody>
+      </p:sp>
+      <p:sp>
+        <p:nvSpPr>
+          <p:cNvPr id="4" name="Espace réservé du numéro de diapositive 3"/>
+          <p:cNvSpPr>
+            <a:spLocks noGrp="1"/>
+          </p:cNvSpPr>
+          <p:nvPr>
+            <p:ph type="sldNum" sz="quarter" idx="10"/>
+          </p:nvPr>
+        </p:nvSpPr>
+        <p:spPr/>
+        <p:txBody>
+          <a:bodyPr/>
+          <a:lstStyle/>
+          <a:p>
+            <a:fld id="{35F9DA20-D60C-47C4-8E26-E2A2317DB7CC}" type="slidenum">
+              <a:rPr lang="fr-FR" smtClean="0"/>
+              <a:pPr/>
+              <a:t>4</a:t>
+            </a:fld>
+            <a:endParaRPr lang="fr-FR"/>
+          </a:p>
+        </p:txBody>
+      </p:sp>
+    </p:spTree>
+  </p:cSld>
+  <p:clrMapOvr>
+    <a:masterClrMapping/>
+  </p:clrMapOvr>
+</p:notes>
+</file>
+
+<file path=ppt/notesSlides/notesSlide4.xml><?xml version="1.0" encoding="utf-8"?>
+<p:notes xmlns:a="http://schemas.openxmlformats.org/drawingml/2006/main" xmlns:r="http://schemas.openxmlformats.org/officeDocument/2006/relationships" xmlns:p="http://schemas.openxmlformats.org/presentationml/2006/main">
+  <p:cSld>
+    <p:spTree>
+      <p:nvGrpSpPr>
+        <p:cNvPr id="1" name=""/>
+        <p:cNvGrpSpPr/>
+        <p:nvPr/>
+      </p:nvGrpSpPr>
+      <p:grpSpPr>
+        <a:xfrm>
+          <a:off x="0" y="0"/>
+          <a:ext cx="0" cy="0"/>
+          <a:chOff x="0" y="0"/>
+          <a:chExt cx="0" cy="0"/>
+        </a:xfrm>
+      </p:grpSpPr>
+      <p:sp>
+        <p:nvSpPr>
+          <p:cNvPr id="2" name="Espace réservé de l'image des diapositives 1"/>
+          <p:cNvSpPr>
+            <a:spLocks noGrp="1" noRot="1" noChangeAspect="1"/>
+          </p:cNvSpPr>
+          <p:nvPr>
+            <p:ph type="sldImg"/>
+          </p:nvPr>
+        </p:nvSpPr>
+        <p:spPr/>
+      </p:sp>
+      <p:sp>
+        <p:nvSpPr>
+          <p:cNvPr id="3" name="Espace réservé des commentaires 2"/>
+          <p:cNvSpPr>
+            <a:spLocks noGrp="1"/>
+          </p:cNvSpPr>
+          <p:nvPr>
+            <p:ph type="body" idx="1"/>
+          </p:nvPr>
+        </p:nvSpPr>
+        <p:spPr/>
+        <p:txBody>
+          <a:bodyPr>
+            <a:normAutofit/>
+          </a:bodyPr>
+          <a:lstStyle/>
+          <a:p>
+            <a:r>
+              <a:rPr lang="fr-FR" dirty="0" smtClean="0"/>
+              <a:t>le plugin </a:t>
+            </a:r>
+            <a:r>
+              <a:rPr lang="fr-FR" dirty="0" err="1" smtClean="0"/>
+              <a:t>Surefire</a:t>
+            </a:r>
+            <a:r>
+              <a:rPr lang="fr-FR" dirty="0" smtClean="0"/>
+              <a:t> (associé à la phase test) est dédié à l’exécution des tests unitaires et le plugin </a:t>
+            </a:r>
+            <a:r>
+              <a:rPr lang="fr-FR" dirty="0" err="1" smtClean="0"/>
+              <a:t>Failsafe</a:t>
+            </a:r>
+            <a:r>
+              <a:rPr lang="fr-FR" dirty="0" smtClean="0"/>
+              <a:t> (associé à la phase </a:t>
+            </a:r>
+            <a:r>
+              <a:rPr lang="fr-FR" dirty="0" err="1" smtClean="0"/>
+              <a:t>verify</a:t>
+            </a:r>
+            <a:r>
+              <a:rPr lang="fr-FR" dirty="0" smtClean="0"/>
+              <a:t>) est dédié à l’exécution des tests d’intégration. </a:t>
+            </a:r>
             <a:endParaRPr lang="fr-FR" dirty="0"/>
           </a:p>
         </p:txBody>
@@ -682,6 +856,88 @@
               <a:rPr lang="fr-FR" smtClean="0"/>
               <a:pPr/>
               <a:t>10</a:t>
+            </a:fld>
+            <a:endParaRPr lang="fr-FR"/>
+          </a:p>
+        </p:txBody>
+      </p:sp>
+    </p:spTree>
+  </p:cSld>
+  <p:clrMapOvr>
+    <a:masterClrMapping/>
+  </p:clrMapOvr>
+</p:notes>
+</file>
+
+<file path=ppt/notesSlides/notesSlide5.xml><?xml version="1.0" encoding="utf-8"?>
+<p:notes xmlns:a="http://schemas.openxmlformats.org/drawingml/2006/main" xmlns:r="http://schemas.openxmlformats.org/officeDocument/2006/relationships" xmlns:p="http://schemas.openxmlformats.org/presentationml/2006/main">
+  <p:cSld>
+    <p:spTree>
+      <p:nvGrpSpPr>
+        <p:cNvPr id="1" name=""/>
+        <p:cNvGrpSpPr/>
+        <p:nvPr/>
+      </p:nvGrpSpPr>
+      <p:grpSpPr>
+        <a:xfrm>
+          <a:off x="0" y="0"/>
+          <a:ext cx="0" cy="0"/>
+          <a:chOff x="0" y="0"/>
+          <a:chExt cx="0" cy="0"/>
+        </a:xfrm>
+      </p:grpSpPr>
+      <p:sp>
+        <p:nvSpPr>
+          <p:cNvPr id="2" name="Espace réservé de l'image des diapositives 1"/>
+          <p:cNvSpPr>
+            <a:spLocks noGrp="1" noRot="1" noChangeAspect="1"/>
+          </p:cNvSpPr>
+          <p:nvPr>
+            <p:ph type="sldImg"/>
+          </p:nvPr>
+        </p:nvSpPr>
+        <p:spPr/>
+      </p:sp>
+      <p:sp>
+        <p:nvSpPr>
+          <p:cNvPr id="3" name="Espace réservé des commentaires 2"/>
+          <p:cNvSpPr>
+            <a:spLocks noGrp="1"/>
+          </p:cNvSpPr>
+          <p:nvPr>
+            <p:ph type="body" idx="1"/>
+          </p:nvPr>
+        </p:nvSpPr>
+        <p:spPr/>
+        <p:txBody>
+          <a:bodyPr>
+            <a:normAutofit/>
+          </a:bodyPr>
+          <a:lstStyle/>
+          <a:p>
+            <a:endParaRPr lang="fr-FR" dirty="0"/>
+          </a:p>
+        </p:txBody>
+      </p:sp>
+      <p:sp>
+        <p:nvSpPr>
+          <p:cNvPr id="4" name="Espace réservé du numéro de diapositive 3"/>
+          <p:cNvSpPr>
+            <a:spLocks noGrp="1"/>
+          </p:cNvSpPr>
+          <p:nvPr>
+            <p:ph type="sldNum" sz="quarter" idx="10"/>
+          </p:nvPr>
+        </p:nvSpPr>
+        <p:spPr/>
+        <p:txBody>
+          <a:bodyPr/>
+          <a:lstStyle/>
+          <a:p>
+            <a:fld id="{35F9DA20-D60C-47C4-8E26-E2A2317DB7CC}" type="slidenum">
+              <a:rPr lang="fr-FR" smtClean="0"/>
+              <a:pPr/>
+              <a:t>11</a:t>
             </a:fld>
             <a:endParaRPr lang="fr-FR"/>
           </a:p>
@@ -1308,7 +1564,7 @@
           <p:cNvPr id="19" name="Picture 18">
             <a:extLst>
               <a:ext uri="{FF2B5EF4-FFF2-40B4-BE49-F238E27FC236}">
-                <a16:creationId xmlns="" xmlns:a16="http://schemas.microsoft.com/office/drawing/2014/main" id="{C7EB5592-C2B2-0D43-9D50-9C28DF4DC07C}"/>
+                <a16:creationId xmlns:a16="http://schemas.microsoft.com/office/drawing/2014/main" xmlns="" id="{C7EB5592-C2B2-0D43-9D50-9C28DF4DC07C}"/>
               </a:ext>
             </a:extLst>
           </p:cNvPr>
@@ -1321,7 +1577,7 @@
           <a:blip r:embed="rId2" cstate="screen">
             <a:extLst>
               <a:ext uri="{28A0092B-C50C-407E-A947-70E740481C1C}">
-                <a14:useLocalDpi xmlns="" xmlns:a14="http://schemas.microsoft.com/office/drawing/2010/main"/>
+                <a14:useLocalDpi xmlns:a14="http://schemas.microsoft.com/office/drawing/2010/main" xmlns=""/>
               </a:ext>
             </a:extLst>
           </a:blip>
@@ -1344,7 +1600,7 @@
           <p:cNvPr id="25" name="Picture 24">
             <a:extLst>
               <a:ext uri="{FF2B5EF4-FFF2-40B4-BE49-F238E27FC236}">
-                <a16:creationId xmlns="" xmlns:a16="http://schemas.microsoft.com/office/drawing/2014/main" id="{53424396-1ABB-C24B-ACCA-76C9FDCCCAA7}"/>
+                <a16:creationId xmlns:a16="http://schemas.microsoft.com/office/drawing/2014/main" xmlns="" id="{53424396-1ABB-C24B-ACCA-76C9FDCCCAA7}"/>
               </a:ext>
             </a:extLst>
           </p:cNvPr>
@@ -1358,7 +1614,7 @@
             <a:alphaModFix amt="54000"/>
             <a:extLst>
               <a:ext uri="{28A0092B-C50C-407E-A947-70E740481C1C}">
-                <a14:useLocalDpi xmlns="" xmlns:a14="http://schemas.microsoft.com/office/drawing/2010/main"/>
+                <a14:useLocalDpi xmlns:a14="http://schemas.microsoft.com/office/drawing/2010/main" xmlns=""/>
               </a:ext>
             </a:extLst>
           </a:blip>
@@ -1381,7 +1637,7 @@
           <p:cNvPr id="24" name="Picture 23">
             <a:extLst>
               <a:ext uri="{FF2B5EF4-FFF2-40B4-BE49-F238E27FC236}">
-                <a16:creationId xmlns="" xmlns:a16="http://schemas.microsoft.com/office/drawing/2014/main" id="{3B317941-75AD-CC4C-B1BC-FD1266AD5043}"/>
+                <a16:creationId xmlns:a16="http://schemas.microsoft.com/office/drawing/2014/main" xmlns="" id="{3B317941-75AD-CC4C-B1BC-FD1266AD5043}"/>
               </a:ext>
             </a:extLst>
           </p:cNvPr>
@@ -1394,7 +1650,7 @@
           <a:blip r:embed="rId4" cstate="screen">
             <a:extLst>
               <a:ext uri="{28A0092B-C50C-407E-A947-70E740481C1C}">
-                <a14:useLocalDpi xmlns="" xmlns:a14="http://schemas.microsoft.com/office/drawing/2010/main"/>
+                <a14:useLocalDpi xmlns:a14="http://schemas.microsoft.com/office/drawing/2010/main" xmlns=""/>
               </a:ext>
             </a:extLst>
           </a:blip>
@@ -1763,7 +2019,7 @@
           <p:cNvPr id="15" name="pasted-image.pdf" descr="pasted-image.pdf">
             <a:extLst>
               <a:ext uri="{FF2B5EF4-FFF2-40B4-BE49-F238E27FC236}">
-                <a16:creationId xmlns="" xmlns:a16="http://schemas.microsoft.com/office/drawing/2014/main" id="{971614F3-74FA-1349-B1B6-B73CF0A93053}"/>
+                <a16:creationId xmlns:a16="http://schemas.microsoft.com/office/drawing/2014/main" xmlns="" id="{971614F3-74FA-1349-B1B6-B73CF0A93053}"/>
               </a:ext>
             </a:extLst>
           </p:cNvPr>
@@ -1776,7 +2032,7 @@
           <a:blip r:embed="rId5" cstate="screen">
             <a:extLst>
               <a:ext uri="{28A0092B-C50C-407E-A947-70E740481C1C}">
-                <a14:useLocalDpi xmlns="" xmlns:a14="http://schemas.microsoft.com/office/drawing/2010/main"/>
+                <a14:useLocalDpi xmlns:a14="http://schemas.microsoft.com/office/drawing/2010/main" xmlns=""/>
               </a:ext>
             </a:extLst>
           </a:blip>
@@ -1802,7 +2058,7 @@
           <p:cNvPr id="4" name="Group 3">
             <a:extLst>
               <a:ext uri="{FF2B5EF4-FFF2-40B4-BE49-F238E27FC236}">
-                <a16:creationId xmlns="" xmlns:a16="http://schemas.microsoft.com/office/drawing/2014/main" id="{DB7C485F-51EF-0247-93E1-C6C36D8B8023}"/>
+                <a16:creationId xmlns:a16="http://schemas.microsoft.com/office/drawing/2014/main" xmlns="" id="{DB7C485F-51EF-0247-93E1-C6C36D8B8023}"/>
               </a:ext>
             </a:extLst>
           </p:cNvPr>
@@ -1822,7 +2078,7 @@
             <p:cNvPr id="13" name="Picture 12">
               <a:extLst>
                 <a:ext uri="{FF2B5EF4-FFF2-40B4-BE49-F238E27FC236}">
-                  <a16:creationId xmlns="" xmlns:a16="http://schemas.microsoft.com/office/drawing/2014/main" id="{6C38969F-F9E0-964C-A2AB-502E26747B0F}"/>
+                  <a16:creationId xmlns:a16="http://schemas.microsoft.com/office/drawing/2014/main" xmlns="" id="{6C38969F-F9E0-964C-A2AB-502E26747B0F}"/>
                 </a:ext>
               </a:extLst>
             </p:cNvPr>
@@ -1836,7 +2092,7 @@
               <a:alphaModFix amt="54000"/>
               <a:extLst>
                 <a:ext uri="{28A0092B-C50C-407E-A947-70E740481C1C}">
-                  <a14:useLocalDpi xmlns="" xmlns:a14="http://schemas.microsoft.com/office/drawing/2010/main"/>
+                  <a14:useLocalDpi xmlns:a14="http://schemas.microsoft.com/office/drawing/2010/main" xmlns=""/>
                 </a:ext>
               </a:extLst>
             </a:blip>
@@ -1859,7 +2115,7 @@
             <p:cNvPr id="16" name="Picture 15">
               <a:extLst>
                 <a:ext uri="{FF2B5EF4-FFF2-40B4-BE49-F238E27FC236}">
-                  <a16:creationId xmlns="" xmlns:a16="http://schemas.microsoft.com/office/drawing/2014/main" id="{F24688C7-865E-8448-BF28-340C41DCF4B1}"/>
+                  <a16:creationId xmlns:a16="http://schemas.microsoft.com/office/drawing/2014/main" xmlns="" id="{F24688C7-865E-8448-BF28-340C41DCF4B1}"/>
                 </a:ext>
               </a:extLst>
             </p:cNvPr>
@@ -1873,7 +2129,7 @@
               <a:alphaModFix amt="54000"/>
               <a:extLst>
                 <a:ext uri="{28A0092B-C50C-407E-A947-70E740481C1C}">
-                  <a14:useLocalDpi xmlns="" xmlns:a14="http://schemas.microsoft.com/office/drawing/2010/main"/>
+                  <a14:useLocalDpi xmlns:a14="http://schemas.microsoft.com/office/drawing/2010/main" xmlns=""/>
                 </a:ext>
               </a:extLst>
             </a:blip>
@@ -1896,7 +2152,7 @@
             <p:cNvPr id="14" name="Picture 13">
               <a:extLst>
                 <a:ext uri="{FF2B5EF4-FFF2-40B4-BE49-F238E27FC236}">
-                  <a16:creationId xmlns="" xmlns:a16="http://schemas.microsoft.com/office/drawing/2014/main" id="{9E31BE27-20CA-A147-9D7E-63AE9203A4E2}"/>
+                  <a16:creationId xmlns:a16="http://schemas.microsoft.com/office/drawing/2014/main" xmlns="" id="{9E31BE27-20CA-A147-9D7E-63AE9203A4E2}"/>
                 </a:ext>
               </a:extLst>
             </p:cNvPr>
@@ -1909,7 +2165,7 @@
             <a:blip r:embed="rId7" cstate="screen">
               <a:extLst>
                 <a:ext uri="{28A0092B-C50C-407E-A947-70E740481C1C}">
-                  <a14:useLocalDpi xmlns="" xmlns:a14="http://schemas.microsoft.com/office/drawing/2010/main"/>
+                  <a14:useLocalDpi xmlns:a14="http://schemas.microsoft.com/office/drawing/2010/main" xmlns=""/>
                 </a:ext>
               </a:extLst>
             </a:blip>
@@ -1933,7 +2189,7 @@
           <p:cNvPr id="20" name="Picture 19">
             <a:extLst>
               <a:ext uri="{FF2B5EF4-FFF2-40B4-BE49-F238E27FC236}">
-                <a16:creationId xmlns="" xmlns:a16="http://schemas.microsoft.com/office/drawing/2014/main" id="{C20BF5AF-61F1-4348-BAA3-134001BC6AC8}"/>
+                <a16:creationId xmlns:a16="http://schemas.microsoft.com/office/drawing/2014/main" xmlns="" id="{C20BF5AF-61F1-4348-BAA3-134001BC6AC8}"/>
               </a:ext>
             </a:extLst>
           </p:cNvPr>
@@ -1947,7 +2203,7 @@
             <a:alphaModFix amt="54000"/>
             <a:extLst>
               <a:ext uri="{28A0092B-C50C-407E-A947-70E740481C1C}">
-                <a14:useLocalDpi xmlns="" xmlns:a14="http://schemas.microsoft.com/office/drawing/2010/main"/>
+                <a14:useLocalDpi xmlns:a14="http://schemas.microsoft.com/office/drawing/2010/main" xmlns=""/>
               </a:ext>
             </a:extLst>
           </a:blip>
@@ -1970,7 +2226,7 @@
           <p:cNvPr id="22" name="Picture 21">
             <a:extLst>
               <a:ext uri="{FF2B5EF4-FFF2-40B4-BE49-F238E27FC236}">
-                <a16:creationId xmlns="" xmlns:a16="http://schemas.microsoft.com/office/drawing/2014/main" id="{364051FF-B810-7F47-AD66-7FC738416232}"/>
+                <a16:creationId xmlns:a16="http://schemas.microsoft.com/office/drawing/2014/main" xmlns="" id="{364051FF-B810-7F47-AD66-7FC738416232}"/>
               </a:ext>
             </a:extLst>
           </p:cNvPr>
@@ -1984,7 +2240,7 @@
             <a:alphaModFix amt="22000"/>
             <a:extLst>
               <a:ext uri="{28A0092B-C50C-407E-A947-70E740481C1C}">
-                <a14:useLocalDpi xmlns="" xmlns:a14="http://schemas.microsoft.com/office/drawing/2010/main"/>
+                <a14:useLocalDpi xmlns:a14="http://schemas.microsoft.com/office/drawing/2010/main" xmlns=""/>
               </a:ext>
             </a:extLst>
           </a:blip>
@@ -2014,7 +2270,7 @@
           <p:cNvPr id="23" name="Picture 22" descr="Cloud-the-Goat---Grazing.png">
             <a:extLst>
               <a:ext uri="{FF2B5EF4-FFF2-40B4-BE49-F238E27FC236}">
-                <a16:creationId xmlns="" xmlns:a16="http://schemas.microsoft.com/office/drawing/2014/main" id="{B3F869A3-8172-374F-BC43-74EB11069E29}"/>
+                <a16:creationId xmlns:a16="http://schemas.microsoft.com/office/drawing/2014/main" xmlns="" id="{B3F869A3-8172-374F-BC43-74EB11069E29}"/>
               </a:ext>
             </a:extLst>
           </p:cNvPr>
@@ -2027,7 +2283,7 @@
           <a:blip r:embed="rId8" cstate="screen">
             <a:extLst>
               <a:ext uri="{28A0092B-C50C-407E-A947-70E740481C1C}">
-                <a14:useLocalDpi xmlns="" xmlns:a14="http://schemas.microsoft.com/office/drawing/2010/main"/>
+                <a14:useLocalDpi xmlns:a14="http://schemas.microsoft.com/office/drawing/2010/main" xmlns=""/>
               </a:ext>
             </a:extLst>
           </a:blip>
@@ -2050,7 +2306,7 @@
           <p:cNvPr id="26" name="Picture 25">
             <a:extLst>
               <a:ext uri="{FF2B5EF4-FFF2-40B4-BE49-F238E27FC236}">
-                <a16:creationId xmlns="" xmlns:a16="http://schemas.microsoft.com/office/drawing/2014/main" id="{AAA0F863-5ED9-BF47-9E43-9B5A7E5D55EA}"/>
+                <a16:creationId xmlns:a16="http://schemas.microsoft.com/office/drawing/2014/main" xmlns="" id="{AAA0F863-5ED9-BF47-9E43-9B5A7E5D55EA}"/>
               </a:ext>
             </a:extLst>
           </p:cNvPr>
@@ -2064,7 +2320,7 @@
             <a:alphaModFix amt="22000"/>
             <a:extLst>
               <a:ext uri="{28A0092B-C50C-407E-A947-70E740481C1C}">
-                <a14:useLocalDpi xmlns="" xmlns:a14="http://schemas.microsoft.com/office/drawing/2010/main"/>
+                <a14:useLocalDpi xmlns:a14="http://schemas.microsoft.com/office/drawing/2010/main" xmlns=""/>
               </a:ext>
             </a:extLst>
           </a:blip>
@@ -2094,7 +2350,7 @@
           <p:cNvPr id="21" name="Picture 20">
             <a:extLst>
               <a:ext uri="{FF2B5EF4-FFF2-40B4-BE49-F238E27FC236}">
-                <a16:creationId xmlns="" xmlns:a16="http://schemas.microsoft.com/office/drawing/2014/main" id="{4D07FE5E-A6AA-884E-A18B-3D6ED3F41826}"/>
+                <a16:creationId xmlns:a16="http://schemas.microsoft.com/office/drawing/2014/main" xmlns="" id="{4D07FE5E-A6AA-884E-A18B-3D6ED3F41826}"/>
               </a:ext>
             </a:extLst>
           </p:cNvPr>
@@ -2108,7 +2364,7 @@
             <a:alphaModFix amt="54000"/>
             <a:extLst>
               <a:ext uri="{28A0092B-C50C-407E-A947-70E740481C1C}">
-                <a14:useLocalDpi xmlns="" xmlns:a14="http://schemas.microsoft.com/office/drawing/2010/main"/>
+                <a14:useLocalDpi xmlns:a14="http://schemas.microsoft.com/office/drawing/2010/main" xmlns=""/>
               </a:ext>
             </a:extLst>
           </a:blip>
@@ -2131,7 +2387,7 @@
           <p:cNvPr id="7" name="Picture 6">
             <a:extLst>
               <a:ext uri="{FF2B5EF4-FFF2-40B4-BE49-F238E27FC236}">
-                <a16:creationId xmlns="" xmlns:a16="http://schemas.microsoft.com/office/drawing/2014/main" id="{4EDC2888-59E3-7440-9896-4A8645F97492}"/>
+                <a16:creationId xmlns:a16="http://schemas.microsoft.com/office/drawing/2014/main" xmlns="" id="{4EDC2888-59E3-7440-9896-4A8645F97492}"/>
               </a:ext>
             </a:extLst>
           </p:cNvPr>
@@ -2144,7 +2400,7 @@
           <a:blip r:embed="rId9" cstate="screen">
             <a:extLst>
               <a:ext uri="{28A0092B-C50C-407E-A947-70E740481C1C}">
-                <a14:useLocalDpi xmlns="" xmlns:a14="http://schemas.microsoft.com/office/drawing/2010/main"/>
+                <a14:useLocalDpi xmlns:a14="http://schemas.microsoft.com/office/drawing/2010/main" xmlns=""/>
               </a:ext>
             </a:extLst>
           </a:blip>
@@ -2165,7 +2421,7 @@
     </p:spTree>
     <p:extLst>
       <p:ext uri="{BB962C8B-B14F-4D97-AF65-F5344CB8AC3E}">
-        <p14:creationId xmlns="" xmlns:p14="http://schemas.microsoft.com/office/powerpoint/2010/main" val="3373851088"/>
+        <p14:creationId xmlns:p14="http://schemas.microsoft.com/office/powerpoint/2010/main" xmlns="" val="3373851088"/>
       </p:ext>
     </p:extLst>
   </p:cSld>
@@ -2200,7 +2456,7 @@
           <p:cNvPr id="19" name="Picture 18">
             <a:extLst>
               <a:ext uri="{FF2B5EF4-FFF2-40B4-BE49-F238E27FC236}">
-                <a16:creationId xmlns="" xmlns:a16="http://schemas.microsoft.com/office/drawing/2014/main" id="{C813E119-9FD7-D446-B03F-ED372D4DE5DA}"/>
+                <a16:creationId xmlns:a16="http://schemas.microsoft.com/office/drawing/2014/main" xmlns="" id="{C813E119-9FD7-D446-B03F-ED372D4DE5DA}"/>
               </a:ext>
             </a:extLst>
           </p:cNvPr>
@@ -2214,7 +2470,7 @@
             <a:alphaModFix amt="80000"/>
             <a:extLst>
               <a:ext uri="{28A0092B-C50C-407E-A947-70E740481C1C}">
-                <a14:useLocalDpi xmlns="" xmlns:a14="http://schemas.microsoft.com/office/drawing/2010/main"/>
+                <a14:useLocalDpi xmlns:a14="http://schemas.microsoft.com/office/drawing/2010/main" xmlns=""/>
               </a:ext>
             </a:extLst>
           </a:blip>
@@ -2417,7 +2673,7 @@
           <a:blip r:embed="rId3" cstate="screen">
             <a:extLst>
               <a:ext uri="{28A0092B-C50C-407E-A947-70E740481C1C}">
-                <a14:useLocalDpi xmlns="" xmlns:a14="http://schemas.microsoft.com/office/drawing/2010/main"/>
+                <a14:useLocalDpi xmlns:a14="http://schemas.microsoft.com/office/drawing/2010/main" xmlns=""/>
               </a:ext>
             </a:extLst>
           </a:blip>
@@ -2443,7 +2699,7 @@
           <p:cNvPr id="11" name="Footer Placeholder 3">
             <a:extLst>
               <a:ext uri="{FF2B5EF4-FFF2-40B4-BE49-F238E27FC236}">
-                <a16:creationId xmlns="" xmlns:a16="http://schemas.microsoft.com/office/drawing/2014/main" id="{D34182B3-BC83-574F-BEFD-A10EC2325B88}"/>
+                <a16:creationId xmlns:a16="http://schemas.microsoft.com/office/drawing/2014/main" xmlns="" id="{D34182B3-BC83-574F-BEFD-A10EC2325B88}"/>
               </a:ext>
             </a:extLst>
           </p:cNvPr>
@@ -2493,7 +2749,7 @@
           <p:cNvPr id="2" name="Title 1">
             <a:extLst>
               <a:ext uri="{FF2B5EF4-FFF2-40B4-BE49-F238E27FC236}">
-                <a16:creationId xmlns="" xmlns:a16="http://schemas.microsoft.com/office/drawing/2014/main" id="{5ADE0D96-7C21-4589-BD0C-0F1AC3C6C7E7}"/>
+                <a16:creationId xmlns:a16="http://schemas.microsoft.com/office/drawing/2014/main" xmlns="" id="{5ADE0D96-7C21-4589-BD0C-0F1AC3C6C7E7}"/>
               </a:ext>
             </a:extLst>
           </p:cNvPr>
@@ -2520,7 +2776,7 @@
     </p:spTree>
     <p:extLst>
       <p:ext uri="{BB962C8B-B14F-4D97-AF65-F5344CB8AC3E}">
-        <p14:creationId xmlns="" xmlns:p14="http://schemas.microsoft.com/office/powerpoint/2010/main" val="2681145133"/>
+        <p14:creationId xmlns:p14="http://schemas.microsoft.com/office/powerpoint/2010/main" xmlns="" val="2681145133"/>
       </p:ext>
     </p:extLst>
   </p:cSld>
@@ -2574,7 +2830,7 @@
           <p:cNvPr id="5" name="Google Shape;362;p55">
             <a:extLst>
               <a:ext uri="{FF2B5EF4-FFF2-40B4-BE49-F238E27FC236}">
-                <a16:creationId xmlns:a16="http://schemas.microsoft.com/office/drawing/2014/main" xmlns="" id="{B194211E-B6CF-124C-A97F-843FC114B6E9}"/>
+                <a16:creationId xmlns="" xmlns:a16="http://schemas.microsoft.com/office/drawing/2014/main" id="{B194211E-B6CF-124C-A97F-843FC114B6E9}"/>
               </a:ext>
             </a:extLst>
           </p:cNvPr>
@@ -2586,7 +2842,7 @@
             <a:alphaModFix/>
             <a:extLst>
               <a:ext uri="{28A0092B-C50C-407E-A947-70E740481C1C}">
-                <a14:useLocalDpi xmlns:a14="http://schemas.microsoft.com/office/drawing/2010/main" xmlns=""/>
+                <a14:useLocalDpi xmlns="" xmlns:a14="http://schemas.microsoft.com/office/drawing/2010/main"/>
               </a:ext>
             </a:extLst>
           </a:blip>
@@ -2619,7 +2875,7 @@
           <a:blip r:embed="rId3" cstate="screen">
             <a:extLst>
               <a:ext uri="{28A0092B-C50C-407E-A947-70E740481C1C}">
-                <a14:useLocalDpi xmlns:a14="http://schemas.microsoft.com/office/drawing/2010/main" xmlns=""/>
+                <a14:useLocalDpi xmlns="" xmlns:a14="http://schemas.microsoft.com/office/drawing/2010/main"/>
               </a:ext>
             </a:extLst>
           </a:blip>
@@ -2642,7 +2898,7 @@
           <p:cNvPr id="4" name="Picture 3">
             <a:extLst>
               <a:ext uri="{FF2B5EF4-FFF2-40B4-BE49-F238E27FC236}">
-                <a16:creationId xmlns:a16="http://schemas.microsoft.com/office/drawing/2014/main" xmlns="" id="{CF2E9877-22A5-7E47-ACD2-1589BC5FEB7B}"/>
+                <a16:creationId xmlns="" xmlns:a16="http://schemas.microsoft.com/office/drawing/2014/main" id="{CF2E9877-22A5-7E47-ACD2-1589BC5FEB7B}"/>
               </a:ext>
             </a:extLst>
           </p:cNvPr>
@@ -2670,7 +2926,7 @@
     </p:spTree>
     <p:extLst>
       <p:ext uri="{BB962C8B-B14F-4D97-AF65-F5344CB8AC3E}">
-        <p14:creationId xmlns:p14="http://schemas.microsoft.com/office/powerpoint/2010/main" xmlns="" val="3956320057"/>
+        <p14:creationId xmlns="" xmlns:p14="http://schemas.microsoft.com/office/powerpoint/2010/main" val="3956320057"/>
       </p:ext>
     </p:extLst>
   </p:cSld>
@@ -5360,7 +5616,7 @@
     </p:spTree>
     <p:extLst>
       <p:ext uri="{BB962C8B-B14F-4D97-AF65-F5344CB8AC3E}">
-        <p14:creationId xmlns="" xmlns:p14="http://schemas.microsoft.com/office/powerpoint/2010/main" val="1452348287"/>
+        <p14:creationId xmlns:p14="http://schemas.microsoft.com/office/powerpoint/2010/main" xmlns="" val="1452348287"/>
       </p:ext>
     </p:extLst>
   </p:cSld>
@@ -5397,10 +5653,388 @@
           <a:chExt cx="0" cy="0"/>
         </a:xfrm>
       </p:grpSpPr>
+      <p:sp>
+        <p:nvSpPr>
+          <p:cNvPr id="6" name="ZoneTexte 5"/>
+          <p:cNvSpPr txBox="1"/>
+          <p:nvPr/>
+        </p:nvSpPr>
+        <p:spPr>
+          <a:xfrm>
+            <a:off x="642910" y="571480"/>
+            <a:ext cx="7286676" cy="523220"/>
+          </a:xfrm>
+          <a:prstGeom prst="rect">
+            <a:avLst/>
+          </a:prstGeom>
+          <a:noFill/>
+        </p:spPr>
+        <p:txBody>
+          <a:bodyPr wrap="square" rtlCol="0">
+            <a:spAutoFit/>
+          </a:bodyPr>
+          <a:lstStyle/>
+          <a:p>
+            <a:pPr algn="ctr"/>
+            <a:r>
+              <a:rPr lang="fr-FR" sz="2800" b="1" cap="all" dirty="0" smtClean="0">
+                <a:ln w="0"/>
+                <a:gradFill flip="none">
+                  <a:gsLst>
+                    <a:gs pos="0">
+                      <a:schemeClr val="accent1">
+                        <a:tint val="75000"/>
+                        <a:shade val="75000"/>
+                        <a:satMod val="170000"/>
+                      </a:schemeClr>
+                    </a:gs>
+                    <a:gs pos="49000">
+                      <a:schemeClr val="accent1">
+                        <a:tint val="88000"/>
+                        <a:shade val="65000"/>
+                        <a:satMod val="172000"/>
+                      </a:schemeClr>
+                    </a:gs>
+                    <a:gs pos="50000">
+                      <a:schemeClr val="accent1">
+                        <a:shade val="65000"/>
+                        <a:satMod val="130000"/>
+                      </a:schemeClr>
+                    </a:gs>
+                    <a:gs pos="92000">
+                      <a:schemeClr val="accent1">
+                        <a:shade val="50000"/>
+                        <a:satMod val="120000"/>
+                      </a:schemeClr>
+                    </a:gs>
+                    <a:gs pos="100000">
+                      <a:schemeClr val="accent1">
+                        <a:shade val="48000"/>
+                        <a:satMod val="120000"/>
+                      </a:schemeClr>
+                    </a:gs>
+                  </a:gsLst>
+                  <a:lin ang="5400000"/>
+                </a:gradFill>
+                <a:effectLst>
+                  <a:reflection blurRad="12700" stA="50000" endPos="50000" dist="5000" dir="5400000" sy="-100000" rotWithShape="0"/>
+                </a:effectLst>
+              </a:rPr>
+              <a:t>Conclusion</a:t>
+            </a:r>
+            <a:endParaRPr lang="fr-FR" sz="2800" b="1" cap="all" dirty="0">
+              <a:ln w="0"/>
+              <a:gradFill flip="none">
+                <a:gsLst>
+                  <a:gs pos="0">
+                    <a:schemeClr val="accent1">
+                      <a:tint val="75000"/>
+                      <a:shade val="75000"/>
+                      <a:satMod val="170000"/>
+                    </a:schemeClr>
+                  </a:gs>
+                  <a:gs pos="49000">
+                    <a:schemeClr val="accent1">
+                      <a:tint val="88000"/>
+                      <a:shade val="65000"/>
+                      <a:satMod val="172000"/>
+                    </a:schemeClr>
+                  </a:gs>
+                  <a:gs pos="50000">
+                    <a:schemeClr val="accent1">
+                      <a:shade val="65000"/>
+                      <a:satMod val="130000"/>
+                    </a:schemeClr>
+                  </a:gs>
+                  <a:gs pos="92000">
+                    <a:schemeClr val="accent1">
+                      <a:shade val="50000"/>
+                      <a:satMod val="120000"/>
+                    </a:schemeClr>
+                  </a:gs>
+                  <a:gs pos="100000">
+                    <a:schemeClr val="accent1">
+                      <a:shade val="48000"/>
+                      <a:satMod val="120000"/>
+                    </a:schemeClr>
+                  </a:gs>
+                </a:gsLst>
+                <a:lin ang="5400000"/>
+              </a:gradFill>
+              <a:effectLst>
+                <a:reflection blurRad="12700" stA="50000" endPos="50000" dist="5000" dir="5400000" sy="-100000" rotWithShape="0"/>
+              </a:effectLst>
+            </a:endParaRPr>
+          </a:p>
+        </p:txBody>
+      </p:sp>
+      <p:sp>
+        <p:nvSpPr>
+          <p:cNvPr id="3" name="ZoneTexte 2"/>
+          <p:cNvSpPr txBox="1"/>
+          <p:nvPr/>
+        </p:nvSpPr>
+        <p:spPr>
+          <a:xfrm>
+            <a:off x="714348" y="1619329"/>
+            <a:ext cx="7643866" cy="830997"/>
+          </a:xfrm>
+          <a:prstGeom prst="rect">
+            <a:avLst/>
+          </a:prstGeom>
+          <a:noFill/>
+        </p:spPr>
+        <p:txBody>
+          <a:bodyPr wrap="square" rtlCol="0">
+            <a:spAutoFit/>
+          </a:bodyPr>
+          <a:lstStyle/>
+          <a:p>
+            <a:endParaRPr lang="fr-FR" sz="2400" dirty="0" smtClean="0">
+              <a:solidFill>
+                <a:schemeClr val="accent1">
+                  <a:lumMod val="75000"/>
+                </a:schemeClr>
+              </a:solidFill>
+              <a:latin typeface="Centaur" pitchFamily="18" charset="0"/>
+              <a:ea typeface="ＭＳ Ｐゴシック" charset="0"/>
+              <a:cs typeface="Calibri" pitchFamily="34" charset="0"/>
+            </a:endParaRPr>
+          </a:p>
+          <a:p>
+            <a:endParaRPr lang="fr-FR" sz="2400" dirty="0" smtClean="0">
+              <a:solidFill>
+                <a:schemeClr val="accent1">
+                  <a:lumMod val="75000"/>
+                </a:schemeClr>
+              </a:solidFill>
+              <a:latin typeface="Centaur" pitchFamily="18" charset="0"/>
+              <a:ea typeface="ＭＳ Ｐゴシック" charset="0"/>
+              <a:cs typeface="Calibri" pitchFamily="34" charset="0"/>
+            </a:endParaRPr>
+          </a:p>
+        </p:txBody>
+      </p:sp>
+      <p:sp>
+        <p:nvSpPr>
+          <p:cNvPr id="4" name="Rectangle 3"/>
+          <p:cNvSpPr/>
+          <p:nvPr/>
+        </p:nvSpPr>
+        <p:spPr>
+          <a:xfrm>
+            <a:off x="500034" y="1357298"/>
+            <a:ext cx="7786742" cy="1200329"/>
+          </a:xfrm>
+          <a:prstGeom prst="rect">
+            <a:avLst/>
+          </a:prstGeom>
+        </p:spPr>
+        <p:txBody>
+          <a:bodyPr wrap="square">
+            <a:spAutoFit/>
+          </a:bodyPr>
+          <a:lstStyle/>
+          <a:p>
+            <a:pPr>
+              <a:buFont typeface="Arial" pitchFamily="34" charset="0"/>
+              <a:buChar char="•"/>
+            </a:pPr>
+            <a:r>
+              <a:rPr lang="fr-FR" sz="2400" dirty="0" smtClean="0">
+                <a:solidFill>
+                  <a:schemeClr val="accent1">
+                    <a:lumMod val="75000"/>
+                  </a:schemeClr>
+                </a:solidFill>
+                <a:latin typeface="Centaur" pitchFamily="18" charset="0"/>
+                <a:ea typeface="ＭＳ Ｐゴシック" charset="0"/>
+                <a:cs typeface="Calibri" pitchFamily="34" charset="0"/>
+              </a:rPr>
+              <a:t>Jai pu apprendre et maitriser a travers ce projet  , les fondamentaux du </a:t>
+            </a:r>
+            <a:r>
+              <a:rPr lang="fr-FR" sz="2400" dirty="0" smtClean="0">
+                <a:solidFill>
+                  <a:schemeClr val="accent1">
+                    <a:lumMod val="75000"/>
+                  </a:schemeClr>
+                </a:solidFill>
+                <a:latin typeface="Centaur" pitchFamily="18" charset="0"/>
+                <a:ea typeface="ＭＳ Ｐゴシック" charset="0"/>
+                <a:cs typeface="Calibri" pitchFamily="34" charset="0"/>
+              </a:rPr>
+              <a:t>testing en Java:</a:t>
+            </a:r>
+          </a:p>
+          <a:p>
+            <a:endParaRPr lang="fr-FR" sz="2400" dirty="0" smtClean="0">
+              <a:solidFill>
+                <a:schemeClr val="accent1">
+                  <a:lumMod val="75000"/>
+                </a:schemeClr>
+              </a:solidFill>
+              <a:latin typeface="Centaur" pitchFamily="18" charset="0"/>
+              <a:ea typeface="ＭＳ Ｐゴシック" charset="0"/>
+              <a:cs typeface="Calibri" pitchFamily="34" charset="0"/>
+            </a:endParaRPr>
+          </a:p>
+        </p:txBody>
+      </p:sp>
+      <p:sp>
+        <p:nvSpPr>
+          <p:cNvPr id="5" name="Rectangle 4"/>
+          <p:cNvSpPr/>
+          <p:nvPr/>
+        </p:nvSpPr>
+        <p:spPr>
+          <a:xfrm>
+            <a:off x="214282" y="2526565"/>
+            <a:ext cx="8215370" cy="830997"/>
+          </a:xfrm>
+          <a:prstGeom prst="rect">
+            <a:avLst/>
+          </a:prstGeom>
+        </p:spPr>
+        <p:txBody>
+          <a:bodyPr wrap="square">
+            <a:spAutoFit/>
+          </a:bodyPr>
+          <a:lstStyle/>
+          <a:p>
+            <a:pPr lvl="3">
+              <a:buFont typeface="Wingdings" pitchFamily="2" charset="2"/>
+              <a:buChar char="ü"/>
+            </a:pPr>
+            <a:r>
+              <a:rPr lang="fr-FR" sz="2400" dirty="0" smtClean="0">
+                <a:solidFill>
+                  <a:schemeClr val="accent1">
+                    <a:lumMod val="75000"/>
+                  </a:schemeClr>
+                </a:solidFill>
+                <a:latin typeface="Centaur" pitchFamily="18" charset="0"/>
+                <a:ea typeface="ＭＳ Ｐゴシック" charset="0"/>
+                <a:cs typeface="Calibri" pitchFamily="34" charset="0"/>
+              </a:rPr>
+              <a:t>la </a:t>
+            </a:r>
+            <a:r>
+              <a:rPr lang="fr-FR" sz="2400" dirty="0" smtClean="0">
+                <a:solidFill>
+                  <a:schemeClr val="accent1">
+                    <a:lumMod val="75000"/>
+                  </a:schemeClr>
+                </a:solidFill>
+                <a:latin typeface="Centaur" pitchFamily="18" charset="0"/>
+                <a:ea typeface="ＭＳ Ｐゴシック" charset="0"/>
+                <a:cs typeface="Calibri" pitchFamily="34" charset="0"/>
+              </a:rPr>
+              <a:t>création de tests et leur exécution grâce à des plugins Maven.</a:t>
+            </a:r>
+            <a:endParaRPr lang="fr-FR" sz="2400" dirty="0" smtClean="0">
+              <a:solidFill>
+                <a:schemeClr val="accent1">
+                  <a:lumMod val="75000"/>
+                </a:schemeClr>
+              </a:solidFill>
+              <a:latin typeface="Centaur" pitchFamily="18" charset="0"/>
+              <a:ea typeface="ＭＳ Ｐゴシック" charset="0"/>
+              <a:cs typeface="Calibri" pitchFamily="34" charset="0"/>
+            </a:endParaRPr>
+          </a:p>
+        </p:txBody>
+      </p:sp>
+      <p:sp>
+        <p:nvSpPr>
+          <p:cNvPr id="7" name="Rectangle 6"/>
+          <p:cNvSpPr/>
+          <p:nvPr/>
+        </p:nvSpPr>
+        <p:spPr>
+          <a:xfrm>
+            <a:off x="642910" y="3857628"/>
+            <a:ext cx="7500990" cy="857256"/>
+          </a:xfrm>
+          <a:prstGeom prst="rect">
+            <a:avLst/>
+          </a:prstGeom>
+        </p:spPr>
+        <p:txBody>
+          <a:bodyPr wrap="square">
+            <a:spAutoFit/>
+          </a:bodyPr>
+          <a:lstStyle/>
+          <a:p>
+            <a:pPr lvl="2">
+              <a:buFont typeface="Wingdings" pitchFamily="2" charset="2"/>
+              <a:buChar char="ü"/>
+            </a:pPr>
+            <a:r>
+              <a:rPr lang="fr-FR" sz="2400" dirty="0" smtClean="0">
+                <a:solidFill>
+                  <a:schemeClr val="accent1">
+                    <a:lumMod val="75000"/>
+                  </a:schemeClr>
+                </a:solidFill>
+                <a:latin typeface="Centaur" pitchFamily="18" charset="0"/>
+                <a:ea typeface="ＭＳ Ｐゴシック" charset="0"/>
+                <a:cs typeface="Calibri" pitchFamily="34" charset="0"/>
+              </a:rPr>
+              <a:t>observer la couverture de code pour chaque niveau de test,grace aux couvrage fournit par le  plugin Jacoco.</a:t>
+            </a:r>
+            <a:endParaRPr lang="fr-FR" sz="2400" dirty="0" smtClean="0">
+              <a:solidFill>
+                <a:schemeClr val="accent1">
+                  <a:lumMod val="75000"/>
+                </a:schemeClr>
+              </a:solidFill>
+              <a:latin typeface="Centaur" pitchFamily="18" charset="0"/>
+              <a:ea typeface="ＭＳ Ｐゴシック" charset="0"/>
+              <a:cs typeface="Calibri" pitchFamily="34" charset="0"/>
+            </a:endParaRPr>
+          </a:p>
+        </p:txBody>
+      </p:sp>
+    </p:spTree>
+  </p:cSld>
+  <p:clrMapOvr>
+    <a:masterClrMapping/>
+  </p:clrMapOvr>
+  <p:transition>
+    <p:fade/>
+  </p:transition>
+  <p:timing>
+    <p:tnLst>
+      <p:par>
+        <p:cTn id="1" dur="indefinite" restart="never" nodeType="tmRoot"/>
+      </p:par>
+    </p:tnLst>
+  </p:timing>
+</p:sld>
+</file>
+
+<file path=ppt/slides/slide11.xml><?xml version="1.0" encoding="utf-8"?>
+<p:sld xmlns:a="http://schemas.openxmlformats.org/drawingml/2006/main" xmlns:r="http://schemas.openxmlformats.org/officeDocument/2006/relationships" xmlns:p="http://schemas.openxmlformats.org/presentationml/2006/main">
+  <p:cSld>
+    <p:spTree>
+      <p:nvGrpSpPr>
+        <p:cNvPr id="1" name=""/>
+        <p:cNvGrpSpPr/>
+        <p:nvPr/>
+      </p:nvGrpSpPr>
+      <p:grpSpPr>
+        <a:xfrm>
+          <a:off x="0" y="0"/>
+          <a:ext cx="0" cy="0"/>
+          <a:chOff x="0" y="0"/>
+          <a:chExt cx="0" cy="0"/>
+        </a:xfrm>
+      </p:grpSpPr>
     </p:spTree>
     <p:extLst>
       <p:ext uri="{BB962C8B-B14F-4D97-AF65-F5344CB8AC3E}">
-        <p14:creationId xmlns:p14="http://schemas.microsoft.com/office/powerpoint/2010/main" xmlns="" val="4166242014"/>
+        <p14:creationId xmlns="" xmlns:p14="http://schemas.microsoft.com/office/powerpoint/2010/main" val="4166242014"/>
       </p:ext>
     </p:extLst>
   </p:cSld>
@@ -5741,7 +6375,7 @@
         <p:spPr>
           <a:xfrm>
             <a:off x="142876" y="1500174"/>
-            <a:ext cx="8929718" cy="3785652"/>
+            <a:ext cx="8929718" cy="3477875"/>
           </a:xfrm>
           <a:prstGeom prst="rect">
             <a:avLst/>
@@ -5764,7 +6398,7 @@
                 <a:ea typeface="Cambria" pitchFamily="18" charset="0"/>
                 <a:cs typeface="Times New Roman" pitchFamily="18" charset="0"/>
               </a:rPr>
-              <a:t>Un test unitaire est une suite d’opérations permettant de vérifier la validité </a:t>
+              <a:t>Un test unitaire permet de tester le bon fonctionnement d’une partie précise et ciblée d’un programme. </a:t>
             </a:r>
             <a:r>
               <a:rPr lang="fr-FR" sz="2000" dirty="0" smtClean="0">
@@ -5777,50 +6411,8 @@
                 <a:ea typeface="Cambria" pitchFamily="18" charset="0"/>
                 <a:cs typeface="Times New Roman" pitchFamily="18" charset="0"/>
               </a:rPr>
-              <a:t>d’unités </a:t>
-            </a:r>
-            <a:r>
-              <a:rPr lang="fr-FR" sz="2000" dirty="0" smtClean="0">
-                <a:solidFill>
-                  <a:schemeClr val="accent1">
-                    <a:lumMod val="75000"/>
-                  </a:schemeClr>
-                </a:solidFill>
-                <a:latin typeface="Century" pitchFamily="18" charset="0"/>
-                <a:ea typeface="Cambria" pitchFamily="18" charset="0"/>
-                <a:cs typeface="Times New Roman" pitchFamily="18" charset="0"/>
-              </a:rPr>
-              <a:t>individuelles d’une </a:t>
-            </a:r>
-            <a:r>
-              <a:rPr lang="fr-FR" sz="2000" dirty="0" smtClean="0">
-                <a:solidFill>
-                  <a:schemeClr val="accent1">
-                    <a:lumMod val="75000"/>
-                  </a:schemeClr>
-                </a:solidFill>
-                <a:latin typeface="Century" pitchFamily="18" charset="0"/>
-                <a:ea typeface="Cambria" pitchFamily="18" charset="0"/>
-                <a:cs typeface="Times New Roman" pitchFamily="18" charset="0"/>
-              </a:rPr>
-              <a:t>application, indépendamment </a:t>
-            </a:r>
-            <a:r>
-              <a:rPr lang="fr-FR" sz="2000" dirty="0" smtClean="0">
-                <a:solidFill>
-                  <a:schemeClr val="accent1">
-                    <a:lumMod val="75000"/>
-                  </a:schemeClr>
-                </a:solidFill>
-                <a:latin typeface="Century" pitchFamily="18" charset="0"/>
-                <a:ea typeface="Cambria" pitchFamily="18" charset="0"/>
-                <a:cs typeface="Times New Roman" pitchFamily="18" charset="0"/>
-              </a:rPr>
-              <a:t>les unes des autres.</a:t>
-            </a:r>
-          </a:p>
-          <a:p>
-            <a:pPr algn="ctr"/>
+              <a:t>Il permet de vérifier que le comportement d’une application est correct. </a:t>
+            </a:r>
             <a:endParaRPr lang="fr-FR" sz="2000" dirty="0" smtClean="0">
               <a:solidFill>
                 <a:schemeClr val="accent1">
@@ -5833,48 +6425,6 @@
             </a:endParaRPr>
           </a:p>
           <a:p>
-            <a:r>
-              <a:rPr lang="fr-FR" sz="2000" dirty="0" smtClean="0">
-                <a:solidFill>
-                  <a:schemeClr val="accent1">
-                    <a:lumMod val="75000"/>
-                  </a:schemeClr>
-                </a:solidFill>
-                <a:latin typeface="Century" pitchFamily="18" charset="0"/>
-                <a:ea typeface="Cambria" pitchFamily="18" charset="0"/>
-                <a:cs typeface="Times New Roman" pitchFamily="18" charset="0"/>
-              </a:rPr>
-              <a:t> Ils s’assurent qu’une méthode exposée à la manipulation par un utilisateur </a:t>
-            </a:r>
-            <a:r>
-              <a:rPr lang="fr-FR" sz="2000" dirty="0" smtClean="0">
-                <a:solidFill>
-                  <a:schemeClr val="accent1">
-                    <a:lumMod val="75000"/>
-                  </a:schemeClr>
-                </a:solidFill>
-                <a:latin typeface="Century" pitchFamily="18" charset="0"/>
-                <a:ea typeface="Cambria" pitchFamily="18" charset="0"/>
-                <a:cs typeface="Times New Roman" pitchFamily="18" charset="0"/>
-              </a:rPr>
-              <a:t>fonctionne </a:t>
-            </a:r>
-            <a:r>
-              <a:rPr lang="fr-FR" sz="2000" dirty="0" smtClean="0">
-                <a:solidFill>
-                  <a:schemeClr val="accent1">
-                    <a:lumMod val="75000"/>
-                  </a:schemeClr>
-                </a:solidFill>
-                <a:latin typeface="Century" pitchFamily="18" charset="0"/>
-                <a:ea typeface="Cambria" pitchFamily="18" charset="0"/>
-                <a:cs typeface="Times New Roman" pitchFamily="18" charset="0"/>
-              </a:rPr>
-              <a:t>bien de la façon dont elle a été conçue.</a:t>
-            </a:r>
-          </a:p>
-          <a:p>
-            <a:pPr algn="ctr"/>
             <a:endParaRPr lang="fr-FR" sz="2000" dirty="0" smtClean="0">
               <a:solidFill>
                 <a:schemeClr val="accent1">
@@ -5887,7 +6437,10 @@
             </a:endParaRPr>
           </a:p>
           <a:p>
-            <a:pPr algn="ctr"/>
+            <a:pPr lvl="2">
+              <a:buFont typeface="Arial" pitchFamily="34" charset="0"/>
+              <a:buChar char="•"/>
+            </a:pPr>
             <a:r>
               <a:rPr lang="fr-FR" sz="2000" dirty="0" smtClean="0">
                 <a:solidFill>
@@ -5899,7 +6452,7 @@
                 <a:ea typeface="Cambria" pitchFamily="18" charset="0"/>
                 <a:cs typeface="Times New Roman" pitchFamily="18" charset="0"/>
               </a:rPr>
-              <a:t>Ils sont la base sur laquelle les autres processus de tests doivent </a:t>
+              <a:t>ils sont faciles et rapides à écrire </a:t>
             </a:r>
             <a:r>
               <a:rPr lang="fr-FR" sz="2000" dirty="0" smtClean="0">
@@ -5912,11 +6465,8 @@
                 <a:ea typeface="Cambria" pitchFamily="18" charset="0"/>
                 <a:cs typeface="Times New Roman" pitchFamily="18" charset="0"/>
               </a:rPr>
-              <a:t>être</a:t>
-            </a:r>
-          </a:p>
-          <a:p>
-            <a:pPr algn="ctr"/>
+              <a:t>. </a:t>
+            </a:r>
             <a:endParaRPr lang="fr-FR" sz="2000" dirty="0" smtClean="0">
               <a:solidFill>
                 <a:schemeClr val="accent1">
@@ -5929,33 +6479,6 @@
             </a:endParaRPr>
           </a:p>
           <a:p>
-            <a:pPr algn="ctr"/>
-            <a:r>
-              <a:rPr lang="fr-FR" sz="2000" dirty="0" smtClean="0">
-                <a:solidFill>
-                  <a:schemeClr val="accent1">
-                    <a:lumMod val="75000"/>
-                  </a:schemeClr>
-                </a:solidFill>
-                <a:latin typeface="Century" pitchFamily="18" charset="0"/>
-                <a:ea typeface="Cambria" pitchFamily="18" charset="0"/>
-                <a:cs typeface="Times New Roman" pitchFamily="18" charset="0"/>
-              </a:rPr>
-              <a:t> </a:t>
-            </a:r>
-            <a:r>
-              <a:rPr lang="fr-FR" sz="2000" dirty="0" smtClean="0">
-                <a:solidFill>
-                  <a:schemeClr val="accent1">
-                    <a:lumMod val="75000"/>
-                  </a:schemeClr>
-                </a:solidFill>
-                <a:latin typeface="Century" pitchFamily="18" charset="0"/>
-                <a:ea typeface="Cambria" pitchFamily="18" charset="0"/>
-                <a:cs typeface="Times New Roman" pitchFamily="18" charset="0"/>
-              </a:rPr>
-              <a:t>construits pour assurer des fondations solides dans le cadre du </a:t>
-            </a:r>
             <a:endParaRPr lang="fr-FR" sz="2000" dirty="0" smtClean="0">
               <a:solidFill>
                 <a:schemeClr val="accent1">
@@ -5968,7 +6491,23 @@
             </a:endParaRPr>
           </a:p>
           <a:p>
-            <a:pPr algn="ctr"/>
+            <a:pPr lvl="2">
+              <a:buFont typeface="Arial" pitchFamily="34" charset="0"/>
+              <a:buChar char="•"/>
+            </a:pPr>
+            <a:r>
+              <a:rPr lang="fr-FR" sz="2000" dirty="0" smtClean="0">
+                <a:solidFill>
+                  <a:schemeClr val="accent1">
+                    <a:lumMod val="75000"/>
+                  </a:schemeClr>
+                </a:solidFill>
+                <a:latin typeface="Century" pitchFamily="18" charset="0"/>
+                <a:ea typeface="Cambria" pitchFamily="18" charset="0"/>
+                <a:cs typeface="Times New Roman" pitchFamily="18" charset="0"/>
+              </a:rPr>
+              <a:t>ils permettent de savoir rapidement si le code fonctionne comme prévu .</a:t>
+            </a:r>
             <a:endParaRPr lang="fr-FR" sz="2000" dirty="0" smtClean="0">
               <a:solidFill>
                 <a:schemeClr val="accent1">
@@ -5981,7 +6520,22 @@
             </a:endParaRPr>
           </a:p>
           <a:p>
-            <a:pPr algn="ctr"/>
+            <a:endParaRPr lang="fr-FR" sz="2000" dirty="0" smtClean="0">
+              <a:solidFill>
+                <a:schemeClr val="accent1">
+                  <a:lumMod val="75000"/>
+                </a:schemeClr>
+              </a:solidFill>
+              <a:latin typeface="Century" pitchFamily="18" charset="0"/>
+              <a:ea typeface="Cambria" pitchFamily="18" charset="0"/>
+              <a:cs typeface="Times New Roman" pitchFamily="18" charset="0"/>
+            </a:endParaRPr>
+          </a:p>
+          <a:p>
+            <a:pPr lvl="2">
+              <a:buFont typeface="Arial" pitchFamily="34" charset="0"/>
+              <a:buChar char="•"/>
+            </a:pPr>
             <a:r>
               <a:rPr lang="fr-FR" sz="2000" dirty="0" smtClean="0">
                 <a:solidFill>
@@ -5993,21 +6547,21 @@
                 <a:ea typeface="Cambria" pitchFamily="18" charset="0"/>
                 <a:cs typeface="Times New Roman" pitchFamily="18" charset="0"/>
               </a:rPr>
-              <a:t>développement </a:t>
-            </a:r>
-            <a:r>
-              <a:rPr lang="fr-FR" sz="2000" dirty="0" smtClean="0">
-                <a:solidFill>
-                  <a:schemeClr val="accent1">
-                    <a:lumMod val="75000"/>
-                  </a:schemeClr>
-                </a:solidFill>
-                <a:latin typeface="Century" pitchFamily="18" charset="0"/>
-                <a:ea typeface="Cambria" pitchFamily="18" charset="0"/>
-                <a:cs typeface="Times New Roman" pitchFamily="18" charset="0"/>
-              </a:rPr>
-              <a:t>d’une application.</a:t>
-            </a:r>
+              <a:t>ils rendent les applications facilement modifiables .</a:t>
+            </a:r>
+            <a:endParaRPr lang="fr-FR" sz="2000" dirty="0" smtClean="0">
+              <a:solidFill>
+                <a:schemeClr val="accent1">
+                  <a:lumMod val="75000"/>
+                </a:schemeClr>
+              </a:solidFill>
+              <a:latin typeface="Century" pitchFamily="18" charset="0"/>
+              <a:ea typeface="Cambria" pitchFamily="18" charset="0"/>
+              <a:cs typeface="Times New Roman" pitchFamily="18" charset="0"/>
+            </a:endParaRPr>
+          </a:p>
+          <a:p>
+            <a:endParaRPr lang="fr-FR" sz="2000" dirty="0" smtClean="0"/>
           </a:p>
         </p:txBody>
       </p:sp>
@@ -6150,7 +6704,7 @@
                 <a:ea typeface="Cambria" pitchFamily="18" charset="0"/>
                 <a:cs typeface="Times New Roman" pitchFamily="18" charset="0"/>
               </a:rPr>
-              <a:t>Ya </a:t>
+              <a:t>     Ya </a:t>
             </a:r>
             <a:r>
               <a:rPr lang="fr-FR" sz="2000" dirty="0" smtClean="0">
@@ -6538,7 +7092,7 @@
         </p:nvSpPr>
         <p:spPr>
           <a:xfrm>
-            <a:off x="285736" y="1000108"/>
+            <a:off x="285736" y="1357298"/>
             <a:ext cx="8858264" cy="2862322"/>
           </a:xfrm>
           <a:prstGeom prst="rect">
@@ -6562,7 +7116,7 @@
                 <a:ea typeface="Cambria" pitchFamily="18" charset="0"/>
                 <a:cs typeface="Times New Roman" pitchFamily="18" charset="0"/>
               </a:rPr>
-              <a:t>JUnit est un Framework </a:t>
+              <a:t>  JUnit </a:t>
             </a:r>
             <a:r>
               <a:rPr lang="fr-FR" sz="2000" dirty="0" smtClean="0">
@@ -6575,33 +7129,7 @@
                 <a:ea typeface="Cambria" pitchFamily="18" charset="0"/>
                 <a:cs typeface="Times New Roman" pitchFamily="18" charset="0"/>
               </a:rPr>
-              <a:t>qui permettre </a:t>
-            </a:r>
-            <a:r>
-              <a:rPr lang="fr-FR" sz="2000" dirty="0" smtClean="0">
-                <a:solidFill>
-                  <a:schemeClr val="accent1">
-                    <a:lumMod val="75000"/>
-                  </a:schemeClr>
-                </a:solidFill>
-                <a:latin typeface="Century" pitchFamily="18" charset="0"/>
-                <a:ea typeface="Cambria" pitchFamily="18" charset="0"/>
-                <a:cs typeface="Times New Roman" pitchFamily="18" charset="0"/>
-              </a:rPr>
-              <a:t>l'écriture et                          l'exécution de tests automatisés</a:t>
-            </a:r>
-            <a:r>
-              <a:rPr lang="fr-FR" sz="2000" dirty="0" smtClean="0">
-                <a:solidFill>
-                  <a:schemeClr val="accent1">
-                    <a:lumMod val="75000"/>
-                  </a:schemeClr>
-                </a:solidFill>
-                <a:latin typeface="Century" pitchFamily="18" charset="0"/>
-                <a:ea typeface="Cambria" pitchFamily="18" charset="0"/>
-                <a:cs typeface="Times New Roman" pitchFamily="18" charset="0"/>
-              </a:rPr>
-              <a:t>.</a:t>
+              <a:t>est un Framework qui permettre l'écriture et                          l'exécution de tests automatisés.</a:t>
             </a:r>
           </a:p>
           <a:p>
@@ -6659,14 +7187,8 @@
                 <a:ea typeface="Cambria" pitchFamily="18" charset="0"/>
                 <a:cs typeface="Times New Roman" pitchFamily="18" charset="0"/>
               </a:rPr>
-              <a:t> des TestCase qui sont des classes contenant des méthodes de         tests ;</a:t>
-            </a:r>
-          </a:p>
-          <a:p>
-            <a:pPr lvl="2">
-              <a:buFont typeface="Arial" pitchFamily="34" charset="0"/>
-              <a:buChar char="•"/>
-            </a:pPr>
+              <a:t> des TestCase qui sont des classes contenant des méthodes de         tests </a:t>
+            </a:r>
             <a:r>
               <a:rPr lang="fr-FR" sz="2000" dirty="0" smtClean="0">
                 <a:solidFill>
@@ -6678,47 +7200,8 @@
                 <a:ea typeface="Cambria" pitchFamily="18" charset="0"/>
                 <a:cs typeface="Times New Roman" pitchFamily="18" charset="0"/>
               </a:rPr>
-              <a:t> des TestSuite qui permettent de lancer des suites de classes de type TestCase.</a:t>
-            </a:r>
-          </a:p>
-        </p:txBody>
-      </p:sp>
-      <p:sp>
-        <p:nvSpPr>
-          <p:cNvPr id="7" name="Rectangle 6"/>
-          <p:cNvSpPr/>
-          <p:nvPr/>
-        </p:nvSpPr>
-        <p:spPr>
-          <a:xfrm>
-            <a:off x="357158" y="3929066"/>
-            <a:ext cx="8001056" cy="2246769"/>
-          </a:xfrm>
-          <a:prstGeom prst="rect">
-            <a:avLst/>
-          </a:prstGeom>
-        </p:spPr>
-        <p:txBody>
-          <a:bodyPr wrap="square">
-            <a:spAutoFit/>
-          </a:bodyPr>
-          <a:lstStyle/>
-          <a:p>
-            <a:r>
-              <a:rPr lang="fr-FR" sz="2000" dirty="0" smtClean="0">
-                <a:solidFill>
-                  <a:schemeClr val="accent1">
-                    <a:lumMod val="75000"/>
-                  </a:schemeClr>
-                </a:solidFill>
-                <a:latin typeface="Century" pitchFamily="18" charset="0"/>
-                <a:ea typeface="Cambria" pitchFamily="18" charset="0"/>
-                <a:cs typeface="Times New Roman" pitchFamily="18" charset="0"/>
-              </a:rPr>
-              <a:t>D'autres Framework qui s'interfacent avec JUnit permettent de faire des types d'assertions spécifiques, par exemple :</a:t>
-            </a:r>
-          </a:p>
-          <a:p>
+              <a:t>.</a:t>
+            </a:r>
             <a:endParaRPr lang="fr-FR" sz="2000" dirty="0" smtClean="0">
               <a:solidFill>
                 <a:schemeClr val="accent1">
@@ -6746,7 +7229,123 @@
                 <a:ea typeface="Cambria" pitchFamily="18" charset="0"/>
                 <a:cs typeface="Times New Roman" pitchFamily="18" charset="0"/>
               </a:rPr>
-              <a:t>  Mockito qui permet, entre autres, de faire des assertions sur des appels de méthodes et leurs arguments sans pour autant exécuter ces méthodes (grâce au principe du Mock).</a:t>
+              <a:t> des TestSuite qui permettent de lancer des suites de classes de type TestCase.</a:t>
+            </a:r>
+          </a:p>
+        </p:txBody>
+      </p:sp>
+      <p:sp>
+        <p:nvSpPr>
+          <p:cNvPr id="7" name="Rectangle 6"/>
+          <p:cNvSpPr/>
+          <p:nvPr/>
+        </p:nvSpPr>
+        <p:spPr>
+          <a:xfrm>
+            <a:off x="-285784" y="4440990"/>
+            <a:ext cx="8786874" cy="1631216"/>
+          </a:xfrm>
+          <a:prstGeom prst="rect">
+            <a:avLst/>
+          </a:prstGeom>
+        </p:spPr>
+        <p:txBody>
+          <a:bodyPr wrap="square">
+            <a:spAutoFit/>
+          </a:bodyPr>
+          <a:lstStyle/>
+          <a:p>
+            <a:pPr lvl="2"/>
+            <a:r>
+              <a:rPr lang="fr-FR" sz="2000" dirty="0" smtClean="0">
+                <a:solidFill>
+                  <a:schemeClr val="accent1">
+                    <a:lumMod val="75000"/>
+                  </a:schemeClr>
+                </a:solidFill>
+                <a:latin typeface="Century" pitchFamily="18" charset="0"/>
+                <a:ea typeface="Cambria" pitchFamily="18" charset="0"/>
+                <a:cs typeface="Times New Roman" pitchFamily="18" charset="0"/>
+              </a:rPr>
+              <a:t>le Framework</a:t>
+            </a:r>
+            <a:r>
+              <a:rPr lang="fr-FR" sz="2000" dirty="0" smtClean="0">
+                <a:solidFill>
+                  <a:schemeClr val="accent1">
+                    <a:lumMod val="75000"/>
+                  </a:schemeClr>
+                </a:solidFill>
+                <a:latin typeface="Century" pitchFamily="18" charset="0"/>
+                <a:ea typeface="Cambria" pitchFamily="18" charset="0"/>
+                <a:cs typeface="Times New Roman" pitchFamily="18" charset="0"/>
+              </a:rPr>
+              <a:t> </a:t>
+            </a:r>
+            <a:r>
+              <a:rPr lang="fr-FR" sz="2000" dirty="0" smtClean="0">
+                <a:solidFill>
+                  <a:schemeClr val="accent1">
+                    <a:lumMod val="75000"/>
+                  </a:schemeClr>
+                </a:solidFill>
+                <a:latin typeface="Century" pitchFamily="18" charset="0"/>
+                <a:ea typeface="Cambria" pitchFamily="18" charset="0"/>
+                <a:cs typeface="Times New Roman" pitchFamily="18" charset="0"/>
+              </a:rPr>
+              <a:t>Mockito </a:t>
+            </a:r>
+            <a:r>
+              <a:rPr lang="fr-FR" sz="2000" dirty="0" smtClean="0">
+                <a:solidFill>
+                  <a:schemeClr val="accent1">
+                    <a:lumMod val="75000"/>
+                  </a:schemeClr>
+                </a:solidFill>
+                <a:latin typeface="Century" pitchFamily="18" charset="0"/>
+                <a:ea typeface="Cambria" pitchFamily="18" charset="0"/>
+                <a:cs typeface="Times New Roman" pitchFamily="18" charset="0"/>
+              </a:rPr>
+              <a:t>qui s'interfacent </a:t>
+            </a:r>
+            <a:r>
+              <a:rPr lang="fr-FR" sz="2000" dirty="0" smtClean="0">
+                <a:solidFill>
+                  <a:schemeClr val="accent1">
+                    <a:lumMod val="75000"/>
+                  </a:schemeClr>
+                </a:solidFill>
+                <a:latin typeface="Century" pitchFamily="18" charset="0"/>
+                <a:ea typeface="Cambria" pitchFamily="18" charset="0"/>
+                <a:cs typeface="Times New Roman" pitchFamily="18" charset="0"/>
+              </a:rPr>
+              <a:t>avec JUnit </a:t>
+            </a:r>
+            <a:r>
+              <a:rPr lang="fr-FR" sz="2000" dirty="0" smtClean="0">
+                <a:solidFill>
+                  <a:schemeClr val="accent1">
+                    <a:lumMod val="75000"/>
+                  </a:schemeClr>
+                </a:solidFill>
+                <a:latin typeface="Century" pitchFamily="18" charset="0"/>
+                <a:ea typeface="Cambria" pitchFamily="18" charset="0"/>
+                <a:cs typeface="Times New Roman" pitchFamily="18" charset="0"/>
+              </a:rPr>
+              <a:t>et qui </a:t>
+            </a:r>
+            <a:r>
+              <a:rPr lang="fr-FR" sz="2000" dirty="0" smtClean="0">
+                <a:solidFill>
+                  <a:schemeClr val="accent1">
+                    <a:lumMod val="75000"/>
+                  </a:schemeClr>
+                </a:solidFill>
+                <a:latin typeface="Century" pitchFamily="18" charset="0"/>
+                <a:ea typeface="Cambria" pitchFamily="18" charset="0"/>
+                <a:cs typeface="Times New Roman" pitchFamily="18" charset="0"/>
+              </a:rPr>
+              <a:t>permet, entre autres, de faire des assertions sur des appels de méthodes et leurs arguments sans pour autant exécuter ces méthodes (grâce au principe du Mock).</a:t>
             </a:r>
           </a:p>
           <a:p>
@@ -6846,6 +7445,13 @@
   <p:transition>
     <p:fade/>
   </p:transition>
+  <p:timing>
+    <p:tnLst>
+      <p:par>
+        <p:cTn id="1" dur="indefinite" restart="never" nodeType="tmRoot"/>
+      </p:par>
+    </p:tnLst>
+  </p:timing>
 </p:sld>
 </file>
 
@@ -6974,33 +7580,7 @@
                 <a:ea typeface="Cambria" pitchFamily="18" charset="0"/>
                 <a:cs typeface="Times New Roman" pitchFamily="18" charset="0"/>
               </a:rPr>
-              <a:t>Dans la classe ParkingDataBaseIT: faut compléter les </a:t>
-            </a:r>
-            <a:r>
-              <a:rPr lang="fr-FR" sz="2000" dirty="0" smtClean="0">
-                <a:solidFill>
-                  <a:schemeClr val="accent1">
-                    <a:lumMod val="75000"/>
-                  </a:schemeClr>
-                </a:solidFill>
-                <a:latin typeface="Century" pitchFamily="18" charset="0"/>
-                <a:ea typeface="Cambria" pitchFamily="18" charset="0"/>
-                <a:cs typeface="Times New Roman" pitchFamily="18" charset="0"/>
-              </a:rPr>
-              <a:t>tests d intégrations </a:t>
-            </a:r>
-            <a:r>
-              <a:rPr lang="fr-FR" sz="2000" dirty="0" smtClean="0">
-                <a:solidFill>
-                  <a:schemeClr val="accent1">
-                    <a:lumMod val="75000"/>
-                  </a:schemeClr>
-                </a:solidFill>
-                <a:latin typeface="Century" pitchFamily="18" charset="0"/>
-                <a:ea typeface="Cambria" pitchFamily="18" charset="0"/>
-                <a:cs typeface="Times New Roman" pitchFamily="18" charset="0"/>
-              </a:rPr>
-              <a:t>marqués avec des commentaires "TODO"</a:t>
+              <a:t>Dans la classe ParkingDataBaseIT: faut compléter les tests d intégrations marqués avec des commentaires "TODO"</a:t>
             </a:r>
           </a:p>
           <a:p>
@@ -7079,6 +7659,13 @@
   <p:transition>
     <p:fade/>
   </p:transition>
+  <p:timing>
+    <p:tnLst>
+      <p:par>
+        <p:cTn id="1" dur="indefinite" restart="never" nodeType="tmRoot"/>
+      </p:par>
+    </p:tnLst>
+  </p:timing>
 </p:sld>
 </file>
 
@@ -7380,6 +7967,13 @@
   <p:transition>
     <p:fade/>
   </p:transition>
+  <p:timing>
+    <p:tnLst>
+      <p:par>
+        <p:cTn id="1" dur="indefinite" restart="never" nodeType="tmRoot"/>
+      </p:par>
+    </p:tnLst>
+  </p:timing>
 </p:sld>
 </file>
 
@@ -7402,27 +7996,25 @@
       </p:grpSpPr>
       <p:sp>
         <p:nvSpPr>
-          <p:cNvPr id="6" name="ZoneTexte 5"/>
-          <p:cNvSpPr txBox="1"/>
+          <p:cNvPr id="5" name="Rectangle 4"/>
+          <p:cNvSpPr/>
           <p:nvPr/>
         </p:nvSpPr>
         <p:spPr>
           <a:xfrm>
-            <a:off x="642910" y="571480"/>
-            <a:ext cx="7286676" cy="523220"/>
+            <a:off x="2000232" y="357166"/>
+            <a:ext cx="4572000" cy="523220"/>
           </a:xfrm>
           <a:prstGeom prst="rect">
             <a:avLst/>
           </a:prstGeom>
-          <a:noFill/>
         </p:spPr>
         <p:txBody>
-          <a:bodyPr wrap="square" rtlCol="0">
+          <a:bodyPr>
             <a:spAutoFit/>
           </a:bodyPr>
           <a:lstStyle/>
           <a:p>
-            <a:pPr algn="ctr"/>
             <a:r>
               <a:rPr lang="fr-FR" sz="2800" b="1" cap="all" dirty="0" smtClean="0">
                 <a:ln w="0"/>
@@ -7467,64 +8059,21 @@
                   <a:reflection blurRad="12700" stA="50000" endPos="50000" dist="5000" dir="5400000" sy="-100000" rotWithShape="0"/>
                 </a:effectLst>
               </a:rPr>
-              <a:t>Conclusion</a:t>
-            </a:r>
-            <a:endParaRPr lang="fr-FR" sz="2800" b="1" cap="all" dirty="0">
-              <a:ln w="0"/>
-              <a:gradFill flip="none">
-                <a:gsLst>
-                  <a:gs pos="0">
-                    <a:schemeClr val="accent1">
-                      <a:tint val="75000"/>
-                      <a:shade val="75000"/>
-                      <a:satMod val="170000"/>
-                    </a:schemeClr>
-                  </a:gs>
-                  <a:gs pos="49000">
-                    <a:schemeClr val="accent1">
-                      <a:tint val="88000"/>
-                      <a:shade val="65000"/>
-                      <a:satMod val="172000"/>
-                    </a:schemeClr>
-                  </a:gs>
-                  <a:gs pos="50000">
-                    <a:schemeClr val="accent1">
-                      <a:shade val="65000"/>
-                      <a:satMod val="130000"/>
-                    </a:schemeClr>
-                  </a:gs>
-                  <a:gs pos="92000">
-                    <a:schemeClr val="accent1">
-                      <a:shade val="50000"/>
-                      <a:satMod val="120000"/>
-                    </a:schemeClr>
-                  </a:gs>
-                  <a:gs pos="100000">
-                    <a:schemeClr val="accent1">
-                      <a:shade val="48000"/>
-                      <a:satMod val="120000"/>
-                    </a:schemeClr>
-                  </a:gs>
-                </a:gsLst>
-                <a:lin ang="5400000"/>
-              </a:gradFill>
-              <a:effectLst>
-                <a:reflection blurRad="12700" stA="50000" endPos="50000" dist="5000" dir="5400000" sy="-100000" rotWithShape="0"/>
-              </a:effectLst>
-            </a:endParaRPr>
-          </a:p>
-        </p:txBody>
-      </p:sp>
-      <p:sp>
-        <p:nvSpPr>
-          <p:cNvPr id="3" name="ZoneTexte 2"/>
+              <a:t>contraintes rencontrées</a:t>
+            </a:r>
+          </a:p>
+        </p:txBody>
+      </p:sp>
+      <p:sp>
+        <p:nvSpPr>
+          <p:cNvPr id="6" name="ZoneTexte 5"/>
           <p:cNvSpPr txBox="1"/>
           <p:nvPr/>
         </p:nvSpPr>
         <p:spPr>
           <a:xfrm>
-            <a:off x="714348" y="1619329"/>
-            <a:ext cx="7643866" cy="830997"/>
+            <a:off x="500034" y="2000240"/>
+            <a:ext cx="8643966" cy="2585323"/>
           </a:xfrm>
           <a:prstGeom prst="rect">
             <a:avLst/>
@@ -7537,6 +8086,62 @@
           </a:bodyPr>
           <a:lstStyle/>
           <a:p>
+            <a:pPr>
+              <a:buFont typeface="Arial" pitchFamily="34" charset="0"/>
+              <a:buChar char="•"/>
+            </a:pPr>
+            <a:r>
+              <a:rPr lang="fr-FR" sz="2400" dirty="0" smtClean="0">
+                <a:solidFill>
+                  <a:schemeClr val="accent1">
+                    <a:lumMod val="75000"/>
+                  </a:schemeClr>
+                </a:solidFill>
+                <a:latin typeface="Centaur" pitchFamily="18" charset="0"/>
+                <a:ea typeface="ＭＳ Ｐゴシック" charset="0"/>
+                <a:cs typeface="Calibri" pitchFamily="34" charset="0"/>
+              </a:rPr>
+              <a:t>Difficulté à comprendre </a:t>
+            </a:r>
+            <a:r>
+              <a:rPr lang="fr-FR" sz="2400" dirty="0" smtClean="0">
+                <a:solidFill>
+                  <a:schemeClr val="accent1">
+                    <a:lumMod val="75000"/>
+                  </a:schemeClr>
+                </a:solidFill>
+                <a:latin typeface="Centaur" pitchFamily="18" charset="0"/>
+                <a:ea typeface="ＭＳ Ｐゴシック" charset="0"/>
+                <a:cs typeface="Calibri" pitchFamily="34" charset="0"/>
+              </a:rPr>
+              <a:t>le besoin au </a:t>
+            </a:r>
+            <a:r>
+              <a:rPr lang="fr-FR" sz="2400" dirty="0" smtClean="0">
+                <a:solidFill>
+                  <a:schemeClr val="accent1">
+                    <a:lumMod val="75000"/>
+                  </a:schemeClr>
+                </a:solidFill>
+                <a:latin typeface="Centaur" pitchFamily="18" charset="0"/>
+                <a:ea typeface="ＭＳ Ｐゴシック" charset="0"/>
+                <a:cs typeface="Calibri" pitchFamily="34" charset="0"/>
+              </a:rPr>
+              <a:t>début surtout si  c'est la première fois qu’ on </a:t>
+            </a:r>
+            <a:r>
+              <a:rPr lang="fr-FR" sz="2400" dirty="0" smtClean="0">
+                <a:solidFill>
+                  <a:schemeClr val="accent1">
+                    <a:lumMod val="75000"/>
+                  </a:schemeClr>
+                </a:solidFill>
+                <a:latin typeface="Centaur" pitchFamily="18" charset="0"/>
+                <a:ea typeface="ＭＳ Ｐゴシック" charset="0"/>
+                <a:cs typeface="Calibri" pitchFamily="34" charset="0"/>
+              </a:rPr>
+              <a:t>utilise le testing en java.</a:t>
+            </a:r>
             <a:endParaRPr lang="fr-FR" sz="2400" dirty="0" smtClean="0">
               <a:solidFill>
                 <a:schemeClr val="accent1">
@@ -7559,6 +8164,68 @@
               <a:ea typeface="ＭＳ Ｐゴシック" charset="0"/>
               <a:cs typeface="Calibri" pitchFamily="34" charset="0"/>
             </a:endParaRPr>
+          </a:p>
+          <a:p>
+            <a:pPr>
+              <a:buFont typeface="Arial" pitchFamily="34" charset="0"/>
+              <a:buChar char="•"/>
+            </a:pPr>
+            <a:r>
+              <a:rPr lang="fr-FR" sz="2400" dirty="0" smtClean="0">
+                <a:solidFill>
+                  <a:schemeClr val="accent1">
+                    <a:lumMod val="75000"/>
+                  </a:schemeClr>
+                </a:solidFill>
+                <a:latin typeface="Centaur" pitchFamily="18" charset="0"/>
+                <a:ea typeface="ＭＳ Ｐゴシック" charset="0"/>
+                <a:cs typeface="Calibri" pitchFamily="34" charset="0"/>
+              </a:rPr>
+              <a:t>Appliquer les bonnes pratiques.</a:t>
+            </a:r>
+          </a:p>
+          <a:p>
+            <a:r>
+              <a:rPr lang="fr-FR" sz="2400" dirty="0" smtClean="0">
+                <a:solidFill>
+                  <a:schemeClr val="accent1">
+                    <a:lumMod val="75000"/>
+                  </a:schemeClr>
+                </a:solidFill>
+                <a:latin typeface="Centaur" pitchFamily="18" charset="0"/>
+                <a:ea typeface="ＭＳ Ｐゴシック" charset="0"/>
+                <a:cs typeface="Calibri" pitchFamily="34" charset="0"/>
+              </a:rPr>
+              <a:t> </a:t>
+            </a:r>
+            <a:endParaRPr lang="fr-FR" sz="2400" dirty="0" smtClean="0">
+              <a:solidFill>
+                <a:schemeClr val="accent1">
+                  <a:lumMod val="75000"/>
+                </a:schemeClr>
+              </a:solidFill>
+              <a:latin typeface="Centaur" pitchFamily="18" charset="0"/>
+              <a:ea typeface="ＭＳ Ｐゴシック" charset="0"/>
+              <a:cs typeface="Calibri" pitchFamily="34" charset="0"/>
+            </a:endParaRPr>
+          </a:p>
+          <a:p>
+            <a:r>
+              <a:rPr lang="fr-FR" sz="2400" dirty="0" smtClean="0">
+                <a:solidFill>
+                  <a:schemeClr val="accent1">
+                    <a:lumMod val="75000"/>
+                  </a:schemeClr>
+                </a:solidFill>
+                <a:latin typeface="Centaur" pitchFamily="18" charset="0"/>
+                <a:ea typeface="ＭＳ Ｐゴシック" charset="0"/>
+                <a:cs typeface="Calibri" pitchFamily="34" charset="0"/>
+              </a:rPr>
+              <a:t> </a:t>
+            </a:r>
+          </a:p>
+          <a:p>
+            <a:endParaRPr lang="fr-FR" dirty="0"/>
           </a:p>
         </p:txBody>
       </p:sp>

--- a/p5_kaloui-sanaa-presentation.pptx
+++ b/p5_kaloui-sanaa-presentation.pptx
@@ -522,7 +522,7 @@
     </p:spTree>
     <p:extLst>
       <p:ext uri="{BB962C8B-B14F-4D97-AF65-F5344CB8AC3E}">
-        <p14:creationId xmlns:p14="http://schemas.microsoft.com/office/powerpoint/2010/main" xmlns="" val="4275570066"/>
+        <p14:creationId xmlns="" xmlns:p14="http://schemas.microsoft.com/office/powerpoint/2010/main" val="4275570066"/>
       </p:ext>
     </p:extLst>
   </p:cSld>
@@ -1564,7 +1564,7 @@
           <p:cNvPr id="19" name="Picture 18">
             <a:extLst>
               <a:ext uri="{FF2B5EF4-FFF2-40B4-BE49-F238E27FC236}">
-                <a16:creationId xmlns:a16="http://schemas.microsoft.com/office/drawing/2014/main" xmlns="" id="{C7EB5592-C2B2-0D43-9D50-9C28DF4DC07C}"/>
+                <a16:creationId xmlns="" xmlns:a16="http://schemas.microsoft.com/office/drawing/2014/main" id="{C7EB5592-C2B2-0D43-9D50-9C28DF4DC07C}"/>
               </a:ext>
             </a:extLst>
           </p:cNvPr>
@@ -1577,7 +1577,7 @@
           <a:blip r:embed="rId2" cstate="screen">
             <a:extLst>
               <a:ext uri="{28A0092B-C50C-407E-A947-70E740481C1C}">
-                <a14:useLocalDpi xmlns:a14="http://schemas.microsoft.com/office/drawing/2010/main" xmlns=""/>
+                <a14:useLocalDpi xmlns="" xmlns:a14="http://schemas.microsoft.com/office/drawing/2010/main"/>
               </a:ext>
             </a:extLst>
           </a:blip>
@@ -1600,7 +1600,7 @@
           <p:cNvPr id="25" name="Picture 24">
             <a:extLst>
               <a:ext uri="{FF2B5EF4-FFF2-40B4-BE49-F238E27FC236}">
-                <a16:creationId xmlns:a16="http://schemas.microsoft.com/office/drawing/2014/main" xmlns="" id="{53424396-1ABB-C24B-ACCA-76C9FDCCCAA7}"/>
+                <a16:creationId xmlns="" xmlns:a16="http://schemas.microsoft.com/office/drawing/2014/main" id="{53424396-1ABB-C24B-ACCA-76C9FDCCCAA7}"/>
               </a:ext>
             </a:extLst>
           </p:cNvPr>
@@ -1614,7 +1614,7 @@
             <a:alphaModFix amt="54000"/>
             <a:extLst>
               <a:ext uri="{28A0092B-C50C-407E-A947-70E740481C1C}">
-                <a14:useLocalDpi xmlns:a14="http://schemas.microsoft.com/office/drawing/2010/main" xmlns=""/>
+                <a14:useLocalDpi xmlns="" xmlns:a14="http://schemas.microsoft.com/office/drawing/2010/main"/>
               </a:ext>
             </a:extLst>
           </a:blip>
@@ -1637,7 +1637,7 @@
           <p:cNvPr id="24" name="Picture 23">
             <a:extLst>
               <a:ext uri="{FF2B5EF4-FFF2-40B4-BE49-F238E27FC236}">
-                <a16:creationId xmlns:a16="http://schemas.microsoft.com/office/drawing/2014/main" xmlns="" id="{3B317941-75AD-CC4C-B1BC-FD1266AD5043}"/>
+                <a16:creationId xmlns="" xmlns:a16="http://schemas.microsoft.com/office/drawing/2014/main" id="{3B317941-75AD-CC4C-B1BC-FD1266AD5043}"/>
               </a:ext>
             </a:extLst>
           </p:cNvPr>
@@ -1650,7 +1650,7 @@
           <a:blip r:embed="rId4" cstate="screen">
             <a:extLst>
               <a:ext uri="{28A0092B-C50C-407E-A947-70E740481C1C}">
-                <a14:useLocalDpi xmlns:a14="http://schemas.microsoft.com/office/drawing/2010/main" xmlns=""/>
+                <a14:useLocalDpi xmlns="" xmlns:a14="http://schemas.microsoft.com/office/drawing/2010/main"/>
               </a:ext>
             </a:extLst>
           </a:blip>
@@ -2019,7 +2019,7 @@
           <p:cNvPr id="15" name="pasted-image.pdf" descr="pasted-image.pdf">
             <a:extLst>
               <a:ext uri="{FF2B5EF4-FFF2-40B4-BE49-F238E27FC236}">
-                <a16:creationId xmlns:a16="http://schemas.microsoft.com/office/drawing/2014/main" xmlns="" id="{971614F3-74FA-1349-B1B6-B73CF0A93053}"/>
+                <a16:creationId xmlns="" xmlns:a16="http://schemas.microsoft.com/office/drawing/2014/main" id="{971614F3-74FA-1349-B1B6-B73CF0A93053}"/>
               </a:ext>
             </a:extLst>
           </p:cNvPr>
@@ -2032,7 +2032,7 @@
           <a:blip r:embed="rId5" cstate="screen">
             <a:extLst>
               <a:ext uri="{28A0092B-C50C-407E-A947-70E740481C1C}">
-                <a14:useLocalDpi xmlns:a14="http://schemas.microsoft.com/office/drawing/2010/main" xmlns=""/>
+                <a14:useLocalDpi xmlns="" xmlns:a14="http://schemas.microsoft.com/office/drawing/2010/main"/>
               </a:ext>
             </a:extLst>
           </a:blip>
@@ -2058,7 +2058,7 @@
           <p:cNvPr id="4" name="Group 3">
             <a:extLst>
               <a:ext uri="{FF2B5EF4-FFF2-40B4-BE49-F238E27FC236}">
-                <a16:creationId xmlns:a16="http://schemas.microsoft.com/office/drawing/2014/main" xmlns="" id="{DB7C485F-51EF-0247-93E1-C6C36D8B8023}"/>
+                <a16:creationId xmlns="" xmlns:a16="http://schemas.microsoft.com/office/drawing/2014/main" id="{DB7C485F-51EF-0247-93E1-C6C36D8B8023}"/>
               </a:ext>
             </a:extLst>
           </p:cNvPr>
@@ -2078,7 +2078,7 @@
             <p:cNvPr id="13" name="Picture 12">
               <a:extLst>
                 <a:ext uri="{FF2B5EF4-FFF2-40B4-BE49-F238E27FC236}">
-                  <a16:creationId xmlns:a16="http://schemas.microsoft.com/office/drawing/2014/main" xmlns="" id="{6C38969F-F9E0-964C-A2AB-502E26747B0F}"/>
+                  <a16:creationId xmlns="" xmlns:a16="http://schemas.microsoft.com/office/drawing/2014/main" id="{6C38969F-F9E0-964C-A2AB-502E26747B0F}"/>
                 </a:ext>
               </a:extLst>
             </p:cNvPr>
@@ -2092,7 +2092,7 @@
               <a:alphaModFix amt="54000"/>
               <a:extLst>
                 <a:ext uri="{28A0092B-C50C-407E-A947-70E740481C1C}">
-                  <a14:useLocalDpi xmlns:a14="http://schemas.microsoft.com/office/drawing/2010/main" xmlns=""/>
+                  <a14:useLocalDpi xmlns="" xmlns:a14="http://schemas.microsoft.com/office/drawing/2010/main"/>
                 </a:ext>
               </a:extLst>
             </a:blip>
@@ -2115,7 +2115,7 @@
             <p:cNvPr id="16" name="Picture 15">
               <a:extLst>
                 <a:ext uri="{FF2B5EF4-FFF2-40B4-BE49-F238E27FC236}">
-                  <a16:creationId xmlns:a16="http://schemas.microsoft.com/office/drawing/2014/main" xmlns="" id="{F24688C7-865E-8448-BF28-340C41DCF4B1}"/>
+                  <a16:creationId xmlns="" xmlns:a16="http://schemas.microsoft.com/office/drawing/2014/main" id="{F24688C7-865E-8448-BF28-340C41DCF4B1}"/>
                 </a:ext>
               </a:extLst>
             </p:cNvPr>
@@ -2129,7 +2129,7 @@
               <a:alphaModFix amt="54000"/>
               <a:extLst>
                 <a:ext uri="{28A0092B-C50C-407E-A947-70E740481C1C}">
-                  <a14:useLocalDpi xmlns:a14="http://schemas.microsoft.com/office/drawing/2010/main" xmlns=""/>
+                  <a14:useLocalDpi xmlns="" xmlns:a14="http://schemas.microsoft.com/office/drawing/2010/main"/>
                 </a:ext>
               </a:extLst>
             </a:blip>
@@ -2152,7 +2152,7 @@
             <p:cNvPr id="14" name="Picture 13">
               <a:extLst>
                 <a:ext uri="{FF2B5EF4-FFF2-40B4-BE49-F238E27FC236}">
-                  <a16:creationId xmlns:a16="http://schemas.microsoft.com/office/drawing/2014/main" xmlns="" id="{9E31BE27-20CA-A147-9D7E-63AE9203A4E2}"/>
+                  <a16:creationId xmlns="" xmlns:a16="http://schemas.microsoft.com/office/drawing/2014/main" id="{9E31BE27-20CA-A147-9D7E-63AE9203A4E2}"/>
                 </a:ext>
               </a:extLst>
             </p:cNvPr>
@@ -2165,7 +2165,7 @@
             <a:blip r:embed="rId7" cstate="screen">
               <a:extLst>
                 <a:ext uri="{28A0092B-C50C-407E-A947-70E740481C1C}">
-                  <a14:useLocalDpi xmlns:a14="http://schemas.microsoft.com/office/drawing/2010/main" xmlns=""/>
+                  <a14:useLocalDpi xmlns="" xmlns:a14="http://schemas.microsoft.com/office/drawing/2010/main"/>
                 </a:ext>
               </a:extLst>
             </a:blip>
@@ -2189,7 +2189,7 @@
           <p:cNvPr id="20" name="Picture 19">
             <a:extLst>
               <a:ext uri="{FF2B5EF4-FFF2-40B4-BE49-F238E27FC236}">
-                <a16:creationId xmlns:a16="http://schemas.microsoft.com/office/drawing/2014/main" xmlns="" id="{C20BF5AF-61F1-4348-BAA3-134001BC6AC8}"/>
+                <a16:creationId xmlns="" xmlns:a16="http://schemas.microsoft.com/office/drawing/2014/main" id="{C20BF5AF-61F1-4348-BAA3-134001BC6AC8}"/>
               </a:ext>
             </a:extLst>
           </p:cNvPr>
@@ -2203,7 +2203,7 @@
             <a:alphaModFix amt="54000"/>
             <a:extLst>
               <a:ext uri="{28A0092B-C50C-407E-A947-70E740481C1C}">
-                <a14:useLocalDpi xmlns:a14="http://schemas.microsoft.com/office/drawing/2010/main" xmlns=""/>
+                <a14:useLocalDpi xmlns="" xmlns:a14="http://schemas.microsoft.com/office/drawing/2010/main"/>
               </a:ext>
             </a:extLst>
           </a:blip>
@@ -2226,7 +2226,7 @@
           <p:cNvPr id="22" name="Picture 21">
             <a:extLst>
               <a:ext uri="{FF2B5EF4-FFF2-40B4-BE49-F238E27FC236}">
-                <a16:creationId xmlns:a16="http://schemas.microsoft.com/office/drawing/2014/main" xmlns="" id="{364051FF-B810-7F47-AD66-7FC738416232}"/>
+                <a16:creationId xmlns="" xmlns:a16="http://schemas.microsoft.com/office/drawing/2014/main" id="{364051FF-B810-7F47-AD66-7FC738416232}"/>
               </a:ext>
             </a:extLst>
           </p:cNvPr>
@@ -2240,7 +2240,7 @@
             <a:alphaModFix amt="22000"/>
             <a:extLst>
               <a:ext uri="{28A0092B-C50C-407E-A947-70E740481C1C}">
-                <a14:useLocalDpi xmlns:a14="http://schemas.microsoft.com/office/drawing/2010/main" xmlns=""/>
+                <a14:useLocalDpi xmlns="" xmlns:a14="http://schemas.microsoft.com/office/drawing/2010/main"/>
               </a:ext>
             </a:extLst>
           </a:blip>
@@ -2270,7 +2270,7 @@
           <p:cNvPr id="23" name="Picture 22" descr="Cloud-the-Goat---Grazing.png">
             <a:extLst>
               <a:ext uri="{FF2B5EF4-FFF2-40B4-BE49-F238E27FC236}">
-                <a16:creationId xmlns:a16="http://schemas.microsoft.com/office/drawing/2014/main" xmlns="" id="{B3F869A3-8172-374F-BC43-74EB11069E29}"/>
+                <a16:creationId xmlns="" xmlns:a16="http://schemas.microsoft.com/office/drawing/2014/main" id="{B3F869A3-8172-374F-BC43-74EB11069E29}"/>
               </a:ext>
             </a:extLst>
           </p:cNvPr>
@@ -2283,7 +2283,7 @@
           <a:blip r:embed="rId8" cstate="screen">
             <a:extLst>
               <a:ext uri="{28A0092B-C50C-407E-A947-70E740481C1C}">
-                <a14:useLocalDpi xmlns:a14="http://schemas.microsoft.com/office/drawing/2010/main" xmlns=""/>
+                <a14:useLocalDpi xmlns="" xmlns:a14="http://schemas.microsoft.com/office/drawing/2010/main"/>
               </a:ext>
             </a:extLst>
           </a:blip>
@@ -2306,7 +2306,7 @@
           <p:cNvPr id="26" name="Picture 25">
             <a:extLst>
               <a:ext uri="{FF2B5EF4-FFF2-40B4-BE49-F238E27FC236}">
-                <a16:creationId xmlns:a16="http://schemas.microsoft.com/office/drawing/2014/main" xmlns="" id="{AAA0F863-5ED9-BF47-9E43-9B5A7E5D55EA}"/>
+                <a16:creationId xmlns="" xmlns:a16="http://schemas.microsoft.com/office/drawing/2014/main" id="{AAA0F863-5ED9-BF47-9E43-9B5A7E5D55EA}"/>
               </a:ext>
             </a:extLst>
           </p:cNvPr>
@@ -2320,7 +2320,7 @@
             <a:alphaModFix amt="22000"/>
             <a:extLst>
               <a:ext uri="{28A0092B-C50C-407E-A947-70E740481C1C}">
-                <a14:useLocalDpi xmlns:a14="http://schemas.microsoft.com/office/drawing/2010/main" xmlns=""/>
+                <a14:useLocalDpi xmlns="" xmlns:a14="http://schemas.microsoft.com/office/drawing/2010/main"/>
               </a:ext>
             </a:extLst>
           </a:blip>
@@ -2350,7 +2350,7 @@
           <p:cNvPr id="21" name="Picture 20">
             <a:extLst>
               <a:ext uri="{FF2B5EF4-FFF2-40B4-BE49-F238E27FC236}">
-                <a16:creationId xmlns:a16="http://schemas.microsoft.com/office/drawing/2014/main" xmlns="" id="{4D07FE5E-A6AA-884E-A18B-3D6ED3F41826}"/>
+                <a16:creationId xmlns="" xmlns:a16="http://schemas.microsoft.com/office/drawing/2014/main" id="{4D07FE5E-A6AA-884E-A18B-3D6ED3F41826}"/>
               </a:ext>
             </a:extLst>
           </p:cNvPr>
@@ -2364,7 +2364,7 @@
             <a:alphaModFix amt="54000"/>
             <a:extLst>
               <a:ext uri="{28A0092B-C50C-407E-A947-70E740481C1C}">
-                <a14:useLocalDpi xmlns:a14="http://schemas.microsoft.com/office/drawing/2010/main" xmlns=""/>
+                <a14:useLocalDpi xmlns="" xmlns:a14="http://schemas.microsoft.com/office/drawing/2010/main"/>
               </a:ext>
             </a:extLst>
           </a:blip>
@@ -2387,7 +2387,7 @@
           <p:cNvPr id="7" name="Picture 6">
             <a:extLst>
               <a:ext uri="{FF2B5EF4-FFF2-40B4-BE49-F238E27FC236}">
-                <a16:creationId xmlns:a16="http://schemas.microsoft.com/office/drawing/2014/main" xmlns="" id="{4EDC2888-59E3-7440-9896-4A8645F97492}"/>
+                <a16:creationId xmlns="" xmlns:a16="http://schemas.microsoft.com/office/drawing/2014/main" id="{4EDC2888-59E3-7440-9896-4A8645F97492}"/>
               </a:ext>
             </a:extLst>
           </p:cNvPr>
@@ -2400,7 +2400,7 @@
           <a:blip r:embed="rId9" cstate="screen">
             <a:extLst>
               <a:ext uri="{28A0092B-C50C-407E-A947-70E740481C1C}">
-                <a14:useLocalDpi xmlns:a14="http://schemas.microsoft.com/office/drawing/2010/main" xmlns=""/>
+                <a14:useLocalDpi xmlns="" xmlns:a14="http://schemas.microsoft.com/office/drawing/2010/main"/>
               </a:ext>
             </a:extLst>
           </a:blip>
@@ -2421,7 +2421,7 @@
     </p:spTree>
     <p:extLst>
       <p:ext uri="{BB962C8B-B14F-4D97-AF65-F5344CB8AC3E}">
-        <p14:creationId xmlns:p14="http://schemas.microsoft.com/office/powerpoint/2010/main" xmlns="" val="3373851088"/>
+        <p14:creationId xmlns="" xmlns:p14="http://schemas.microsoft.com/office/powerpoint/2010/main" val="3373851088"/>
       </p:ext>
     </p:extLst>
   </p:cSld>
@@ -2456,7 +2456,7 @@
           <p:cNvPr id="19" name="Picture 18">
             <a:extLst>
               <a:ext uri="{FF2B5EF4-FFF2-40B4-BE49-F238E27FC236}">
-                <a16:creationId xmlns:a16="http://schemas.microsoft.com/office/drawing/2014/main" xmlns="" id="{C813E119-9FD7-D446-B03F-ED372D4DE5DA}"/>
+                <a16:creationId xmlns="" xmlns:a16="http://schemas.microsoft.com/office/drawing/2014/main" id="{C813E119-9FD7-D446-B03F-ED372D4DE5DA}"/>
               </a:ext>
             </a:extLst>
           </p:cNvPr>
@@ -2470,7 +2470,7 @@
             <a:alphaModFix amt="80000"/>
             <a:extLst>
               <a:ext uri="{28A0092B-C50C-407E-A947-70E740481C1C}">
-                <a14:useLocalDpi xmlns:a14="http://schemas.microsoft.com/office/drawing/2010/main" xmlns=""/>
+                <a14:useLocalDpi xmlns="" xmlns:a14="http://schemas.microsoft.com/office/drawing/2010/main"/>
               </a:ext>
             </a:extLst>
           </a:blip>
@@ -2673,7 +2673,7 @@
           <a:blip r:embed="rId3" cstate="screen">
             <a:extLst>
               <a:ext uri="{28A0092B-C50C-407E-A947-70E740481C1C}">
-                <a14:useLocalDpi xmlns:a14="http://schemas.microsoft.com/office/drawing/2010/main" xmlns=""/>
+                <a14:useLocalDpi xmlns="" xmlns:a14="http://schemas.microsoft.com/office/drawing/2010/main"/>
               </a:ext>
             </a:extLst>
           </a:blip>
@@ -2699,7 +2699,7 @@
           <p:cNvPr id="11" name="Footer Placeholder 3">
             <a:extLst>
               <a:ext uri="{FF2B5EF4-FFF2-40B4-BE49-F238E27FC236}">
-                <a16:creationId xmlns:a16="http://schemas.microsoft.com/office/drawing/2014/main" xmlns="" id="{D34182B3-BC83-574F-BEFD-A10EC2325B88}"/>
+                <a16:creationId xmlns="" xmlns:a16="http://schemas.microsoft.com/office/drawing/2014/main" id="{D34182B3-BC83-574F-BEFD-A10EC2325B88}"/>
               </a:ext>
             </a:extLst>
           </p:cNvPr>
@@ -2749,7 +2749,7 @@
           <p:cNvPr id="2" name="Title 1">
             <a:extLst>
               <a:ext uri="{FF2B5EF4-FFF2-40B4-BE49-F238E27FC236}">
-                <a16:creationId xmlns:a16="http://schemas.microsoft.com/office/drawing/2014/main" xmlns="" id="{5ADE0D96-7C21-4589-BD0C-0F1AC3C6C7E7}"/>
+                <a16:creationId xmlns="" xmlns:a16="http://schemas.microsoft.com/office/drawing/2014/main" id="{5ADE0D96-7C21-4589-BD0C-0F1AC3C6C7E7}"/>
               </a:ext>
             </a:extLst>
           </p:cNvPr>
@@ -2776,7 +2776,7 @@
     </p:spTree>
     <p:extLst>
       <p:ext uri="{BB962C8B-B14F-4D97-AF65-F5344CB8AC3E}">
-        <p14:creationId xmlns:p14="http://schemas.microsoft.com/office/powerpoint/2010/main" xmlns="" val="2681145133"/>
+        <p14:creationId xmlns="" xmlns:p14="http://schemas.microsoft.com/office/powerpoint/2010/main" val="2681145133"/>
       </p:ext>
     </p:extLst>
   </p:cSld>
@@ -2830,7 +2830,7 @@
           <p:cNvPr id="5" name="Google Shape;362;p55">
             <a:extLst>
               <a:ext uri="{FF2B5EF4-FFF2-40B4-BE49-F238E27FC236}">
-                <a16:creationId xmlns="" xmlns:a16="http://schemas.microsoft.com/office/drawing/2014/main" id="{B194211E-B6CF-124C-A97F-843FC114B6E9}"/>
+                <a16:creationId xmlns:a16="http://schemas.microsoft.com/office/drawing/2014/main" xmlns="" id="{B194211E-B6CF-124C-A97F-843FC114B6E9}"/>
               </a:ext>
             </a:extLst>
           </p:cNvPr>
@@ -2842,7 +2842,7 @@
             <a:alphaModFix/>
             <a:extLst>
               <a:ext uri="{28A0092B-C50C-407E-A947-70E740481C1C}">
-                <a14:useLocalDpi xmlns="" xmlns:a14="http://schemas.microsoft.com/office/drawing/2010/main"/>
+                <a14:useLocalDpi xmlns:a14="http://schemas.microsoft.com/office/drawing/2010/main" xmlns=""/>
               </a:ext>
             </a:extLst>
           </a:blip>
@@ -2875,7 +2875,7 @@
           <a:blip r:embed="rId3" cstate="screen">
             <a:extLst>
               <a:ext uri="{28A0092B-C50C-407E-A947-70E740481C1C}">
-                <a14:useLocalDpi xmlns="" xmlns:a14="http://schemas.microsoft.com/office/drawing/2010/main"/>
+                <a14:useLocalDpi xmlns:a14="http://schemas.microsoft.com/office/drawing/2010/main" xmlns=""/>
               </a:ext>
             </a:extLst>
           </a:blip>
@@ -2898,7 +2898,7 @@
           <p:cNvPr id="4" name="Picture 3">
             <a:extLst>
               <a:ext uri="{FF2B5EF4-FFF2-40B4-BE49-F238E27FC236}">
-                <a16:creationId xmlns="" xmlns:a16="http://schemas.microsoft.com/office/drawing/2014/main" id="{CF2E9877-22A5-7E47-ACD2-1589BC5FEB7B}"/>
+                <a16:creationId xmlns:a16="http://schemas.microsoft.com/office/drawing/2014/main" xmlns="" id="{CF2E9877-22A5-7E47-ACD2-1589BC5FEB7B}"/>
               </a:ext>
             </a:extLst>
           </p:cNvPr>
@@ -2926,7 +2926,7 @@
     </p:spTree>
     <p:extLst>
       <p:ext uri="{BB962C8B-B14F-4D97-AF65-F5344CB8AC3E}">
-        <p14:creationId xmlns="" xmlns:p14="http://schemas.microsoft.com/office/powerpoint/2010/main" val="3956320057"/>
+        <p14:creationId xmlns:p14="http://schemas.microsoft.com/office/powerpoint/2010/main" xmlns="" val="3956320057"/>
       </p:ext>
     </p:extLst>
   </p:cSld>
@@ -5616,7 +5616,7 @@
     </p:spTree>
     <p:extLst>
       <p:ext uri="{BB962C8B-B14F-4D97-AF65-F5344CB8AC3E}">
-        <p14:creationId xmlns:p14="http://schemas.microsoft.com/office/powerpoint/2010/main" xmlns="" val="1452348287"/>
+        <p14:creationId xmlns="" xmlns:p14="http://schemas.microsoft.com/office/powerpoint/2010/main" val="1452348287"/>
       </p:ext>
     </p:extLst>
   </p:cSld>
@@ -5851,20 +5851,7 @@
                 <a:ea typeface="ＭＳ Ｐゴシック" charset="0"/>
                 <a:cs typeface="Calibri" pitchFamily="34" charset="0"/>
               </a:rPr>
-              <a:t>Jai pu apprendre et maitriser a travers ce projet  , les fondamentaux du </a:t>
-            </a:r>
-            <a:r>
-              <a:rPr lang="fr-FR" sz="2400" dirty="0" smtClean="0">
-                <a:solidFill>
-                  <a:schemeClr val="accent1">
-                    <a:lumMod val="75000"/>
-                  </a:schemeClr>
-                </a:solidFill>
-                <a:latin typeface="Centaur" pitchFamily="18" charset="0"/>
-                <a:ea typeface="ＭＳ Ｐゴシック" charset="0"/>
-                <a:cs typeface="Calibri" pitchFamily="34" charset="0"/>
-              </a:rPr>
-              <a:t>testing en Java:</a:t>
+              <a:t>Jai pu apprendre et maitriser a travers ce projet  , les fondamentaux du testing en Java:</a:t>
             </a:r>
           </a:p>
           <a:p>
@@ -5917,31 +5904,8 @@
                 <a:ea typeface="ＭＳ Ｐゴシック" charset="0"/>
                 <a:cs typeface="Calibri" pitchFamily="34" charset="0"/>
               </a:rPr>
-              <a:t>la </a:t>
-            </a:r>
-            <a:r>
-              <a:rPr lang="fr-FR" sz="2400" dirty="0" smtClean="0">
-                <a:solidFill>
-                  <a:schemeClr val="accent1">
-                    <a:lumMod val="75000"/>
-                  </a:schemeClr>
-                </a:solidFill>
-                <a:latin typeface="Centaur" pitchFamily="18" charset="0"/>
-                <a:ea typeface="ＭＳ Ｐゴシック" charset="0"/>
-                <a:cs typeface="Calibri" pitchFamily="34" charset="0"/>
-              </a:rPr>
-              <a:t>création de tests et leur exécution grâce à des plugins Maven.</a:t>
-            </a:r>
-            <a:endParaRPr lang="fr-FR" sz="2400" dirty="0" smtClean="0">
-              <a:solidFill>
-                <a:schemeClr val="accent1">
-                  <a:lumMod val="75000"/>
-                </a:schemeClr>
-              </a:solidFill>
-              <a:latin typeface="Centaur" pitchFamily="18" charset="0"/>
-              <a:ea typeface="ＭＳ Ｐゴシック" charset="0"/>
-              <a:cs typeface="Calibri" pitchFamily="34" charset="0"/>
-            </a:endParaRPr>
+              <a:t>la création de tests et leur exécution grâce à des plugins Maven.</a:t>
+            </a:r>
           </a:p>
         </p:txBody>
       </p:sp>
@@ -5983,16 +5947,6 @@
               </a:rPr>
               <a:t>observer la couverture de code pour chaque niveau de test,grace aux couvrage fournit par le  plugin Jacoco.</a:t>
             </a:r>
-            <a:endParaRPr lang="fr-FR" sz="2400" dirty="0" smtClean="0">
-              <a:solidFill>
-                <a:schemeClr val="accent1">
-                  <a:lumMod val="75000"/>
-                </a:schemeClr>
-              </a:solidFill>
-              <a:latin typeface="Centaur" pitchFamily="18" charset="0"/>
-              <a:ea typeface="ＭＳ Ｐゴシック" charset="0"/>
-              <a:cs typeface="Calibri" pitchFamily="34" charset="0"/>
-            </a:endParaRPr>
           </a:p>
         </p:txBody>
       </p:sp>
@@ -6034,7 +5988,7 @@
     </p:spTree>
     <p:extLst>
       <p:ext uri="{BB962C8B-B14F-4D97-AF65-F5344CB8AC3E}">
-        <p14:creationId xmlns="" xmlns:p14="http://schemas.microsoft.com/office/powerpoint/2010/main" val="4166242014"/>
+        <p14:creationId xmlns:p14="http://schemas.microsoft.com/office/powerpoint/2010/main" xmlns="" val="4166242014"/>
       </p:ext>
     </p:extLst>
   </p:cSld>
@@ -6215,7 +6169,46 @@
                 <a:ea typeface="Cambria" pitchFamily="18" charset="0"/>
                 <a:cs typeface="Times New Roman" pitchFamily="18" charset="0"/>
               </a:rPr>
-              <a:t>Le but d'un test est de vérifier qu'une fonctionnalité fait ce que l'on attend d'elle.</a:t>
+              <a:t>Le but d'un </a:t>
+            </a:r>
+            <a:r>
+              <a:rPr lang="fr-FR" sz="2000" dirty="0" smtClean="0">
+                <a:solidFill>
+                  <a:schemeClr val="accent1">
+                    <a:lumMod val="75000"/>
+                  </a:schemeClr>
+                </a:solidFill>
+                <a:latin typeface="Century" pitchFamily="18" charset="0"/>
+                <a:ea typeface="Cambria" pitchFamily="18" charset="0"/>
+                <a:cs typeface="Times New Roman" pitchFamily="18" charset="0"/>
+              </a:rPr>
+              <a:t>test </a:t>
+            </a:r>
+            <a:r>
+              <a:rPr lang="fr-FR" sz="2000" smtClean="0">
+                <a:solidFill>
+                  <a:schemeClr val="accent1">
+                    <a:lumMod val="75000"/>
+                  </a:schemeClr>
+                </a:solidFill>
+                <a:latin typeface="Century" pitchFamily="18" charset="0"/>
+                <a:ea typeface="Cambria" pitchFamily="18" charset="0"/>
+                <a:cs typeface="Times New Roman" pitchFamily="18" charset="0"/>
+              </a:rPr>
+              <a:t>en programmation  </a:t>
+            </a:r>
+            <a:r>
+              <a:rPr lang="fr-FR" sz="2000" dirty="0" smtClean="0">
+                <a:solidFill>
+                  <a:schemeClr val="accent1">
+                    <a:lumMod val="75000"/>
+                  </a:schemeClr>
+                </a:solidFill>
+                <a:latin typeface="Century" pitchFamily="18" charset="0"/>
+                <a:ea typeface="Cambria" pitchFamily="18" charset="0"/>
+                <a:cs typeface="Times New Roman" pitchFamily="18" charset="0"/>
+              </a:rPr>
+              <a:t>est de vérifier qu'une fonctionnalité fait ce que l'on attend d'elle.</a:t>
             </a:r>
           </a:p>
           <a:p>
@@ -6398,21 +6391,10 @@
                 <a:ea typeface="Cambria" pitchFamily="18" charset="0"/>
                 <a:cs typeface="Times New Roman" pitchFamily="18" charset="0"/>
               </a:rPr>
-              <a:t>Un test unitaire permet de tester le bon fonctionnement d’une partie précise et ciblée d’un programme. </a:t>
-            </a:r>
-            <a:r>
-              <a:rPr lang="fr-FR" sz="2000" dirty="0" smtClean="0">
-                <a:solidFill>
-                  <a:schemeClr val="accent1">
-                    <a:lumMod val="75000"/>
-                  </a:schemeClr>
-                </a:solidFill>
-                <a:latin typeface="Century" pitchFamily="18" charset="0"/>
-                <a:ea typeface="Cambria" pitchFamily="18" charset="0"/>
-                <a:cs typeface="Times New Roman" pitchFamily="18" charset="0"/>
-              </a:rPr>
-              <a:t>Il permet de vérifier que le comportement d’une application est correct. </a:t>
-            </a:r>
+              <a:t>Un test unitaire permet de tester le bon fonctionnement d’une partie précise et ciblée d’un programme. Il permet de vérifier que le comportement d’une application est correct. </a:t>
+            </a:r>
+          </a:p>
+          <a:p>
             <a:endParaRPr lang="fr-FR" sz="2000" dirty="0" smtClean="0">
               <a:solidFill>
                 <a:schemeClr val="accent1">
@@ -6425,6 +6407,25 @@
             </a:endParaRPr>
           </a:p>
           <a:p>
+            <a:pPr lvl="2">
+              <a:buFont typeface="Arial" pitchFamily="34" charset="0"/>
+              <a:buChar char="•"/>
+            </a:pPr>
+            <a:r>
+              <a:rPr lang="fr-FR" sz="2000" dirty="0" smtClean="0">
+                <a:solidFill>
+                  <a:schemeClr val="accent1">
+                    <a:lumMod val="75000"/>
+                  </a:schemeClr>
+                </a:solidFill>
+                <a:latin typeface="Century" pitchFamily="18" charset="0"/>
+                <a:ea typeface="Cambria" pitchFamily="18" charset="0"/>
+                <a:cs typeface="Times New Roman" pitchFamily="18" charset="0"/>
+              </a:rPr>
+              <a:t>ils sont faciles et rapides à écrire . </a:t>
+            </a:r>
+          </a:p>
+          <a:p>
             <a:endParaRPr lang="fr-FR" sz="2000" dirty="0" smtClean="0">
               <a:solidFill>
                 <a:schemeClr val="accent1">
@@ -6452,21 +6453,10 @@
                 <a:ea typeface="Cambria" pitchFamily="18" charset="0"/>
                 <a:cs typeface="Times New Roman" pitchFamily="18" charset="0"/>
               </a:rPr>
-              <a:t>ils sont faciles et rapides à écrire </a:t>
-            </a:r>
-            <a:r>
-              <a:rPr lang="fr-FR" sz="2000" dirty="0" smtClean="0">
-                <a:solidFill>
-                  <a:schemeClr val="accent1">
-                    <a:lumMod val="75000"/>
-                  </a:schemeClr>
-                </a:solidFill>
-                <a:latin typeface="Century" pitchFamily="18" charset="0"/>
-                <a:ea typeface="Cambria" pitchFamily="18" charset="0"/>
-                <a:cs typeface="Times New Roman" pitchFamily="18" charset="0"/>
-              </a:rPr>
-              <a:t>. </a:t>
-            </a:r>
+              <a:t>ils permettent de savoir rapidement si le code fonctionne comme prévu .</a:t>
+            </a:r>
+          </a:p>
+          <a:p>
             <a:endParaRPr lang="fr-FR" sz="2000" dirty="0" smtClean="0">
               <a:solidFill>
                 <a:schemeClr val="accent1">
@@ -6479,59 +6469,6 @@
             </a:endParaRPr>
           </a:p>
           <a:p>
-            <a:endParaRPr lang="fr-FR" sz="2000" dirty="0" smtClean="0">
-              <a:solidFill>
-                <a:schemeClr val="accent1">
-                  <a:lumMod val="75000"/>
-                </a:schemeClr>
-              </a:solidFill>
-              <a:latin typeface="Century" pitchFamily="18" charset="0"/>
-              <a:ea typeface="Cambria" pitchFamily="18" charset="0"/>
-              <a:cs typeface="Times New Roman" pitchFamily="18" charset="0"/>
-            </a:endParaRPr>
-          </a:p>
-          <a:p>
-            <a:pPr lvl="2">
-              <a:buFont typeface="Arial" pitchFamily="34" charset="0"/>
-              <a:buChar char="•"/>
-            </a:pPr>
-            <a:r>
-              <a:rPr lang="fr-FR" sz="2000" dirty="0" smtClean="0">
-                <a:solidFill>
-                  <a:schemeClr val="accent1">
-                    <a:lumMod val="75000"/>
-                  </a:schemeClr>
-                </a:solidFill>
-                <a:latin typeface="Century" pitchFamily="18" charset="0"/>
-                <a:ea typeface="Cambria" pitchFamily="18" charset="0"/>
-                <a:cs typeface="Times New Roman" pitchFamily="18" charset="0"/>
-              </a:rPr>
-              <a:t>ils permettent de savoir rapidement si le code fonctionne comme prévu .</a:t>
-            </a:r>
-            <a:endParaRPr lang="fr-FR" sz="2000" dirty="0" smtClean="0">
-              <a:solidFill>
-                <a:schemeClr val="accent1">
-                  <a:lumMod val="75000"/>
-                </a:schemeClr>
-              </a:solidFill>
-              <a:latin typeface="Century" pitchFamily="18" charset="0"/>
-              <a:ea typeface="Cambria" pitchFamily="18" charset="0"/>
-              <a:cs typeface="Times New Roman" pitchFamily="18" charset="0"/>
-            </a:endParaRPr>
-          </a:p>
-          <a:p>
-            <a:endParaRPr lang="fr-FR" sz="2000" dirty="0" smtClean="0">
-              <a:solidFill>
-                <a:schemeClr val="accent1">
-                  <a:lumMod val="75000"/>
-                </a:schemeClr>
-              </a:solidFill>
-              <a:latin typeface="Century" pitchFamily="18" charset="0"/>
-              <a:ea typeface="Cambria" pitchFamily="18" charset="0"/>
-              <a:cs typeface="Times New Roman" pitchFamily="18" charset="0"/>
-            </a:endParaRPr>
-          </a:p>
-          <a:p>
             <a:pPr lvl="2">
               <a:buFont typeface="Arial" pitchFamily="34" charset="0"/>
               <a:buChar char="•"/>
@@ -6549,16 +6486,6 @@
               </a:rPr>
               <a:t>ils rendent les applications facilement modifiables .</a:t>
             </a:r>
-            <a:endParaRPr lang="fr-FR" sz="2000" dirty="0" smtClean="0">
-              <a:solidFill>
-                <a:schemeClr val="accent1">
-                  <a:lumMod val="75000"/>
-                </a:schemeClr>
-              </a:solidFill>
-              <a:latin typeface="Century" pitchFamily="18" charset="0"/>
-              <a:ea typeface="Cambria" pitchFamily="18" charset="0"/>
-              <a:cs typeface="Times New Roman" pitchFamily="18" charset="0"/>
-            </a:endParaRPr>
           </a:p>
           <a:p>
             <a:endParaRPr lang="fr-FR" sz="2000" dirty="0" smtClean="0"/>
@@ -6704,20 +6631,7 @@
                 <a:ea typeface="Cambria" pitchFamily="18" charset="0"/>
                 <a:cs typeface="Times New Roman" pitchFamily="18" charset="0"/>
               </a:rPr>
-              <a:t>     Ya </a:t>
-            </a:r>
-            <a:r>
-              <a:rPr lang="fr-FR" sz="2000" dirty="0" smtClean="0">
-                <a:solidFill>
-                  <a:schemeClr val="accent1">
-                    <a:lumMod val="75000"/>
-                  </a:schemeClr>
-                </a:solidFill>
-                <a:latin typeface="Century" pitchFamily="18" charset="0"/>
-                <a:ea typeface="Cambria" pitchFamily="18" charset="0"/>
-                <a:cs typeface="Times New Roman" pitchFamily="18" charset="0"/>
-              </a:rPr>
-              <a:t>deux types de tests d intégration:</a:t>
+              <a:t>     Ya deux types de tests d intégration:</a:t>
             </a:r>
           </a:p>
           <a:p>
@@ -7116,20 +7030,7 @@
                 <a:ea typeface="Cambria" pitchFamily="18" charset="0"/>
                 <a:cs typeface="Times New Roman" pitchFamily="18" charset="0"/>
               </a:rPr>
-              <a:t>  JUnit </a:t>
-            </a:r>
-            <a:r>
-              <a:rPr lang="fr-FR" sz="2000" dirty="0" smtClean="0">
-                <a:solidFill>
-                  <a:schemeClr val="accent1">
-                    <a:lumMod val="75000"/>
-                  </a:schemeClr>
-                </a:solidFill>
-                <a:latin typeface="Century" pitchFamily="18" charset="0"/>
-                <a:ea typeface="Cambria" pitchFamily="18" charset="0"/>
-                <a:cs typeface="Times New Roman" pitchFamily="18" charset="0"/>
-              </a:rPr>
-              <a:t>est un Framework qui permettre l'écriture et                          l'exécution de tests automatisés.</a:t>
+              <a:t>  JUnit est un Framework qui permettre l'écriture et                          l'exécution de tests automatisés.</a:t>
             </a:r>
           </a:p>
           <a:p>
@@ -7187,31 +7088,8 @@
                 <a:ea typeface="Cambria" pitchFamily="18" charset="0"/>
                 <a:cs typeface="Times New Roman" pitchFamily="18" charset="0"/>
               </a:rPr>
-              <a:t> des TestCase qui sont des classes contenant des méthodes de         tests </a:t>
-            </a:r>
-            <a:r>
-              <a:rPr lang="fr-FR" sz="2000" dirty="0" smtClean="0">
-                <a:solidFill>
-                  <a:schemeClr val="accent1">
-                    <a:lumMod val="75000"/>
-                  </a:schemeClr>
-                </a:solidFill>
-                <a:latin typeface="Century" pitchFamily="18" charset="0"/>
-                <a:ea typeface="Cambria" pitchFamily="18" charset="0"/>
-                <a:cs typeface="Times New Roman" pitchFamily="18" charset="0"/>
-              </a:rPr>
-              <a:t>.</a:t>
-            </a:r>
-            <a:endParaRPr lang="fr-FR" sz="2000" dirty="0" smtClean="0">
-              <a:solidFill>
-                <a:schemeClr val="accent1">
-                  <a:lumMod val="75000"/>
-                </a:schemeClr>
-              </a:solidFill>
-              <a:latin typeface="Century" pitchFamily="18" charset="0"/>
-              <a:ea typeface="Cambria" pitchFamily="18" charset="0"/>
-              <a:cs typeface="Times New Roman" pitchFamily="18" charset="0"/>
-            </a:endParaRPr>
+              <a:t> des TestCase qui sont des classes contenant des méthodes de         tests .</a:t>
+            </a:r>
           </a:p>
           <a:p>
             <a:pPr lvl="2">
@@ -7267,85 +7145,7 @@
                 <a:ea typeface="Cambria" pitchFamily="18" charset="0"/>
                 <a:cs typeface="Times New Roman" pitchFamily="18" charset="0"/>
               </a:rPr>
-              <a:t>le Framework</a:t>
-            </a:r>
-            <a:r>
-              <a:rPr lang="fr-FR" sz="2000" dirty="0" smtClean="0">
-                <a:solidFill>
-                  <a:schemeClr val="accent1">
-                    <a:lumMod val="75000"/>
-                  </a:schemeClr>
-                </a:solidFill>
-                <a:latin typeface="Century" pitchFamily="18" charset="0"/>
-                <a:ea typeface="Cambria" pitchFamily="18" charset="0"/>
-                <a:cs typeface="Times New Roman" pitchFamily="18" charset="0"/>
-              </a:rPr>
-              <a:t> </a:t>
-            </a:r>
-            <a:r>
-              <a:rPr lang="fr-FR" sz="2000" dirty="0" smtClean="0">
-                <a:solidFill>
-                  <a:schemeClr val="accent1">
-                    <a:lumMod val="75000"/>
-                  </a:schemeClr>
-                </a:solidFill>
-                <a:latin typeface="Century" pitchFamily="18" charset="0"/>
-                <a:ea typeface="Cambria" pitchFamily="18" charset="0"/>
-                <a:cs typeface="Times New Roman" pitchFamily="18" charset="0"/>
-              </a:rPr>
-              <a:t>Mockito </a:t>
-            </a:r>
-            <a:r>
-              <a:rPr lang="fr-FR" sz="2000" dirty="0" smtClean="0">
-                <a:solidFill>
-                  <a:schemeClr val="accent1">
-                    <a:lumMod val="75000"/>
-                  </a:schemeClr>
-                </a:solidFill>
-                <a:latin typeface="Century" pitchFamily="18" charset="0"/>
-                <a:ea typeface="Cambria" pitchFamily="18" charset="0"/>
-                <a:cs typeface="Times New Roman" pitchFamily="18" charset="0"/>
-              </a:rPr>
-              <a:t>qui s'interfacent </a:t>
-            </a:r>
-            <a:r>
-              <a:rPr lang="fr-FR" sz="2000" dirty="0" smtClean="0">
-                <a:solidFill>
-                  <a:schemeClr val="accent1">
-                    <a:lumMod val="75000"/>
-                  </a:schemeClr>
-                </a:solidFill>
-                <a:latin typeface="Century" pitchFamily="18" charset="0"/>
-                <a:ea typeface="Cambria" pitchFamily="18" charset="0"/>
-                <a:cs typeface="Times New Roman" pitchFamily="18" charset="0"/>
-              </a:rPr>
-              <a:t>avec JUnit </a:t>
-            </a:r>
-            <a:r>
-              <a:rPr lang="fr-FR" sz="2000" dirty="0" smtClean="0">
-                <a:solidFill>
-                  <a:schemeClr val="accent1">
-                    <a:lumMod val="75000"/>
-                  </a:schemeClr>
-                </a:solidFill>
-                <a:latin typeface="Century" pitchFamily="18" charset="0"/>
-                <a:ea typeface="Cambria" pitchFamily="18" charset="0"/>
-                <a:cs typeface="Times New Roman" pitchFamily="18" charset="0"/>
-              </a:rPr>
-              <a:t>et qui </a:t>
-            </a:r>
-            <a:r>
-              <a:rPr lang="fr-FR" sz="2000" dirty="0" smtClean="0">
-                <a:solidFill>
-                  <a:schemeClr val="accent1">
-                    <a:lumMod val="75000"/>
-                  </a:schemeClr>
-                </a:solidFill>
-                <a:latin typeface="Century" pitchFamily="18" charset="0"/>
-                <a:ea typeface="Cambria" pitchFamily="18" charset="0"/>
-                <a:cs typeface="Times New Roman" pitchFamily="18" charset="0"/>
-              </a:rPr>
-              <a:t>permet, entre autres, de faire des assertions sur des appels de méthodes et leurs arguments sans pour autant exécuter ces méthodes (grâce au principe du Mock).</a:t>
+              <a:t>le Framework Mockito qui s'interfacent avec JUnit et qui permet, entre autres, de faire des assertions sur des appels de méthodes et leurs arguments sans pour autant exécuter ces méthodes (grâce au principe du Mock).</a:t>
             </a:r>
           </a:p>
           <a:p>
@@ -8101,47 +7901,10 @@
                 <a:ea typeface="ＭＳ Ｐゴシック" charset="0"/>
                 <a:cs typeface="Calibri" pitchFamily="34" charset="0"/>
               </a:rPr>
-              <a:t>Difficulté à comprendre </a:t>
-            </a:r>
-            <a:r>
-              <a:rPr lang="fr-FR" sz="2400" dirty="0" smtClean="0">
-                <a:solidFill>
-                  <a:schemeClr val="accent1">
-                    <a:lumMod val="75000"/>
-                  </a:schemeClr>
-                </a:solidFill>
-                <a:latin typeface="Centaur" pitchFamily="18" charset="0"/>
-                <a:ea typeface="ＭＳ Ｐゴシック" charset="0"/>
-                <a:cs typeface="Calibri" pitchFamily="34" charset="0"/>
-              </a:rPr>
-              <a:t>le besoin au </a:t>
-            </a:r>
-            <a:r>
-              <a:rPr lang="fr-FR" sz="2400" dirty="0" smtClean="0">
-                <a:solidFill>
-                  <a:schemeClr val="accent1">
-                    <a:lumMod val="75000"/>
-                  </a:schemeClr>
-                </a:solidFill>
-                <a:latin typeface="Centaur" pitchFamily="18" charset="0"/>
-                <a:ea typeface="ＭＳ Ｐゴシック" charset="0"/>
-                <a:cs typeface="Calibri" pitchFamily="34" charset="0"/>
-              </a:rPr>
-              <a:t>début surtout si  c'est la première fois qu’ on </a:t>
-            </a:r>
-            <a:r>
-              <a:rPr lang="fr-FR" sz="2400" dirty="0" smtClean="0">
-                <a:solidFill>
-                  <a:schemeClr val="accent1">
-                    <a:lumMod val="75000"/>
-                  </a:schemeClr>
-                </a:solidFill>
-                <a:latin typeface="Centaur" pitchFamily="18" charset="0"/>
-                <a:ea typeface="ＭＳ Ｐゴシック" charset="0"/>
-                <a:cs typeface="Calibri" pitchFamily="34" charset="0"/>
-              </a:rPr>
-              <a:t>utilise le testing en java.</a:t>
-            </a:r>
+              <a:t>Difficulté à comprendre le besoin au début surtout si  c'est la première fois qu’ on utilise le testing en java.</a:t>
+            </a:r>
+          </a:p>
+          <a:p>
             <a:endParaRPr lang="fr-FR" sz="2400" dirty="0" smtClean="0">
               <a:solidFill>
                 <a:schemeClr val="accent1">
@@ -8154,18 +7917,6 @@
             </a:endParaRPr>
           </a:p>
           <a:p>
-            <a:endParaRPr lang="fr-FR" sz="2400" dirty="0" smtClean="0">
-              <a:solidFill>
-                <a:schemeClr val="accent1">
-                  <a:lumMod val="75000"/>
-                </a:schemeClr>
-              </a:solidFill>
-              <a:latin typeface="Centaur" pitchFamily="18" charset="0"/>
-              <a:ea typeface="ＭＳ Ｐゴシック" charset="0"/>
-              <a:cs typeface="Calibri" pitchFamily="34" charset="0"/>
-            </a:endParaRPr>
-          </a:p>
-          <a:p>
             <a:pPr>
               <a:buFont typeface="Arial" pitchFamily="34" charset="0"/>
               <a:buChar char="•"/>
@@ -8198,16 +7949,6 @@
               </a:rPr>
               <a:t> </a:t>
             </a:r>
-            <a:endParaRPr lang="fr-FR" sz="2400" dirty="0" smtClean="0">
-              <a:solidFill>
-                <a:schemeClr val="accent1">
-                  <a:lumMod val="75000"/>
-                </a:schemeClr>
-              </a:solidFill>
-              <a:latin typeface="Centaur" pitchFamily="18" charset="0"/>
-              <a:ea typeface="ＭＳ Ｐゴシック" charset="0"/>
-              <a:cs typeface="Calibri" pitchFamily="34" charset="0"/>
-            </a:endParaRPr>
           </a:p>
           <a:p>
             <a:r>

--- a/p5_kaloui-sanaa-presentation.pptx
+++ b/p5_kaloui-sanaa-presentation.pptx
@@ -203,7 +203,7 @@
             <a:fld id="{C4AB37EB-507D-44EF-B62B-0789B8689791}" type="datetimeFigureOut">
               <a:rPr lang="fr-FR" smtClean="0"/>
               <a:pPr/>
-              <a:t>11/10/2022</a:t>
+              <a:t>13/10/2022</a:t>
             </a:fld>
             <a:endParaRPr lang="fr-FR"/>
           </a:p>
@@ -522,7 +522,7 @@
     </p:spTree>
     <p:extLst>
       <p:ext uri="{BB962C8B-B14F-4D97-AF65-F5344CB8AC3E}">
-        <p14:creationId xmlns="" xmlns:p14="http://schemas.microsoft.com/office/powerpoint/2010/main" val="4275570066"/>
+        <p14:creationId xmlns:p14="http://schemas.microsoft.com/office/powerpoint/2010/main" xmlns="" val="4275570066"/>
       </p:ext>
     </p:extLst>
   </p:cSld>
@@ -1133,7 +1133,7 @@
             <a:fld id="{AA309A6D-C09C-4548-B29A-6CF363A7E532}" type="datetimeFigureOut">
               <a:rPr lang="fr-FR" smtClean="0"/>
               <a:pPr/>
-              <a:t>11/10/2022</a:t>
+              <a:t>13/10/2022</a:t>
             </a:fld>
             <a:endParaRPr lang="fr-BE"/>
           </a:p>
@@ -1300,7 +1300,7 @@
             <a:fld id="{AA309A6D-C09C-4548-B29A-6CF363A7E532}" type="datetimeFigureOut">
               <a:rPr lang="fr-FR" smtClean="0"/>
               <a:pPr/>
-              <a:t>11/10/2022</a:t>
+              <a:t>13/10/2022</a:t>
             </a:fld>
             <a:endParaRPr lang="fr-BE"/>
           </a:p>
@@ -1477,7 +1477,7 @@
             <a:fld id="{AA309A6D-C09C-4548-B29A-6CF363A7E532}" type="datetimeFigureOut">
               <a:rPr lang="fr-FR" smtClean="0"/>
               <a:pPr/>
-              <a:t>11/10/2022</a:t>
+              <a:t>13/10/2022</a:t>
             </a:fld>
             <a:endParaRPr lang="fr-BE"/>
           </a:p>
@@ -1564,7 +1564,7 @@
           <p:cNvPr id="19" name="Picture 18">
             <a:extLst>
               <a:ext uri="{FF2B5EF4-FFF2-40B4-BE49-F238E27FC236}">
-                <a16:creationId xmlns="" xmlns:a16="http://schemas.microsoft.com/office/drawing/2014/main" id="{C7EB5592-C2B2-0D43-9D50-9C28DF4DC07C}"/>
+                <a16:creationId xmlns:a16="http://schemas.microsoft.com/office/drawing/2014/main" xmlns="" id="{C7EB5592-C2B2-0D43-9D50-9C28DF4DC07C}"/>
               </a:ext>
             </a:extLst>
           </p:cNvPr>
@@ -1577,7 +1577,7 @@
           <a:blip r:embed="rId2" cstate="screen">
             <a:extLst>
               <a:ext uri="{28A0092B-C50C-407E-A947-70E740481C1C}">
-                <a14:useLocalDpi xmlns="" xmlns:a14="http://schemas.microsoft.com/office/drawing/2010/main"/>
+                <a14:useLocalDpi xmlns:a14="http://schemas.microsoft.com/office/drawing/2010/main" xmlns=""/>
               </a:ext>
             </a:extLst>
           </a:blip>
@@ -1600,7 +1600,7 @@
           <p:cNvPr id="25" name="Picture 24">
             <a:extLst>
               <a:ext uri="{FF2B5EF4-FFF2-40B4-BE49-F238E27FC236}">
-                <a16:creationId xmlns="" xmlns:a16="http://schemas.microsoft.com/office/drawing/2014/main" id="{53424396-1ABB-C24B-ACCA-76C9FDCCCAA7}"/>
+                <a16:creationId xmlns:a16="http://schemas.microsoft.com/office/drawing/2014/main" xmlns="" id="{53424396-1ABB-C24B-ACCA-76C9FDCCCAA7}"/>
               </a:ext>
             </a:extLst>
           </p:cNvPr>
@@ -1614,7 +1614,7 @@
             <a:alphaModFix amt="54000"/>
             <a:extLst>
               <a:ext uri="{28A0092B-C50C-407E-A947-70E740481C1C}">
-                <a14:useLocalDpi xmlns="" xmlns:a14="http://schemas.microsoft.com/office/drawing/2010/main"/>
+                <a14:useLocalDpi xmlns:a14="http://schemas.microsoft.com/office/drawing/2010/main" xmlns=""/>
               </a:ext>
             </a:extLst>
           </a:blip>
@@ -1637,7 +1637,7 @@
           <p:cNvPr id="24" name="Picture 23">
             <a:extLst>
               <a:ext uri="{FF2B5EF4-FFF2-40B4-BE49-F238E27FC236}">
-                <a16:creationId xmlns="" xmlns:a16="http://schemas.microsoft.com/office/drawing/2014/main" id="{3B317941-75AD-CC4C-B1BC-FD1266AD5043}"/>
+                <a16:creationId xmlns:a16="http://schemas.microsoft.com/office/drawing/2014/main" xmlns="" id="{3B317941-75AD-CC4C-B1BC-FD1266AD5043}"/>
               </a:ext>
             </a:extLst>
           </p:cNvPr>
@@ -1650,7 +1650,7 @@
           <a:blip r:embed="rId4" cstate="screen">
             <a:extLst>
               <a:ext uri="{28A0092B-C50C-407E-A947-70E740481C1C}">
-                <a14:useLocalDpi xmlns="" xmlns:a14="http://schemas.microsoft.com/office/drawing/2010/main"/>
+                <a14:useLocalDpi xmlns:a14="http://schemas.microsoft.com/office/drawing/2010/main" xmlns=""/>
               </a:ext>
             </a:extLst>
           </a:blip>
@@ -2019,7 +2019,7 @@
           <p:cNvPr id="15" name="pasted-image.pdf" descr="pasted-image.pdf">
             <a:extLst>
               <a:ext uri="{FF2B5EF4-FFF2-40B4-BE49-F238E27FC236}">
-                <a16:creationId xmlns="" xmlns:a16="http://schemas.microsoft.com/office/drawing/2014/main" id="{971614F3-74FA-1349-B1B6-B73CF0A93053}"/>
+                <a16:creationId xmlns:a16="http://schemas.microsoft.com/office/drawing/2014/main" xmlns="" id="{971614F3-74FA-1349-B1B6-B73CF0A93053}"/>
               </a:ext>
             </a:extLst>
           </p:cNvPr>
@@ -2032,7 +2032,7 @@
           <a:blip r:embed="rId5" cstate="screen">
             <a:extLst>
               <a:ext uri="{28A0092B-C50C-407E-A947-70E740481C1C}">
-                <a14:useLocalDpi xmlns="" xmlns:a14="http://schemas.microsoft.com/office/drawing/2010/main"/>
+                <a14:useLocalDpi xmlns:a14="http://schemas.microsoft.com/office/drawing/2010/main" xmlns=""/>
               </a:ext>
             </a:extLst>
           </a:blip>
@@ -2058,7 +2058,7 @@
           <p:cNvPr id="4" name="Group 3">
             <a:extLst>
               <a:ext uri="{FF2B5EF4-FFF2-40B4-BE49-F238E27FC236}">
-                <a16:creationId xmlns="" xmlns:a16="http://schemas.microsoft.com/office/drawing/2014/main" id="{DB7C485F-51EF-0247-93E1-C6C36D8B8023}"/>
+                <a16:creationId xmlns:a16="http://schemas.microsoft.com/office/drawing/2014/main" xmlns="" id="{DB7C485F-51EF-0247-93E1-C6C36D8B8023}"/>
               </a:ext>
             </a:extLst>
           </p:cNvPr>
@@ -2078,7 +2078,7 @@
             <p:cNvPr id="13" name="Picture 12">
               <a:extLst>
                 <a:ext uri="{FF2B5EF4-FFF2-40B4-BE49-F238E27FC236}">
-                  <a16:creationId xmlns="" xmlns:a16="http://schemas.microsoft.com/office/drawing/2014/main" id="{6C38969F-F9E0-964C-A2AB-502E26747B0F}"/>
+                  <a16:creationId xmlns:a16="http://schemas.microsoft.com/office/drawing/2014/main" xmlns="" id="{6C38969F-F9E0-964C-A2AB-502E26747B0F}"/>
                 </a:ext>
               </a:extLst>
             </p:cNvPr>
@@ -2092,7 +2092,7 @@
               <a:alphaModFix amt="54000"/>
               <a:extLst>
                 <a:ext uri="{28A0092B-C50C-407E-A947-70E740481C1C}">
-                  <a14:useLocalDpi xmlns="" xmlns:a14="http://schemas.microsoft.com/office/drawing/2010/main"/>
+                  <a14:useLocalDpi xmlns:a14="http://schemas.microsoft.com/office/drawing/2010/main" xmlns=""/>
                 </a:ext>
               </a:extLst>
             </a:blip>
@@ -2115,7 +2115,7 @@
             <p:cNvPr id="16" name="Picture 15">
               <a:extLst>
                 <a:ext uri="{FF2B5EF4-FFF2-40B4-BE49-F238E27FC236}">
-                  <a16:creationId xmlns="" xmlns:a16="http://schemas.microsoft.com/office/drawing/2014/main" id="{F24688C7-865E-8448-BF28-340C41DCF4B1}"/>
+                  <a16:creationId xmlns:a16="http://schemas.microsoft.com/office/drawing/2014/main" xmlns="" id="{F24688C7-865E-8448-BF28-340C41DCF4B1}"/>
                 </a:ext>
               </a:extLst>
             </p:cNvPr>
@@ -2129,7 +2129,7 @@
               <a:alphaModFix amt="54000"/>
               <a:extLst>
                 <a:ext uri="{28A0092B-C50C-407E-A947-70E740481C1C}">
-                  <a14:useLocalDpi xmlns="" xmlns:a14="http://schemas.microsoft.com/office/drawing/2010/main"/>
+                  <a14:useLocalDpi xmlns:a14="http://schemas.microsoft.com/office/drawing/2010/main" xmlns=""/>
                 </a:ext>
               </a:extLst>
             </a:blip>
@@ -2152,7 +2152,7 @@
             <p:cNvPr id="14" name="Picture 13">
               <a:extLst>
                 <a:ext uri="{FF2B5EF4-FFF2-40B4-BE49-F238E27FC236}">
-                  <a16:creationId xmlns="" xmlns:a16="http://schemas.microsoft.com/office/drawing/2014/main" id="{9E31BE27-20CA-A147-9D7E-63AE9203A4E2}"/>
+                  <a16:creationId xmlns:a16="http://schemas.microsoft.com/office/drawing/2014/main" xmlns="" id="{9E31BE27-20CA-A147-9D7E-63AE9203A4E2}"/>
                 </a:ext>
               </a:extLst>
             </p:cNvPr>
@@ -2165,7 +2165,7 @@
             <a:blip r:embed="rId7" cstate="screen">
               <a:extLst>
                 <a:ext uri="{28A0092B-C50C-407E-A947-70E740481C1C}">
-                  <a14:useLocalDpi xmlns="" xmlns:a14="http://schemas.microsoft.com/office/drawing/2010/main"/>
+                  <a14:useLocalDpi xmlns:a14="http://schemas.microsoft.com/office/drawing/2010/main" xmlns=""/>
                 </a:ext>
               </a:extLst>
             </a:blip>
@@ -2189,7 +2189,7 @@
           <p:cNvPr id="20" name="Picture 19">
             <a:extLst>
               <a:ext uri="{FF2B5EF4-FFF2-40B4-BE49-F238E27FC236}">
-                <a16:creationId xmlns="" xmlns:a16="http://schemas.microsoft.com/office/drawing/2014/main" id="{C20BF5AF-61F1-4348-BAA3-134001BC6AC8}"/>
+                <a16:creationId xmlns:a16="http://schemas.microsoft.com/office/drawing/2014/main" xmlns="" id="{C20BF5AF-61F1-4348-BAA3-134001BC6AC8}"/>
               </a:ext>
             </a:extLst>
           </p:cNvPr>
@@ -2203,7 +2203,7 @@
             <a:alphaModFix amt="54000"/>
             <a:extLst>
               <a:ext uri="{28A0092B-C50C-407E-A947-70E740481C1C}">
-                <a14:useLocalDpi xmlns="" xmlns:a14="http://schemas.microsoft.com/office/drawing/2010/main"/>
+                <a14:useLocalDpi xmlns:a14="http://schemas.microsoft.com/office/drawing/2010/main" xmlns=""/>
               </a:ext>
             </a:extLst>
           </a:blip>
@@ -2226,7 +2226,7 @@
           <p:cNvPr id="22" name="Picture 21">
             <a:extLst>
               <a:ext uri="{FF2B5EF4-FFF2-40B4-BE49-F238E27FC236}">
-                <a16:creationId xmlns="" xmlns:a16="http://schemas.microsoft.com/office/drawing/2014/main" id="{364051FF-B810-7F47-AD66-7FC738416232}"/>
+                <a16:creationId xmlns:a16="http://schemas.microsoft.com/office/drawing/2014/main" xmlns="" id="{364051FF-B810-7F47-AD66-7FC738416232}"/>
               </a:ext>
             </a:extLst>
           </p:cNvPr>
@@ -2240,7 +2240,7 @@
             <a:alphaModFix amt="22000"/>
             <a:extLst>
               <a:ext uri="{28A0092B-C50C-407E-A947-70E740481C1C}">
-                <a14:useLocalDpi xmlns="" xmlns:a14="http://schemas.microsoft.com/office/drawing/2010/main"/>
+                <a14:useLocalDpi xmlns:a14="http://schemas.microsoft.com/office/drawing/2010/main" xmlns=""/>
               </a:ext>
             </a:extLst>
           </a:blip>
@@ -2270,7 +2270,7 @@
           <p:cNvPr id="23" name="Picture 22" descr="Cloud-the-Goat---Grazing.png">
             <a:extLst>
               <a:ext uri="{FF2B5EF4-FFF2-40B4-BE49-F238E27FC236}">
-                <a16:creationId xmlns="" xmlns:a16="http://schemas.microsoft.com/office/drawing/2014/main" id="{B3F869A3-8172-374F-BC43-74EB11069E29}"/>
+                <a16:creationId xmlns:a16="http://schemas.microsoft.com/office/drawing/2014/main" xmlns="" id="{B3F869A3-8172-374F-BC43-74EB11069E29}"/>
               </a:ext>
             </a:extLst>
           </p:cNvPr>
@@ -2283,7 +2283,7 @@
           <a:blip r:embed="rId8" cstate="screen">
             <a:extLst>
               <a:ext uri="{28A0092B-C50C-407E-A947-70E740481C1C}">
-                <a14:useLocalDpi xmlns="" xmlns:a14="http://schemas.microsoft.com/office/drawing/2010/main"/>
+                <a14:useLocalDpi xmlns:a14="http://schemas.microsoft.com/office/drawing/2010/main" xmlns=""/>
               </a:ext>
             </a:extLst>
           </a:blip>
@@ -2306,7 +2306,7 @@
           <p:cNvPr id="26" name="Picture 25">
             <a:extLst>
               <a:ext uri="{FF2B5EF4-FFF2-40B4-BE49-F238E27FC236}">
-                <a16:creationId xmlns="" xmlns:a16="http://schemas.microsoft.com/office/drawing/2014/main" id="{AAA0F863-5ED9-BF47-9E43-9B5A7E5D55EA}"/>
+                <a16:creationId xmlns:a16="http://schemas.microsoft.com/office/drawing/2014/main" xmlns="" id="{AAA0F863-5ED9-BF47-9E43-9B5A7E5D55EA}"/>
               </a:ext>
             </a:extLst>
           </p:cNvPr>
@@ -2320,7 +2320,7 @@
             <a:alphaModFix amt="22000"/>
             <a:extLst>
               <a:ext uri="{28A0092B-C50C-407E-A947-70E740481C1C}">
-                <a14:useLocalDpi xmlns="" xmlns:a14="http://schemas.microsoft.com/office/drawing/2010/main"/>
+                <a14:useLocalDpi xmlns:a14="http://schemas.microsoft.com/office/drawing/2010/main" xmlns=""/>
               </a:ext>
             </a:extLst>
           </a:blip>
@@ -2350,7 +2350,7 @@
           <p:cNvPr id="21" name="Picture 20">
             <a:extLst>
               <a:ext uri="{FF2B5EF4-FFF2-40B4-BE49-F238E27FC236}">
-                <a16:creationId xmlns="" xmlns:a16="http://schemas.microsoft.com/office/drawing/2014/main" id="{4D07FE5E-A6AA-884E-A18B-3D6ED3F41826}"/>
+                <a16:creationId xmlns:a16="http://schemas.microsoft.com/office/drawing/2014/main" xmlns="" id="{4D07FE5E-A6AA-884E-A18B-3D6ED3F41826}"/>
               </a:ext>
             </a:extLst>
           </p:cNvPr>
@@ -2364,7 +2364,7 @@
             <a:alphaModFix amt="54000"/>
             <a:extLst>
               <a:ext uri="{28A0092B-C50C-407E-A947-70E740481C1C}">
-                <a14:useLocalDpi xmlns="" xmlns:a14="http://schemas.microsoft.com/office/drawing/2010/main"/>
+                <a14:useLocalDpi xmlns:a14="http://schemas.microsoft.com/office/drawing/2010/main" xmlns=""/>
               </a:ext>
             </a:extLst>
           </a:blip>
@@ -2387,7 +2387,7 @@
           <p:cNvPr id="7" name="Picture 6">
             <a:extLst>
               <a:ext uri="{FF2B5EF4-FFF2-40B4-BE49-F238E27FC236}">
-                <a16:creationId xmlns="" xmlns:a16="http://schemas.microsoft.com/office/drawing/2014/main" id="{4EDC2888-59E3-7440-9896-4A8645F97492}"/>
+                <a16:creationId xmlns:a16="http://schemas.microsoft.com/office/drawing/2014/main" xmlns="" id="{4EDC2888-59E3-7440-9896-4A8645F97492}"/>
               </a:ext>
             </a:extLst>
           </p:cNvPr>
@@ -2400,7 +2400,7 @@
           <a:blip r:embed="rId9" cstate="screen">
             <a:extLst>
               <a:ext uri="{28A0092B-C50C-407E-A947-70E740481C1C}">
-                <a14:useLocalDpi xmlns="" xmlns:a14="http://schemas.microsoft.com/office/drawing/2010/main"/>
+                <a14:useLocalDpi xmlns:a14="http://schemas.microsoft.com/office/drawing/2010/main" xmlns=""/>
               </a:ext>
             </a:extLst>
           </a:blip>
@@ -2421,7 +2421,7 @@
     </p:spTree>
     <p:extLst>
       <p:ext uri="{BB962C8B-B14F-4D97-AF65-F5344CB8AC3E}">
-        <p14:creationId xmlns="" xmlns:p14="http://schemas.microsoft.com/office/powerpoint/2010/main" val="3373851088"/>
+        <p14:creationId xmlns:p14="http://schemas.microsoft.com/office/powerpoint/2010/main" xmlns="" val="3373851088"/>
       </p:ext>
     </p:extLst>
   </p:cSld>
@@ -2456,7 +2456,7 @@
           <p:cNvPr id="19" name="Picture 18">
             <a:extLst>
               <a:ext uri="{FF2B5EF4-FFF2-40B4-BE49-F238E27FC236}">
-                <a16:creationId xmlns="" xmlns:a16="http://schemas.microsoft.com/office/drawing/2014/main" id="{C813E119-9FD7-D446-B03F-ED372D4DE5DA}"/>
+                <a16:creationId xmlns:a16="http://schemas.microsoft.com/office/drawing/2014/main" xmlns="" id="{C813E119-9FD7-D446-B03F-ED372D4DE5DA}"/>
               </a:ext>
             </a:extLst>
           </p:cNvPr>
@@ -2470,7 +2470,7 @@
             <a:alphaModFix amt="80000"/>
             <a:extLst>
               <a:ext uri="{28A0092B-C50C-407E-A947-70E740481C1C}">
-                <a14:useLocalDpi xmlns="" xmlns:a14="http://schemas.microsoft.com/office/drawing/2010/main"/>
+                <a14:useLocalDpi xmlns:a14="http://schemas.microsoft.com/office/drawing/2010/main" xmlns=""/>
               </a:ext>
             </a:extLst>
           </a:blip>
@@ -2673,7 +2673,7 @@
           <a:blip r:embed="rId3" cstate="screen">
             <a:extLst>
               <a:ext uri="{28A0092B-C50C-407E-A947-70E740481C1C}">
-                <a14:useLocalDpi xmlns="" xmlns:a14="http://schemas.microsoft.com/office/drawing/2010/main"/>
+                <a14:useLocalDpi xmlns:a14="http://schemas.microsoft.com/office/drawing/2010/main" xmlns=""/>
               </a:ext>
             </a:extLst>
           </a:blip>
@@ -2699,7 +2699,7 @@
           <p:cNvPr id="11" name="Footer Placeholder 3">
             <a:extLst>
               <a:ext uri="{FF2B5EF4-FFF2-40B4-BE49-F238E27FC236}">
-                <a16:creationId xmlns="" xmlns:a16="http://schemas.microsoft.com/office/drawing/2014/main" id="{D34182B3-BC83-574F-BEFD-A10EC2325B88}"/>
+                <a16:creationId xmlns:a16="http://schemas.microsoft.com/office/drawing/2014/main" xmlns="" id="{D34182B3-BC83-574F-BEFD-A10EC2325B88}"/>
               </a:ext>
             </a:extLst>
           </p:cNvPr>
@@ -2749,7 +2749,7 @@
           <p:cNvPr id="2" name="Title 1">
             <a:extLst>
               <a:ext uri="{FF2B5EF4-FFF2-40B4-BE49-F238E27FC236}">
-                <a16:creationId xmlns="" xmlns:a16="http://schemas.microsoft.com/office/drawing/2014/main" id="{5ADE0D96-7C21-4589-BD0C-0F1AC3C6C7E7}"/>
+                <a16:creationId xmlns:a16="http://schemas.microsoft.com/office/drawing/2014/main" xmlns="" id="{5ADE0D96-7C21-4589-BD0C-0F1AC3C6C7E7}"/>
               </a:ext>
             </a:extLst>
           </p:cNvPr>
@@ -2776,7 +2776,7 @@
     </p:spTree>
     <p:extLst>
       <p:ext uri="{BB962C8B-B14F-4D97-AF65-F5344CB8AC3E}">
-        <p14:creationId xmlns="" xmlns:p14="http://schemas.microsoft.com/office/powerpoint/2010/main" val="2681145133"/>
+        <p14:creationId xmlns:p14="http://schemas.microsoft.com/office/powerpoint/2010/main" xmlns="" val="2681145133"/>
       </p:ext>
     </p:extLst>
   </p:cSld>
@@ -2830,7 +2830,7 @@
           <p:cNvPr id="5" name="Google Shape;362;p55">
             <a:extLst>
               <a:ext uri="{FF2B5EF4-FFF2-40B4-BE49-F238E27FC236}">
-                <a16:creationId xmlns:a16="http://schemas.microsoft.com/office/drawing/2014/main" xmlns="" id="{B194211E-B6CF-124C-A97F-843FC114B6E9}"/>
+                <a16:creationId xmlns="" xmlns:a16="http://schemas.microsoft.com/office/drawing/2014/main" id="{B194211E-B6CF-124C-A97F-843FC114B6E9}"/>
               </a:ext>
             </a:extLst>
           </p:cNvPr>
@@ -2842,7 +2842,7 @@
             <a:alphaModFix/>
             <a:extLst>
               <a:ext uri="{28A0092B-C50C-407E-A947-70E740481C1C}">
-                <a14:useLocalDpi xmlns:a14="http://schemas.microsoft.com/office/drawing/2010/main" xmlns=""/>
+                <a14:useLocalDpi xmlns="" xmlns:a14="http://schemas.microsoft.com/office/drawing/2010/main"/>
               </a:ext>
             </a:extLst>
           </a:blip>
@@ -2875,7 +2875,7 @@
           <a:blip r:embed="rId3" cstate="screen">
             <a:extLst>
               <a:ext uri="{28A0092B-C50C-407E-A947-70E740481C1C}">
-                <a14:useLocalDpi xmlns:a14="http://schemas.microsoft.com/office/drawing/2010/main" xmlns=""/>
+                <a14:useLocalDpi xmlns="" xmlns:a14="http://schemas.microsoft.com/office/drawing/2010/main"/>
               </a:ext>
             </a:extLst>
           </a:blip>
@@ -2898,7 +2898,7 @@
           <p:cNvPr id="4" name="Picture 3">
             <a:extLst>
               <a:ext uri="{FF2B5EF4-FFF2-40B4-BE49-F238E27FC236}">
-                <a16:creationId xmlns:a16="http://schemas.microsoft.com/office/drawing/2014/main" xmlns="" id="{CF2E9877-22A5-7E47-ACD2-1589BC5FEB7B}"/>
+                <a16:creationId xmlns="" xmlns:a16="http://schemas.microsoft.com/office/drawing/2014/main" id="{CF2E9877-22A5-7E47-ACD2-1589BC5FEB7B}"/>
               </a:ext>
             </a:extLst>
           </p:cNvPr>
@@ -2926,7 +2926,7 @@
     </p:spTree>
     <p:extLst>
       <p:ext uri="{BB962C8B-B14F-4D97-AF65-F5344CB8AC3E}">
-        <p14:creationId xmlns:p14="http://schemas.microsoft.com/office/powerpoint/2010/main" xmlns="" val="3956320057"/>
+        <p14:creationId xmlns="" xmlns:p14="http://schemas.microsoft.com/office/powerpoint/2010/main" val="3956320057"/>
       </p:ext>
     </p:extLst>
   </p:cSld>
@@ -3049,7 +3049,7 @@
             <a:fld id="{AA309A6D-C09C-4548-B29A-6CF363A7E532}" type="datetimeFigureOut">
               <a:rPr lang="fr-FR" smtClean="0"/>
               <a:pPr/>
-              <a:t>11/10/2022</a:t>
+              <a:t>13/10/2022</a:t>
             </a:fld>
             <a:endParaRPr lang="fr-BE"/>
           </a:p>
@@ -3292,7 +3292,7 @@
             <a:fld id="{AA309A6D-C09C-4548-B29A-6CF363A7E532}" type="datetimeFigureOut">
               <a:rPr lang="fr-FR" smtClean="0"/>
               <a:pPr/>
-              <a:t>11/10/2022</a:t>
+              <a:t>13/10/2022</a:t>
             </a:fld>
             <a:endParaRPr lang="fr-BE"/>
           </a:p>
@@ -3577,7 +3577,7 @@
             <a:fld id="{AA309A6D-C09C-4548-B29A-6CF363A7E532}" type="datetimeFigureOut">
               <a:rPr lang="fr-FR" smtClean="0"/>
               <a:pPr/>
-              <a:t>11/10/2022</a:t>
+              <a:t>13/10/2022</a:t>
             </a:fld>
             <a:endParaRPr lang="fr-BE"/>
           </a:p>
@@ -3996,7 +3996,7 @@
             <a:fld id="{AA309A6D-C09C-4548-B29A-6CF363A7E532}" type="datetimeFigureOut">
               <a:rPr lang="fr-FR" smtClean="0"/>
               <a:pPr/>
-              <a:t>11/10/2022</a:t>
+              <a:t>13/10/2022</a:t>
             </a:fld>
             <a:endParaRPr lang="fr-BE"/>
           </a:p>
@@ -4111,7 +4111,7 @@
             <a:fld id="{AA309A6D-C09C-4548-B29A-6CF363A7E532}" type="datetimeFigureOut">
               <a:rPr lang="fr-FR" smtClean="0"/>
               <a:pPr/>
-              <a:t>11/10/2022</a:t>
+              <a:t>13/10/2022</a:t>
             </a:fld>
             <a:endParaRPr lang="fr-BE"/>
           </a:p>
@@ -4203,7 +4203,7 @@
             <a:fld id="{AA309A6D-C09C-4548-B29A-6CF363A7E532}" type="datetimeFigureOut">
               <a:rPr lang="fr-FR" smtClean="0"/>
               <a:pPr/>
-              <a:t>11/10/2022</a:t>
+              <a:t>13/10/2022</a:t>
             </a:fld>
             <a:endParaRPr lang="fr-BE"/>
           </a:p>
@@ -4477,7 +4477,7 @@
             <a:fld id="{AA309A6D-C09C-4548-B29A-6CF363A7E532}" type="datetimeFigureOut">
               <a:rPr lang="fr-FR" smtClean="0"/>
               <a:pPr/>
-              <a:t>11/10/2022</a:t>
+              <a:t>13/10/2022</a:t>
             </a:fld>
             <a:endParaRPr lang="fr-BE"/>
           </a:p>
@@ -4727,7 +4727,7 @@
             <a:fld id="{AA309A6D-C09C-4548-B29A-6CF363A7E532}" type="datetimeFigureOut">
               <a:rPr lang="fr-FR" smtClean="0"/>
               <a:pPr/>
-              <a:t>11/10/2022</a:t>
+              <a:t>13/10/2022</a:t>
             </a:fld>
             <a:endParaRPr lang="fr-BE"/>
           </a:p>
@@ -4937,7 +4937,7 @@
             <a:fld id="{AA309A6D-C09C-4548-B29A-6CF363A7E532}" type="datetimeFigureOut">
               <a:rPr lang="fr-FR" smtClean="0"/>
               <a:pPr/>
-              <a:t>11/10/2022</a:t>
+              <a:t>13/10/2022</a:t>
             </a:fld>
             <a:endParaRPr lang="fr-BE"/>
           </a:p>
@@ -5616,7 +5616,7 @@
     </p:spTree>
     <p:extLst>
       <p:ext uri="{BB962C8B-B14F-4D97-AF65-F5344CB8AC3E}">
-        <p14:creationId xmlns="" xmlns:p14="http://schemas.microsoft.com/office/powerpoint/2010/main" val="1452348287"/>
+        <p14:creationId xmlns:p14="http://schemas.microsoft.com/office/powerpoint/2010/main" xmlns="" val="1452348287"/>
       </p:ext>
     </p:extLst>
   </p:cSld>
@@ -5988,7 +5988,7 @@
     </p:spTree>
     <p:extLst>
       <p:ext uri="{BB962C8B-B14F-4D97-AF65-F5344CB8AC3E}">
-        <p14:creationId xmlns:p14="http://schemas.microsoft.com/office/powerpoint/2010/main" xmlns="" val="4166242014"/>
+        <p14:creationId xmlns="" xmlns:p14="http://schemas.microsoft.com/office/powerpoint/2010/main" val="4166242014"/>
       </p:ext>
     </p:extLst>
   </p:cSld>
@@ -6169,20 +6169,7 @@
                 <a:ea typeface="Cambria" pitchFamily="18" charset="0"/>
                 <a:cs typeface="Times New Roman" pitchFamily="18" charset="0"/>
               </a:rPr>
-              <a:t>Le but d'un </a:t>
-            </a:r>
-            <a:r>
-              <a:rPr lang="fr-FR" sz="2000" dirty="0" smtClean="0">
-                <a:solidFill>
-                  <a:schemeClr val="accent1">
-                    <a:lumMod val="75000"/>
-                  </a:schemeClr>
-                </a:solidFill>
-                <a:latin typeface="Century" pitchFamily="18" charset="0"/>
-                <a:ea typeface="Cambria" pitchFamily="18" charset="0"/>
-                <a:cs typeface="Times New Roman" pitchFamily="18" charset="0"/>
-              </a:rPr>
-              <a:t>test </a:t>
+              <a:t>Le but d'un test </a:t>
             </a:r>
             <a:r>
               <a:rPr lang="fr-FR" sz="2000" smtClean="0">
@@ -7351,8 +7338,8 @@
         </p:nvSpPr>
         <p:spPr>
           <a:xfrm>
-            <a:off x="1000100" y="1357298"/>
-            <a:ext cx="7286676" cy="4401205"/>
+            <a:off x="1000100" y="2000240"/>
+            <a:ext cx="7286676" cy="3477875"/>
           </a:xfrm>
           <a:prstGeom prst="rect">
             <a:avLst/>
@@ -7411,8 +7398,31 @@
                 <a:ea typeface="Cambria" pitchFamily="18" charset="0"/>
                 <a:cs typeface="Times New Roman" pitchFamily="18" charset="0"/>
               </a:rPr>
-              <a:t>L ajout d un test d intégration dans la méthode testParkingACar() qui va vérifier qu'un ticket est effectivement enregistré dans la base de données et que la table de stationnement est mise à jour avec la disponibilité en utilisant la méthode assertThat d AssertJ. </a:t>
-            </a:r>
+              <a:t>L ajout d un test d intégration dans la méthode testParkingACar() qui va vérifier qu'un ticket est effectivement enregistré dans la base de données et que la table de stationnement est mise à jour avec la </a:t>
+            </a:r>
+            <a:r>
+              <a:rPr lang="fr-FR" sz="2000" dirty="0" smtClean="0">
+                <a:solidFill>
+                  <a:schemeClr val="accent1">
+                    <a:lumMod val="75000"/>
+                  </a:schemeClr>
+                </a:solidFill>
+                <a:latin typeface="Century" pitchFamily="18" charset="0"/>
+                <a:ea typeface="Cambria" pitchFamily="18" charset="0"/>
+                <a:cs typeface="Times New Roman" pitchFamily="18" charset="0"/>
+              </a:rPr>
+              <a:t>disponibilité. </a:t>
+            </a:r>
+            <a:endParaRPr lang="fr-FR" sz="2000" dirty="0" smtClean="0">
+              <a:solidFill>
+                <a:schemeClr val="accent1">
+                  <a:lumMod val="75000"/>
+                </a:schemeClr>
+              </a:solidFill>
+              <a:latin typeface="Century" pitchFamily="18" charset="0"/>
+              <a:ea typeface="Cambria" pitchFamily="18" charset="0"/>
+              <a:cs typeface="Times New Roman" pitchFamily="18" charset="0"/>
+            </a:endParaRPr>
           </a:p>
           <a:p>
             <a:pPr>
@@ -7446,8 +7456,31 @@
                 <a:ea typeface="Cambria" pitchFamily="18" charset="0"/>
                 <a:cs typeface="Times New Roman" pitchFamily="18" charset="0"/>
               </a:rPr>
-              <a:t>L'ajout d un test d intégration  dans la méthode testParkingLotExit() qui va vérifier que le tarif généré et l'heure de sortie sont correctement renseignés dans la base de données en utilisant aussi la méthode assertThat d AssertJ. </a:t>
-            </a:r>
+              <a:t>L'ajout d un test d intégration  dans la méthode testParkingLotExit() qui va vérifier que le tarif généré et l'heure de sortie sont correctement renseignés dans la </a:t>
+            </a:r>
+            <a:r>
+              <a:rPr lang="fr-FR" sz="2000" dirty="0" smtClean="0">
+                <a:solidFill>
+                  <a:schemeClr val="accent1">
+                    <a:lumMod val="75000"/>
+                  </a:schemeClr>
+                </a:solidFill>
+                <a:latin typeface="Century" pitchFamily="18" charset="0"/>
+                <a:ea typeface="Cambria" pitchFamily="18" charset="0"/>
+                <a:cs typeface="Times New Roman" pitchFamily="18" charset="0"/>
+              </a:rPr>
+              <a:t>base. </a:t>
+            </a:r>
+            <a:endParaRPr lang="fr-FR" sz="2000" dirty="0" smtClean="0">
+              <a:solidFill>
+                <a:schemeClr val="accent1">
+                  <a:lumMod val="75000"/>
+                </a:schemeClr>
+              </a:solidFill>
+              <a:latin typeface="Century" pitchFamily="18" charset="0"/>
+              <a:ea typeface="Cambria" pitchFamily="18" charset="0"/>
+              <a:cs typeface="Times New Roman" pitchFamily="18" charset="0"/>
+            </a:endParaRPr>
           </a:p>
         </p:txBody>
       </p:sp>

--- a/p5_kaloui-sanaa-presentation.pptx
+++ b/p5_kaloui-sanaa-presentation.pptx
@@ -203,7 +203,7 @@
             <a:fld id="{C4AB37EB-507D-44EF-B62B-0789B8689791}" type="datetimeFigureOut">
               <a:rPr lang="fr-FR" smtClean="0"/>
               <a:pPr/>
-              <a:t>13/10/2022</a:t>
+              <a:t>16/10/2022</a:t>
             </a:fld>
             <a:endParaRPr lang="fr-FR"/>
           </a:p>
@@ -807,31 +807,15 @@
           <a:p>
             <a:r>
               <a:rPr lang="fr-FR" dirty="0" smtClean="0"/>
-              <a:t>le plugin </a:t>
+              <a:t>Les objets simulacres (</a:t>
             </a:r>
             <a:r>
               <a:rPr lang="fr-FR" dirty="0" err="1" smtClean="0"/>
-              <a:t>Surefire</a:t>
+              <a:t>mocks</a:t>
             </a:r>
             <a:r>
               <a:rPr lang="fr-FR" dirty="0" smtClean="0"/>
-              <a:t> (associé à la phase test) est dédié à l’exécution des tests unitaires et le plugin </a:t>
-            </a:r>
-            <a:r>
-              <a:rPr lang="fr-FR" dirty="0" err="1" smtClean="0"/>
-              <a:t>Failsafe</a:t>
-            </a:r>
-            <a:r>
-              <a:rPr lang="fr-FR" dirty="0" smtClean="0"/>
-              <a:t> (associé à la phase </a:t>
-            </a:r>
-            <a:r>
-              <a:rPr lang="fr-FR" dirty="0" err="1" smtClean="0"/>
-              <a:t>verify</a:t>
-            </a:r>
-            <a:r>
-              <a:rPr lang="fr-FR" dirty="0" smtClean="0"/>
-              <a:t>) est dédié à l’exécution des tests d’intégration. </a:t>
+              <a:t>), eux, sont basés sur une vérification de comportement.</a:t>
             </a:r>
             <a:endParaRPr lang="fr-FR" dirty="0"/>
           </a:p>
@@ -855,7 +839,7 @@
             <a:fld id="{35F9DA20-D60C-47C4-8E26-E2A2317DB7CC}" type="slidenum">
               <a:rPr lang="fr-FR" smtClean="0"/>
               <a:pPr/>
-              <a:t>10</a:t>
+              <a:t>6</a:t>
             </a:fld>
             <a:endParaRPr lang="fr-FR"/>
           </a:p>
@@ -915,6 +899,116 @@
           </a:bodyPr>
           <a:lstStyle/>
           <a:p>
+            <a:r>
+              <a:rPr lang="fr-FR" dirty="0" smtClean="0"/>
+              <a:t>le plugin </a:t>
+            </a:r>
+            <a:r>
+              <a:rPr lang="fr-FR" dirty="0" err="1" smtClean="0"/>
+              <a:t>Surefire</a:t>
+            </a:r>
+            <a:r>
+              <a:rPr lang="fr-FR" dirty="0" smtClean="0"/>
+              <a:t> (associé à la phase test) est dédié à l’exécution des tests unitaires et le plugin </a:t>
+            </a:r>
+            <a:r>
+              <a:rPr lang="fr-FR" dirty="0" err="1" smtClean="0"/>
+              <a:t>Failsafe</a:t>
+            </a:r>
+            <a:r>
+              <a:rPr lang="fr-FR" dirty="0" smtClean="0"/>
+              <a:t> (associé à la phase </a:t>
+            </a:r>
+            <a:r>
+              <a:rPr lang="fr-FR" dirty="0" err="1" smtClean="0"/>
+              <a:t>verify</a:t>
+            </a:r>
+            <a:r>
+              <a:rPr lang="fr-FR" dirty="0" smtClean="0"/>
+              <a:t>) est dédié à l’exécution des tests d’intégration. </a:t>
+            </a:r>
+            <a:endParaRPr lang="fr-FR" dirty="0"/>
+          </a:p>
+        </p:txBody>
+      </p:sp>
+      <p:sp>
+        <p:nvSpPr>
+          <p:cNvPr id="4" name="Espace réservé du numéro de diapositive 3"/>
+          <p:cNvSpPr>
+            <a:spLocks noGrp="1"/>
+          </p:cNvSpPr>
+          <p:nvPr>
+            <p:ph type="sldNum" sz="quarter" idx="10"/>
+          </p:nvPr>
+        </p:nvSpPr>
+        <p:spPr/>
+        <p:txBody>
+          <a:bodyPr/>
+          <a:lstStyle/>
+          <a:p>
+            <a:fld id="{35F9DA20-D60C-47C4-8E26-E2A2317DB7CC}" type="slidenum">
+              <a:rPr lang="fr-FR" smtClean="0"/>
+              <a:pPr/>
+              <a:t>10</a:t>
+            </a:fld>
+            <a:endParaRPr lang="fr-FR"/>
+          </a:p>
+        </p:txBody>
+      </p:sp>
+    </p:spTree>
+  </p:cSld>
+  <p:clrMapOvr>
+    <a:masterClrMapping/>
+  </p:clrMapOvr>
+</p:notes>
+</file>
+
+<file path=ppt/notesSlides/notesSlide6.xml><?xml version="1.0" encoding="utf-8"?>
+<p:notes xmlns:a="http://schemas.openxmlformats.org/drawingml/2006/main" xmlns:r="http://schemas.openxmlformats.org/officeDocument/2006/relationships" xmlns:p="http://schemas.openxmlformats.org/presentationml/2006/main">
+  <p:cSld>
+    <p:spTree>
+      <p:nvGrpSpPr>
+        <p:cNvPr id="1" name=""/>
+        <p:cNvGrpSpPr/>
+        <p:nvPr/>
+      </p:nvGrpSpPr>
+      <p:grpSpPr>
+        <a:xfrm>
+          <a:off x="0" y="0"/>
+          <a:ext cx="0" cy="0"/>
+          <a:chOff x="0" y="0"/>
+          <a:chExt cx="0" cy="0"/>
+        </a:xfrm>
+      </p:grpSpPr>
+      <p:sp>
+        <p:nvSpPr>
+          <p:cNvPr id="2" name="Espace réservé de l'image des diapositives 1"/>
+          <p:cNvSpPr>
+            <a:spLocks noGrp="1" noRot="1" noChangeAspect="1"/>
+          </p:cNvSpPr>
+          <p:nvPr>
+            <p:ph type="sldImg"/>
+          </p:nvPr>
+        </p:nvSpPr>
+        <p:spPr/>
+      </p:sp>
+      <p:sp>
+        <p:nvSpPr>
+          <p:cNvPr id="3" name="Espace réservé des commentaires 2"/>
+          <p:cNvSpPr>
+            <a:spLocks noGrp="1"/>
+          </p:cNvSpPr>
+          <p:nvPr>
+            <p:ph type="body" idx="1"/>
+          </p:nvPr>
+        </p:nvSpPr>
+        <p:spPr/>
+        <p:txBody>
+          <a:bodyPr>
+            <a:normAutofit/>
+          </a:bodyPr>
+          <a:lstStyle/>
+          <a:p>
             <a:endParaRPr lang="fr-FR" dirty="0"/>
           </a:p>
         </p:txBody>
@@ -1133,7 +1227,7 @@
             <a:fld id="{AA309A6D-C09C-4548-B29A-6CF363A7E532}" type="datetimeFigureOut">
               <a:rPr lang="fr-FR" smtClean="0"/>
               <a:pPr/>
-              <a:t>13/10/2022</a:t>
+              <a:t>16/10/2022</a:t>
             </a:fld>
             <a:endParaRPr lang="fr-BE"/>
           </a:p>
@@ -1300,7 +1394,7 @@
             <a:fld id="{AA309A6D-C09C-4548-B29A-6CF363A7E532}" type="datetimeFigureOut">
               <a:rPr lang="fr-FR" smtClean="0"/>
               <a:pPr/>
-              <a:t>13/10/2022</a:t>
+              <a:t>16/10/2022</a:t>
             </a:fld>
             <a:endParaRPr lang="fr-BE"/>
           </a:p>
@@ -1477,7 +1571,7 @@
             <a:fld id="{AA309A6D-C09C-4548-B29A-6CF363A7E532}" type="datetimeFigureOut">
               <a:rPr lang="fr-FR" smtClean="0"/>
               <a:pPr/>
-              <a:t>13/10/2022</a:t>
+              <a:t>16/10/2022</a:t>
             </a:fld>
             <a:endParaRPr lang="fr-BE"/>
           </a:p>
@@ -3049,7 +3143,7 @@
             <a:fld id="{AA309A6D-C09C-4548-B29A-6CF363A7E532}" type="datetimeFigureOut">
               <a:rPr lang="fr-FR" smtClean="0"/>
               <a:pPr/>
-              <a:t>13/10/2022</a:t>
+              <a:t>16/10/2022</a:t>
             </a:fld>
             <a:endParaRPr lang="fr-BE"/>
           </a:p>
@@ -3292,7 +3386,7 @@
             <a:fld id="{AA309A6D-C09C-4548-B29A-6CF363A7E532}" type="datetimeFigureOut">
               <a:rPr lang="fr-FR" smtClean="0"/>
               <a:pPr/>
-              <a:t>13/10/2022</a:t>
+              <a:t>16/10/2022</a:t>
             </a:fld>
             <a:endParaRPr lang="fr-BE"/>
           </a:p>
@@ -3577,7 +3671,7 @@
             <a:fld id="{AA309A6D-C09C-4548-B29A-6CF363A7E532}" type="datetimeFigureOut">
               <a:rPr lang="fr-FR" smtClean="0"/>
               <a:pPr/>
-              <a:t>13/10/2022</a:t>
+              <a:t>16/10/2022</a:t>
             </a:fld>
             <a:endParaRPr lang="fr-BE"/>
           </a:p>
@@ -3996,7 +4090,7 @@
             <a:fld id="{AA309A6D-C09C-4548-B29A-6CF363A7E532}" type="datetimeFigureOut">
               <a:rPr lang="fr-FR" smtClean="0"/>
               <a:pPr/>
-              <a:t>13/10/2022</a:t>
+              <a:t>16/10/2022</a:t>
             </a:fld>
             <a:endParaRPr lang="fr-BE"/>
           </a:p>
@@ -4111,7 +4205,7 @@
             <a:fld id="{AA309A6D-C09C-4548-B29A-6CF363A7E532}" type="datetimeFigureOut">
               <a:rPr lang="fr-FR" smtClean="0"/>
               <a:pPr/>
-              <a:t>13/10/2022</a:t>
+              <a:t>16/10/2022</a:t>
             </a:fld>
             <a:endParaRPr lang="fr-BE"/>
           </a:p>
@@ -4203,7 +4297,7 @@
             <a:fld id="{AA309A6D-C09C-4548-B29A-6CF363A7E532}" type="datetimeFigureOut">
               <a:rPr lang="fr-FR" smtClean="0"/>
               <a:pPr/>
-              <a:t>13/10/2022</a:t>
+              <a:t>16/10/2022</a:t>
             </a:fld>
             <a:endParaRPr lang="fr-BE"/>
           </a:p>
@@ -4477,7 +4571,7 @@
             <a:fld id="{AA309A6D-C09C-4548-B29A-6CF363A7E532}" type="datetimeFigureOut">
               <a:rPr lang="fr-FR" smtClean="0"/>
               <a:pPr/>
-              <a:t>13/10/2022</a:t>
+              <a:t>16/10/2022</a:t>
             </a:fld>
             <a:endParaRPr lang="fr-BE"/>
           </a:p>
@@ -4727,7 +4821,7 @@
             <a:fld id="{AA309A6D-C09C-4548-B29A-6CF363A7E532}" type="datetimeFigureOut">
               <a:rPr lang="fr-FR" smtClean="0"/>
               <a:pPr/>
-              <a:t>13/10/2022</a:t>
+              <a:t>16/10/2022</a:t>
             </a:fld>
             <a:endParaRPr lang="fr-BE"/>
           </a:p>
@@ -4937,7 +5031,7 @@
             <a:fld id="{AA309A6D-C09C-4548-B29A-6CF363A7E532}" type="datetimeFigureOut">
               <a:rPr lang="fr-FR" smtClean="0"/>
               <a:pPr/>
-              <a:t>13/10/2022</a:t>
+              <a:t>16/10/2022</a:t>
             </a:fld>
             <a:endParaRPr lang="fr-BE"/>
           </a:p>
@@ -6618,7 +6712,33 @@
                 <a:ea typeface="Cambria" pitchFamily="18" charset="0"/>
                 <a:cs typeface="Times New Roman" pitchFamily="18" charset="0"/>
               </a:rPr>
-              <a:t>     Ya deux types de tests d intégration:</a:t>
+              <a:t>     </a:t>
+            </a:r>
+            <a:r>
+              <a:rPr lang="fr-FR" sz="2000" dirty="0" smtClean="0">
+                <a:solidFill>
+                  <a:schemeClr val="accent1">
+                    <a:lumMod val="75000"/>
+                  </a:schemeClr>
+                </a:solidFill>
+                <a:latin typeface="Century" pitchFamily="18" charset="0"/>
+                <a:ea typeface="Cambria" pitchFamily="18" charset="0"/>
+                <a:cs typeface="Times New Roman" pitchFamily="18" charset="0"/>
+              </a:rPr>
+              <a:t>Il y’a </a:t>
+            </a:r>
+            <a:r>
+              <a:rPr lang="fr-FR" sz="2000" dirty="0" smtClean="0">
+                <a:solidFill>
+                  <a:schemeClr val="accent1">
+                    <a:lumMod val="75000"/>
+                  </a:schemeClr>
+                </a:solidFill>
+                <a:latin typeface="Century" pitchFamily="18" charset="0"/>
+                <a:ea typeface="Cambria" pitchFamily="18" charset="0"/>
+                <a:cs typeface="Times New Roman" pitchFamily="18" charset="0"/>
+              </a:rPr>
+              <a:t>deux types de tests d intégration:</a:t>
             </a:r>
           </a:p>
           <a:p>
@@ -7017,7 +7137,33 @@
                 <a:ea typeface="Cambria" pitchFamily="18" charset="0"/>
                 <a:cs typeface="Times New Roman" pitchFamily="18" charset="0"/>
               </a:rPr>
-              <a:t>  JUnit est un Framework qui permettre l'écriture et                          l'exécution de tests automatisés.</a:t>
+              <a:t>  JUnit est un Framework </a:t>
+            </a:r>
+            <a:r>
+              <a:rPr lang="fr-FR" sz="2000" smtClean="0">
+                <a:solidFill>
+                  <a:schemeClr val="accent1">
+                    <a:lumMod val="75000"/>
+                  </a:schemeClr>
+                </a:solidFill>
+                <a:latin typeface="Century" pitchFamily="18" charset="0"/>
+                <a:ea typeface="Cambria" pitchFamily="18" charset="0"/>
+                <a:cs typeface="Times New Roman" pitchFamily="18" charset="0"/>
+              </a:rPr>
+              <a:t>qui permet </a:t>
+            </a:r>
+            <a:r>
+              <a:rPr lang="fr-FR" sz="2000" dirty="0" smtClean="0">
+                <a:solidFill>
+                  <a:schemeClr val="accent1">
+                    <a:lumMod val="75000"/>
+                  </a:schemeClr>
+                </a:solidFill>
+                <a:latin typeface="Century" pitchFamily="18" charset="0"/>
+                <a:ea typeface="Cambria" pitchFamily="18" charset="0"/>
+                <a:cs typeface="Times New Roman" pitchFamily="18" charset="0"/>
+              </a:rPr>
+              <a:t>l'écriture et                          l'exécution de tests automatisés.</a:t>
             </a:r>
           </a:p>
           <a:p>
@@ -7339,7 +7485,7 @@
         <p:spPr>
           <a:xfrm>
             <a:off x="1000100" y="2000240"/>
-            <a:ext cx="7286676" cy="3477875"/>
+            <a:ext cx="7286676" cy="3785652"/>
           </a:xfrm>
           <a:prstGeom prst="rect">
             <a:avLst/>
@@ -7367,7 +7513,33 @@
                 <a:ea typeface="Cambria" pitchFamily="18" charset="0"/>
                 <a:cs typeface="Times New Roman" pitchFamily="18" charset="0"/>
               </a:rPr>
-              <a:t>Dans la classe ParkingDataBaseIT: faut compléter les tests d intégrations marqués avec des commentaires "TODO"</a:t>
+              <a:t>Dans la classe ParkingDataBaseIT: </a:t>
+            </a:r>
+            <a:r>
+              <a:rPr lang="fr-FR" sz="2000" dirty="0" smtClean="0">
+                <a:solidFill>
+                  <a:schemeClr val="accent1">
+                    <a:lumMod val="75000"/>
+                  </a:schemeClr>
+                </a:solidFill>
+                <a:latin typeface="Century" pitchFamily="18" charset="0"/>
+                <a:ea typeface="Cambria" pitchFamily="18" charset="0"/>
+                <a:cs typeface="Times New Roman" pitchFamily="18" charset="0"/>
+              </a:rPr>
+              <a:t> on a compléter </a:t>
+            </a:r>
+            <a:r>
+              <a:rPr lang="fr-FR" sz="2000" dirty="0" smtClean="0">
+                <a:solidFill>
+                  <a:schemeClr val="accent1">
+                    <a:lumMod val="75000"/>
+                  </a:schemeClr>
+                </a:solidFill>
+                <a:latin typeface="Century" pitchFamily="18" charset="0"/>
+                <a:ea typeface="Cambria" pitchFamily="18" charset="0"/>
+                <a:cs typeface="Times New Roman" pitchFamily="18" charset="0"/>
+              </a:rPr>
+              <a:t>les tests d intégrations marqués avec des commentaires "TODO"</a:t>
             </a:r>
           </a:p>
           <a:p>
@@ -7398,31 +7570,8 @@
                 <a:ea typeface="Cambria" pitchFamily="18" charset="0"/>
                 <a:cs typeface="Times New Roman" pitchFamily="18" charset="0"/>
               </a:rPr>
-              <a:t>L ajout d un test d intégration dans la méthode testParkingACar() qui va vérifier qu'un ticket est effectivement enregistré dans la base de données et que la table de stationnement est mise à jour avec la </a:t>
-            </a:r>
-            <a:r>
-              <a:rPr lang="fr-FR" sz="2000" dirty="0" smtClean="0">
-                <a:solidFill>
-                  <a:schemeClr val="accent1">
-                    <a:lumMod val="75000"/>
-                  </a:schemeClr>
-                </a:solidFill>
-                <a:latin typeface="Century" pitchFamily="18" charset="0"/>
-                <a:ea typeface="Cambria" pitchFamily="18" charset="0"/>
-                <a:cs typeface="Times New Roman" pitchFamily="18" charset="0"/>
-              </a:rPr>
-              <a:t>disponibilité. </a:t>
-            </a:r>
-            <a:endParaRPr lang="fr-FR" sz="2000" dirty="0" smtClean="0">
-              <a:solidFill>
-                <a:schemeClr val="accent1">
-                  <a:lumMod val="75000"/>
-                </a:schemeClr>
-              </a:solidFill>
-              <a:latin typeface="Century" pitchFamily="18" charset="0"/>
-              <a:ea typeface="Cambria" pitchFamily="18" charset="0"/>
-              <a:cs typeface="Times New Roman" pitchFamily="18" charset="0"/>
-            </a:endParaRPr>
+              <a:t>L ajout d un test d intégration dans la méthode testParkingACar() qui va vérifier qu'un ticket est effectivement enregistré dans la base de données et que la table de stationnement est mise à jour avec la disponibilité. </a:t>
+            </a:r>
           </a:p>
           <a:p>
             <a:pPr>
@@ -7456,31 +7605,8 @@
                 <a:ea typeface="Cambria" pitchFamily="18" charset="0"/>
                 <a:cs typeface="Times New Roman" pitchFamily="18" charset="0"/>
               </a:rPr>
-              <a:t>L'ajout d un test d intégration  dans la méthode testParkingLotExit() qui va vérifier que le tarif généré et l'heure de sortie sont correctement renseignés dans la </a:t>
-            </a:r>
-            <a:r>
-              <a:rPr lang="fr-FR" sz="2000" dirty="0" smtClean="0">
-                <a:solidFill>
-                  <a:schemeClr val="accent1">
-                    <a:lumMod val="75000"/>
-                  </a:schemeClr>
-                </a:solidFill>
-                <a:latin typeface="Century" pitchFamily="18" charset="0"/>
-                <a:ea typeface="Cambria" pitchFamily="18" charset="0"/>
-                <a:cs typeface="Times New Roman" pitchFamily="18" charset="0"/>
-              </a:rPr>
-              <a:t>base. </a:t>
-            </a:r>
-            <a:endParaRPr lang="fr-FR" sz="2000" dirty="0" smtClean="0">
-              <a:solidFill>
-                <a:schemeClr val="accent1">
-                  <a:lumMod val="75000"/>
-                </a:schemeClr>
-              </a:solidFill>
-              <a:latin typeface="Century" pitchFamily="18" charset="0"/>
-              <a:ea typeface="Cambria" pitchFamily="18" charset="0"/>
-              <a:cs typeface="Times New Roman" pitchFamily="18" charset="0"/>
-            </a:endParaRPr>
+              <a:t>L'ajout d un test d intégration  dans la méthode testParkingLotExit() qui va vérifier que le tarif généré et l'heure de sortie sont correctement renseignés dans la base. </a:t>
+            </a:r>
           </a:p>
         </p:txBody>
       </p:sp>
